--- a/AVFoundation-音视频剪辑.pptx
+++ b/AVFoundation-音视频剪辑.pptx
@@ -1,6 +1,6 @@
 
 <file path=ppt/presentation.xml><?xml version="1.0" encoding="utf-8"?>
-<p:presentation xmlns:a="http://schemas.openxmlformats.org/drawingml/2006/main" xmlns:r="http://schemas.openxmlformats.org/officeDocument/2006/relationships" xmlns:p="http://schemas.openxmlformats.org/presentationml/2006/main" autoCompressPictures="0">
+<p:presentation xmlns:a="http://schemas.openxmlformats.org/drawingml/2006/main" xmlns:r="http://schemas.openxmlformats.org/officeDocument/2006/relationships" xmlns:p="http://schemas.openxmlformats.org/presentationml/2006/main" saveSubsetFonts="1" autoCompressPictures="0">
   <p:sldMasterIdLst>
     <p:sldMasterId id="2147483648" r:id="rId1"/>
   </p:sldMasterIdLst>
@@ -8,14 +8,15 @@
     <p:notesMasterId r:id="rId13"/>
   </p:notesMasterIdLst>
   <p:sldIdLst>
-    <p:sldId id="256" r:id="rId3"/>
-    <p:sldId id="257" r:id="rId4"/>
-    <p:sldId id="262" r:id="rId5"/>
-    <p:sldId id="258" r:id="rId6"/>
-    <p:sldId id="263" r:id="rId7"/>
-    <p:sldId id="266" r:id="rId8"/>
-    <p:sldId id="267" r:id="rId9"/>
-    <p:sldId id="259" r:id="rId10"/>
+    <p:sldId id="256" r:id="rId2"/>
+    <p:sldId id="257" r:id="rId3"/>
+    <p:sldId id="262" r:id="rId4"/>
+    <p:sldId id="258" r:id="rId5"/>
+    <p:sldId id="263" r:id="rId6"/>
+    <p:sldId id="266" r:id="rId7"/>
+    <p:sldId id="267" r:id="rId8"/>
+    <p:sldId id="259" r:id="rId9"/>
+    <p:sldId id="268" r:id="rId10"/>
     <p:sldId id="260" r:id="rId11"/>
     <p:sldId id="261" r:id="rId12"/>
   </p:sldIdLst>
@@ -116,6 +117,11 @@
       </a:defRPr>
     </a:lvl9pPr>
   </p:defaultTextStyle>
+  <p:extLst>
+    <p:ext uri="{EFAFB233-063F-42B5-8137-9DF3F51BA10A}">
+      <p15:sldGuideLst xmlns:p15="http://schemas.microsoft.com/office/powerpoint/2012/main"/>
+    </p:ext>
+  </p:extLst>
 </p:presentation>
 </file>
 
@@ -201,6 +207,7 @@
           <a:p>
             <a:fld id="{05254482-778B-7843-B164-44F8E3743E58}" type="datetimeFigureOut">
               <a:rPr kumimoji="1" lang="zh-CN" altLang="en-US" smtClean="0"/>
+              <a:t>2020/5/19</a:t>
             </a:fld>
             <a:endParaRPr kumimoji="1" lang="zh-CN" altLang="en-US"/>
           </a:p>
@@ -267,7 +274,6 @@
               <a:rPr kumimoji="1" lang="zh-CN" altLang="en-US" smtClean="0"/>
               <a:t>单击此处编辑母版文本样式</a:t>
             </a:r>
-            <a:endParaRPr kumimoji="1" lang="zh-CN" altLang="en-US" smtClean="0"/>
           </a:p>
           <a:p>
             <a:pPr lvl="1"/>
@@ -275,7 +281,6 @@
               <a:rPr kumimoji="1" lang="zh-CN" altLang="en-US" smtClean="0"/>
               <a:t>二级</a:t>
             </a:r>
-            <a:endParaRPr kumimoji="1" lang="zh-CN" altLang="en-US" smtClean="0"/>
           </a:p>
           <a:p>
             <a:pPr lvl="2"/>
@@ -283,7 +288,6 @@
               <a:rPr kumimoji="1" lang="zh-CN" altLang="en-US" smtClean="0"/>
               <a:t>三级</a:t>
             </a:r>
-            <a:endParaRPr kumimoji="1" lang="zh-CN" altLang="en-US" smtClean="0"/>
           </a:p>
           <a:p>
             <a:pPr lvl="3"/>
@@ -291,7 +295,6 @@
               <a:rPr kumimoji="1" lang="zh-CN" altLang="en-US" smtClean="0"/>
               <a:t>四级</a:t>
             </a:r>
-            <a:endParaRPr kumimoji="1" lang="zh-CN" altLang="en-US" smtClean="0"/>
           </a:p>
           <a:p>
             <a:pPr lvl="4"/>
@@ -363,6 +366,7 @@
           <a:p>
             <a:fld id="{CFA23C78-F447-7749-9627-AA274C964768}" type="slidenum">
               <a:rPr kumimoji="1" lang="zh-CN" altLang="en-US" smtClean="0"/>
+              <a:t>‹#›</a:t>
             </a:fld>
             <a:endParaRPr kumimoji="1" lang="zh-CN" altLang="en-US"/>
           </a:p>
@@ -467,7 +471,7 @@
 </file>
 
 <file path=ppt/slideLayouts/slideLayout1.xml><?xml version="1.0" encoding="utf-8"?>
-<p:sldLayout xmlns:a="http://schemas.openxmlformats.org/drawingml/2006/main" xmlns:r="http://schemas.openxmlformats.org/officeDocument/2006/relationships" xmlns:p="http://schemas.openxmlformats.org/presentationml/2006/main" type="title" preserve="1" showMasterSp="0">
+<p:sldLayout xmlns:a="http://schemas.openxmlformats.org/drawingml/2006/main" xmlns:r="http://schemas.openxmlformats.org/officeDocument/2006/relationships" xmlns:p="http://schemas.openxmlformats.org/presentationml/2006/main" showMasterSp="0" type="title" preserve="1">
   <p:cSld name="标题幻灯片">
     <p:spTree>
       <p:nvGrpSpPr>
@@ -801,6 +805,7 @@
           <a:p>
             <a:fld id="{5923F103-BC34-4FE4-A40E-EDDEECFDA5D0}" type="datetimeFigureOut">
               <a:rPr lang="en-US" dirty="0"/>
+              <a:t>5/19/20</a:t>
             </a:fld>
             <a:endParaRPr lang="en-US" dirty="0"/>
           </a:p>
@@ -898,6 +903,7 @@
           <a:p>
             <a:fld id="{D57F1E4F-1CFF-5643-939E-217C01CDF565}" type="slidenum">
               <a:rPr lang="en-US" dirty="0"/>
+              <a:t>‹#›</a:t>
             </a:fld>
             <a:endParaRPr lang="en-US" dirty="0"/>
           </a:p>
@@ -1862,7 +1868,6 @@
               <a:rPr lang="zh-CN" altLang="en-US" smtClean="0"/>
               <a:t>单击此处编辑母版文本样式</a:t>
             </a:r>
-            <a:endParaRPr lang="zh-CN" altLang="en-US" smtClean="0"/>
           </a:p>
         </p:txBody>
       </p:sp>
@@ -1883,6 +1888,7 @@
           <a:p>
             <a:fld id="{923A1CC3-2375-41D4-9E03-427CAF2A4C1A}" type="datetimeFigureOut">
               <a:rPr lang="en-US" dirty="0"/>
+              <a:t>5/19/20</a:t>
             </a:fld>
             <a:endParaRPr lang="en-US" dirty="0"/>
           </a:p>
@@ -1960,6 +1966,7 @@
           <a:p>
             <a:fld id="{D57F1E4F-1CFF-5643-939E-217C01CDF565}" type="slidenum">
               <a:rPr lang="en-US" dirty="0"/>
+              <a:t>‹#›</a:t>
             </a:fld>
             <a:endParaRPr lang="en-US" dirty="0"/>
           </a:p>
@@ -1974,7 +1981,7 @@
 </file>
 
 <file path=ppt/slideLayouts/slideLayout11.xml><?xml version="1.0" encoding="utf-8"?>
-<p:sldLayout xmlns:a="http://schemas.openxmlformats.org/drawingml/2006/main" xmlns:r="http://schemas.openxmlformats.org/officeDocument/2006/relationships" xmlns:p="http://schemas.openxmlformats.org/presentationml/2006/main" preserve="1" showMasterSp="0">
+<p:sldLayout xmlns:a="http://schemas.openxmlformats.org/drawingml/2006/main" xmlns:r="http://schemas.openxmlformats.org/officeDocument/2006/relationships" xmlns:p="http://schemas.openxmlformats.org/presentationml/2006/main" showMasterSp="0" preserve="1">
   <p:cSld name="标题和题注">
     <p:spTree>
       <p:nvGrpSpPr>
@@ -2836,7 +2843,6 @@
               <a:rPr lang="zh-CN" altLang="en-US" smtClean="0"/>
               <a:t>单击此处编辑母版文本样式</a:t>
             </a:r>
-            <a:endParaRPr lang="zh-CN" altLang="en-US" smtClean="0"/>
           </a:p>
         </p:txBody>
       </p:sp>
@@ -2857,6 +2863,7 @@
           <a:p>
             <a:fld id="{AFF16868-8199-4C2C-A5B1-63AEE139F88E}" type="datetimeFigureOut">
               <a:rPr lang="en-US" dirty="0"/>
+              <a:t>5/19/20</a:t>
             </a:fld>
             <a:endParaRPr lang="en-US" dirty="0"/>
           </a:p>
@@ -2934,6 +2941,7 @@
           <a:p>
             <a:fld id="{D57F1E4F-1CFF-5643-939E-217C01CDF565}" type="slidenum">
               <a:rPr lang="en-US" dirty="0"/>
+              <a:t>‹#›</a:t>
             </a:fld>
             <a:endParaRPr lang="en-US" dirty="0"/>
           </a:p>
@@ -2948,7 +2956,7 @@
 </file>
 
 <file path=ppt/slideLayouts/slideLayout12.xml><?xml version="1.0" encoding="utf-8"?>
-<p:sldLayout xmlns:a="http://schemas.openxmlformats.org/drawingml/2006/main" xmlns:r="http://schemas.openxmlformats.org/officeDocument/2006/relationships" xmlns:p="http://schemas.openxmlformats.org/presentationml/2006/main" preserve="1" showMasterSp="0">
+<p:sldLayout xmlns:a="http://schemas.openxmlformats.org/drawingml/2006/main" xmlns:r="http://schemas.openxmlformats.org/officeDocument/2006/relationships" xmlns:p="http://schemas.openxmlformats.org/presentationml/2006/main" showMasterSp="0" preserve="1">
   <p:cSld name="带标题的引述">
     <p:spTree>
       <p:nvGrpSpPr>
@@ -3750,16 +3758,6 @@
               </a:rPr>
               <a:t>“</a:t>
             </a:r>
-            <a:endParaRPr lang="en-US" sz="9600" b="0" i="0" dirty="0">
-              <a:solidFill>
-                <a:schemeClr val="accent1">
-                  <a:lumMod val="60000"/>
-                  <a:lumOff val="40000"/>
-                </a:schemeClr>
-              </a:solidFill>
-              <a:latin typeface="Arial" panose="020B0604020202090204"/>
-              <a:cs typeface="Arial" panose="020B0604020202090204"/>
-            </a:endParaRPr>
           </a:p>
         </p:txBody>
       </p:sp>
@@ -3799,16 +3797,6 @@
               </a:rPr>
               <a:t>”</a:t>
             </a:r>
-            <a:endParaRPr lang="en-US" sz="9600" b="0" i="0" dirty="0">
-              <a:solidFill>
-                <a:schemeClr val="accent1">
-                  <a:lumMod val="60000"/>
-                  <a:lumOff val="40000"/>
-                </a:schemeClr>
-              </a:solidFill>
-              <a:latin typeface="Arial" panose="020B0604020202090204"/>
-              <a:cs typeface="Arial" panose="020B0604020202090204"/>
-            </a:endParaRPr>
           </a:p>
         </p:txBody>
       </p:sp>
@@ -3917,7 +3905,6 @@
               <a:rPr lang="zh-CN" altLang="en-US" smtClean="0"/>
               <a:t>单击此处编辑母版文本样式</a:t>
             </a:r>
-            <a:endParaRPr lang="zh-CN" altLang="en-US" smtClean="0"/>
           </a:p>
         </p:txBody>
       </p:sp>
@@ -3985,7 +3972,6 @@
               <a:rPr lang="zh-CN" altLang="en-US" smtClean="0"/>
               <a:t>单击此处编辑母版文本样式</a:t>
             </a:r>
-            <a:endParaRPr lang="zh-CN" altLang="en-US" smtClean="0"/>
           </a:p>
         </p:txBody>
       </p:sp>
@@ -4006,6 +3992,7 @@
           <a:p>
             <a:fld id="{AAD9FF7F-6988-44CC-821B-644E70CD2F73}" type="datetimeFigureOut">
               <a:rPr lang="en-US" dirty="0"/>
+              <a:t>5/19/20</a:t>
             </a:fld>
             <a:endParaRPr lang="en-US" dirty="0"/>
           </a:p>
@@ -4083,6 +4070,7 @@
           <a:p>
             <a:fld id="{D57F1E4F-1CFF-5643-939E-217C01CDF565}" type="slidenum">
               <a:rPr lang="en-US" dirty="0"/>
+              <a:t>‹#›</a:t>
             </a:fld>
             <a:endParaRPr lang="en-US" dirty="0"/>
           </a:p>
@@ -4097,7 +4085,7 @@
 </file>
 
 <file path=ppt/slideLayouts/slideLayout13.xml><?xml version="1.0" encoding="utf-8"?>
-<p:sldLayout xmlns:a="http://schemas.openxmlformats.org/drawingml/2006/main" xmlns:r="http://schemas.openxmlformats.org/officeDocument/2006/relationships" xmlns:p="http://schemas.openxmlformats.org/presentationml/2006/main" preserve="1" showMasterSp="0">
+<p:sldLayout xmlns:a="http://schemas.openxmlformats.org/drawingml/2006/main" xmlns:r="http://schemas.openxmlformats.org/officeDocument/2006/relationships" xmlns:p="http://schemas.openxmlformats.org/presentationml/2006/main" showMasterSp="0" preserve="1">
   <p:cSld name="名片">
     <p:spTree>
       <p:nvGrpSpPr>
@@ -5012,7 +5000,6 @@
               <a:rPr lang="zh-CN" altLang="en-US" smtClean="0"/>
               <a:t>单击此处编辑母版文本样式</a:t>
             </a:r>
-            <a:endParaRPr lang="zh-CN" altLang="en-US" smtClean="0"/>
           </a:p>
         </p:txBody>
       </p:sp>
@@ -5033,6 +5020,7 @@
           <a:p>
             <a:fld id="{5C12C299-16B2-4475-990D-751901EACC14}" type="datetimeFigureOut">
               <a:rPr lang="en-US" dirty="0"/>
+              <a:t>5/19/20</a:t>
             </a:fld>
             <a:endParaRPr lang="en-US" dirty="0"/>
           </a:p>
@@ -5110,6 +5098,7 @@
           <a:p>
             <a:fld id="{D57F1E4F-1CFF-5643-939E-217C01CDF565}" type="slidenum">
               <a:rPr lang="en-US" dirty="0"/>
+              <a:t>‹#›</a:t>
             </a:fld>
             <a:endParaRPr lang="en-US" dirty="0"/>
           </a:p>
@@ -5243,7 +5232,6 @@
               <a:rPr lang="zh-CN" altLang="en-US" smtClean="0"/>
               <a:t>单击此处编辑母版文本样式</a:t>
             </a:r>
-            <a:endParaRPr lang="zh-CN" altLang="en-US" smtClean="0"/>
           </a:p>
         </p:txBody>
       </p:sp>
@@ -5311,7 +5299,6 @@
               <a:rPr lang="zh-CN" altLang="en-US" smtClean="0"/>
               <a:t>单击此处编辑母版文本样式</a:t>
             </a:r>
-            <a:endParaRPr lang="zh-CN" altLang="en-US" smtClean="0"/>
           </a:p>
         </p:txBody>
       </p:sp>
@@ -5386,7 +5373,6 @@
               <a:rPr lang="zh-CN" altLang="en-US" smtClean="0"/>
               <a:t>单击此处编辑母版文本样式</a:t>
             </a:r>
-            <a:endParaRPr lang="zh-CN" altLang="en-US" smtClean="0"/>
           </a:p>
         </p:txBody>
       </p:sp>
@@ -5454,7 +5440,6 @@
               <a:rPr lang="zh-CN" altLang="en-US" smtClean="0"/>
               <a:t>单击此处编辑母版文本样式</a:t>
             </a:r>
-            <a:endParaRPr lang="zh-CN" altLang="en-US" smtClean="0"/>
           </a:p>
         </p:txBody>
       </p:sp>
@@ -5529,7 +5514,6 @@
               <a:rPr lang="zh-CN" altLang="en-US" smtClean="0"/>
               <a:t>单击此处编辑母版文本样式</a:t>
             </a:r>
-            <a:endParaRPr lang="zh-CN" altLang="en-US" smtClean="0"/>
           </a:p>
         </p:txBody>
       </p:sp>
@@ -5597,7 +5581,6 @@
               <a:rPr lang="zh-CN" altLang="en-US" smtClean="0"/>
               <a:t>单击此处编辑母版文本样式</a:t>
             </a:r>
-            <a:endParaRPr lang="zh-CN" altLang="en-US" smtClean="0"/>
           </a:p>
         </p:txBody>
       </p:sp>
@@ -5692,6 +5675,7 @@
           <a:p>
             <a:fld id="{9FE86839-B9D8-4651-8783-F325ECE74E65}" type="datetimeFigureOut">
               <a:rPr lang="en-US" dirty="0"/>
+              <a:t>5/19/20</a:t>
             </a:fld>
             <a:endParaRPr lang="en-US" dirty="0"/>
           </a:p>
@@ -5733,6 +5717,7 @@
           <a:p>
             <a:fld id="{D57F1E4F-1CFF-5643-939E-217C01CDF565}" type="slidenum">
               <a:rPr lang="en-US" dirty="0"/>
+              <a:t>‹#›</a:t>
             </a:fld>
             <a:endParaRPr lang="en-US" dirty="0"/>
           </a:p>
@@ -5866,7 +5851,6 @@
               <a:rPr lang="zh-CN" altLang="en-US" smtClean="0"/>
               <a:t>单击此处编辑母版文本样式</a:t>
             </a:r>
-            <a:endParaRPr lang="zh-CN" altLang="en-US" smtClean="0"/>
           </a:p>
         </p:txBody>
       </p:sp>
@@ -6013,7 +5997,6 @@
               <a:rPr lang="zh-CN" altLang="en-US" smtClean="0"/>
               <a:t>单击此处编辑母版文本样式</a:t>
             </a:r>
-            <a:endParaRPr lang="zh-CN" altLang="en-US" smtClean="0"/>
           </a:p>
         </p:txBody>
       </p:sp>
@@ -6088,7 +6071,6 @@
               <a:rPr lang="zh-CN" altLang="en-US" smtClean="0"/>
               <a:t>单击此处编辑母版文本样式</a:t>
             </a:r>
-            <a:endParaRPr lang="zh-CN" altLang="en-US" smtClean="0"/>
           </a:p>
         </p:txBody>
       </p:sp>
@@ -6235,7 +6217,6 @@
               <a:rPr lang="zh-CN" altLang="en-US" smtClean="0"/>
               <a:t>单击此处编辑母版文本样式</a:t>
             </a:r>
-            <a:endParaRPr lang="zh-CN" altLang="en-US" smtClean="0"/>
           </a:p>
         </p:txBody>
       </p:sp>
@@ -6310,7 +6291,6 @@
               <a:rPr lang="zh-CN" altLang="en-US" smtClean="0"/>
               <a:t>单击此处编辑母版文本样式</a:t>
             </a:r>
-            <a:endParaRPr lang="zh-CN" altLang="en-US" smtClean="0"/>
           </a:p>
         </p:txBody>
       </p:sp>
@@ -6457,7 +6437,6 @@
               <a:rPr lang="zh-CN" altLang="en-US" smtClean="0"/>
               <a:t>单击此处编辑母版文本样式</a:t>
             </a:r>
-            <a:endParaRPr lang="zh-CN" altLang="en-US" smtClean="0"/>
           </a:p>
         </p:txBody>
       </p:sp>
@@ -6552,6 +6531,7 @@
           <a:p>
             <a:fld id="{FD484F64-32F6-45C5-931F-ADC1662401D0}" type="datetimeFigureOut">
               <a:rPr lang="en-US" dirty="0"/>
+              <a:t>5/19/20</a:t>
             </a:fld>
             <a:endParaRPr lang="en-US" dirty="0"/>
           </a:p>
@@ -6598,6 +6578,7 @@
           <a:p>
             <a:fld id="{D57F1E4F-1CFF-5643-939E-217C01CDF565}" type="slidenum">
               <a:rPr lang="en-US" dirty="0"/>
+              <a:t>‹#›</a:t>
             </a:fld>
             <a:endParaRPr lang="en-US" dirty="0"/>
           </a:p>
@@ -6681,7 +6662,6 @@
               <a:rPr lang="zh-CN" altLang="en-US" smtClean="0"/>
               <a:t>单击此处编辑母版文本样式</a:t>
             </a:r>
-            <a:endParaRPr lang="zh-CN" altLang="en-US" smtClean="0"/>
           </a:p>
           <a:p>
             <a:pPr lvl="1"/>
@@ -6689,7 +6669,6 @@
               <a:rPr lang="zh-CN" altLang="en-US" smtClean="0"/>
               <a:t>二级</a:t>
             </a:r>
-            <a:endParaRPr lang="zh-CN" altLang="en-US" smtClean="0"/>
           </a:p>
           <a:p>
             <a:pPr lvl="2"/>
@@ -6697,7 +6676,6 @@
               <a:rPr lang="zh-CN" altLang="en-US" smtClean="0"/>
               <a:t>三级</a:t>
             </a:r>
-            <a:endParaRPr lang="zh-CN" altLang="en-US" smtClean="0"/>
           </a:p>
           <a:p>
             <a:pPr lvl="3"/>
@@ -6705,7 +6683,6 @@
               <a:rPr lang="zh-CN" altLang="en-US" smtClean="0"/>
               <a:t>四级</a:t>
             </a:r>
-            <a:endParaRPr lang="zh-CN" altLang="en-US" smtClean="0"/>
           </a:p>
           <a:p>
             <a:pPr lvl="4"/>
@@ -6739,6 +6716,7 @@
           <a:p>
             <a:fld id="{53086D93-FCAC-47E0-A2EE-787E62CA814C}" type="datetimeFigureOut">
               <a:rPr lang="en-US" dirty="0"/>
+              <a:t>5/19/20</a:t>
             </a:fld>
             <a:endParaRPr lang="en-US" dirty="0"/>
           </a:p>
@@ -6780,6 +6758,7 @@
           <a:p>
             <a:fld id="{D57F1E4F-1CFF-5643-939E-217C01CDF565}" type="slidenum">
               <a:rPr lang="en-US" dirty="0"/>
+              <a:t>‹#›</a:t>
             </a:fld>
             <a:endParaRPr lang="en-US" dirty="0"/>
           </a:p>
@@ -6794,7 +6773,7 @@
 </file>
 
 <file path=ppt/slideLayouts/slideLayout17.xml><?xml version="1.0" encoding="utf-8"?>
-<p:sldLayout xmlns:a="http://schemas.openxmlformats.org/drawingml/2006/main" xmlns:r="http://schemas.openxmlformats.org/officeDocument/2006/relationships" xmlns:p="http://schemas.openxmlformats.org/presentationml/2006/main" type="vertTitleAndTx" preserve="1" showMasterSp="0">
+<p:sldLayout xmlns:a="http://schemas.openxmlformats.org/drawingml/2006/main" xmlns:r="http://schemas.openxmlformats.org/officeDocument/2006/relationships" xmlns:p="http://schemas.openxmlformats.org/presentationml/2006/main" showMasterSp="0" type="vertTitleAndTx" preserve="1">
   <p:cSld name="竖排标题和文本">
     <p:spTree>
       <p:nvGrpSpPr>
@@ -7650,7 +7629,6 @@
               <a:rPr lang="zh-CN" altLang="en-US" smtClean="0"/>
               <a:t>单击此处编辑母版文本样式</a:t>
             </a:r>
-            <a:endParaRPr lang="zh-CN" altLang="en-US" smtClean="0"/>
           </a:p>
           <a:p>
             <a:pPr lvl="1"/>
@@ -7658,7 +7636,6 @@
               <a:rPr lang="zh-CN" altLang="en-US" smtClean="0"/>
               <a:t>二级</a:t>
             </a:r>
-            <a:endParaRPr lang="zh-CN" altLang="en-US" smtClean="0"/>
           </a:p>
           <a:p>
             <a:pPr lvl="2"/>
@@ -7666,7 +7643,6 @@
               <a:rPr lang="zh-CN" altLang="en-US" smtClean="0"/>
               <a:t>三级</a:t>
             </a:r>
-            <a:endParaRPr lang="zh-CN" altLang="en-US" smtClean="0"/>
           </a:p>
           <a:p>
             <a:pPr lvl="3"/>
@@ -7674,7 +7650,6 @@
               <a:rPr lang="zh-CN" altLang="en-US" smtClean="0"/>
               <a:t>四级</a:t>
             </a:r>
-            <a:endParaRPr lang="zh-CN" altLang="en-US" smtClean="0"/>
           </a:p>
           <a:p>
             <a:pPr lvl="4"/>
@@ -7708,6 +7683,7 @@
           <a:p>
             <a:fld id="{CDA879A6-0FD0-4734-A311-86BFCA472E6E}" type="datetimeFigureOut">
               <a:rPr lang="en-US" dirty="0"/>
+              <a:t>5/19/20</a:t>
             </a:fld>
             <a:endParaRPr lang="en-US" dirty="0"/>
           </a:p>
@@ -7785,6 +7761,7 @@
           <a:p>
             <a:fld id="{D57F1E4F-1CFF-5643-939E-217C01CDF565}" type="slidenum">
               <a:rPr lang="en-US" dirty="0"/>
+              <a:t>‹#›</a:t>
             </a:fld>
             <a:endParaRPr lang="en-US" dirty="0"/>
           </a:p>
@@ -7863,7 +7840,6 @@
               <a:rPr lang="zh-CN" altLang="en-US" smtClean="0"/>
               <a:t>单击此处编辑母版文本样式</a:t>
             </a:r>
-            <a:endParaRPr lang="zh-CN" altLang="en-US" smtClean="0"/>
           </a:p>
           <a:p>
             <a:pPr lvl="1"/>
@@ -7871,7 +7847,6 @@
               <a:rPr lang="zh-CN" altLang="en-US" smtClean="0"/>
               <a:t>二级</a:t>
             </a:r>
-            <a:endParaRPr lang="zh-CN" altLang="en-US" smtClean="0"/>
           </a:p>
           <a:p>
             <a:pPr lvl="2"/>
@@ -7879,7 +7854,6 @@
               <a:rPr lang="zh-CN" altLang="en-US" smtClean="0"/>
               <a:t>三级</a:t>
             </a:r>
-            <a:endParaRPr lang="zh-CN" altLang="en-US" smtClean="0"/>
           </a:p>
           <a:p>
             <a:pPr lvl="3"/>
@@ -7887,7 +7861,6 @@
               <a:rPr lang="zh-CN" altLang="en-US" smtClean="0"/>
               <a:t>四级</a:t>
             </a:r>
-            <a:endParaRPr lang="zh-CN" altLang="en-US" smtClean="0"/>
           </a:p>
           <a:p>
             <a:pPr lvl="4"/>
@@ -7916,6 +7889,7 @@
           <a:p>
             <a:fld id="{19C9CA7B-DFD4-44B5-8C60-D14B8CD1FB59}" type="datetimeFigureOut">
               <a:rPr lang="en-US" dirty="0"/>
+              <a:t>5/19/20</a:t>
             </a:fld>
             <a:endParaRPr lang="en-US" dirty="0"/>
           </a:p>
@@ -7957,6 +7931,7 @@
           <a:p>
             <a:fld id="{D57F1E4F-1CFF-5643-939E-217C01CDF565}" type="slidenum">
               <a:rPr lang="en-US" dirty="0"/>
+              <a:t>‹#›</a:t>
             </a:fld>
             <a:endParaRPr lang="en-US" dirty="0"/>
           </a:p>
@@ -7971,7 +7946,7 @@
 </file>
 
 <file path=ppt/slideLayouts/slideLayout3.xml><?xml version="1.0" encoding="utf-8"?>
-<p:sldLayout xmlns:a="http://schemas.openxmlformats.org/drawingml/2006/main" xmlns:r="http://schemas.openxmlformats.org/officeDocument/2006/relationships" xmlns:p="http://schemas.openxmlformats.org/presentationml/2006/main" type="secHead" preserve="1" showMasterSp="0">
+<p:sldLayout xmlns:a="http://schemas.openxmlformats.org/drawingml/2006/main" xmlns:r="http://schemas.openxmlformats.org/officeDocument/2006/relationships" xmlns:p="http://schemas.openxmlformats.org/presentationml/2006/main" showMasterSp="0" type="secHead" preserve="1">
   <p:cSld name="节标题">
     <p:spTree>
       <p:nvGrpSpPr>
@@ -8923,7 +8898,6 @@
               <a:rPr lang="zh-CN" altLang="en-US" smtClean="0"/>
               <a:t>单击此处编辑母版文本样式</a:t>
             </a:r>
-            <a:endParaRPr lang="zh-CN" altLang="en-US" smtClean="0"/>
           </a:p>
         </p:txBody>
       </p:sp>
@@ -8944,6 +8918,7 @@
           <a:p>
             <a:fld id="{F34E6425-0181-43F2-84FC-787E803FD2F8}" type="datetimeFigureOut">
               <a:rPr lang="en-US" dirty="0"/>
+              <a:t>5/19/20</a:t>
             </a:fld>
             <a:endParaRPr lang="en-US" dirty="0"/>
           </a:p>
@@ -9021,6 +8996,7 @@
           <a:p>
             <a:fld id="{D57F1E4F-1CFF-5643-939E-217C01CDF565}" type="slidenum">
               <a:rPr lang="en-US" dirty="0"/>
+              <a:t>‹#›</a:t>
             </a:fld>
             <a:endParaRPr lang="en-US" dirty="0"/>
           </a:p>
@@ -9101,7 +9077,6 @@
               <a:rPr lang="zh-CN" altLang="en-US" smtClean="0"/>
               <a:t>单击此处编辑母版文本样式</a:t>
             </a:r>
-            <a:endParaRPr lang="zh-CN" altLang="en-US" smtClean="0"/>
           </a:p>
           <a:p>
             <a:pPr lvl="1"/>
@@ -9109,7 +9084,6 @@
               <a:rPr lang="zh-CN" altLang="en-US" smtClean="0"/>
               <a:t>二级</a:t>
             </a:r>
-            <a:endParaRPr lang="zh-CN" altLang="en-US" smtClean="0"/>
           </a:p>
           <a:p>
             <a:pPr lvl="2"/>
@@ -9117,7 +9091,6 @@
               <a:rPr lang="zh-CN" altLang="en-US" smtClean="0"/>
               <a:t>三级</a:t>
             </a:r>
-            <a:endParaRPr lang="zh-CN" altLang="en-US" smtClean="0"/>
           </a:p>
           <a:p>
             <a:pPr lvl="3"/>
@@ -9125,7 +9098,6 @@
               <a:rPr lang="zh-CN" altLang="en-US" smtClean="0"/>
               <a:t>四级</a:t>
             </a:r>
-            <a:endParaRPr lang="zh-CN" altLang="en-US" smtClean="0"/>
           </a:p>
           <a:p>
             <a:pPr lvl="4"/>
@@ -9164,7 +9136,6 @@
               <a:rPr lang="zh-CN" altLang="en-US" smtClean="0"/>
               <a:t>单击此处编辑母版文本样式</a:t>
             </a:r>
-            <a:endParaRPr lang="zh-CN" altLang="en-US" smtClean="0"/>
           </a:p>
           <a:p>
             <a:pPr lvl="1"/>
@@ -9172,7 +9143,6 @@
               <a:rPr lang="zh-CN" altLang="en-US" smtClean="0"/>
               <a:t>二级</a:t>
             </a:r>
-            <a:endParaRPr lang="zh-CN" altLang="en-US" smtClean="0"/>
           </a:p>
           <a:p>
             <a:pPr lvl="2"/>
@@ -9180,7 +9150,6 @@
               <a:rPr lang="zh-CN" altLang="en-US" smtClean="0"/>
               <a:t>三级</a:t>
             </a:r>
-            <a:endParaRPr lang="zh-CN" altLang="en-US" smtClean="0"/>
           </a:p>
           <a:p>
             <a:pPr lvl="3"/>
@@ -9188,7 +9157,6 @@
               <a:rPr lang="zh-CN" altLang="en-US" smtClean="0"/>
               <a:t>四级</a:t>
             </a:r>
-            <a:endParaRPr lang="zh-CN" altLang="en-US" smtClean="0"/>
           </a:p>
           <a:p>
             <a:pPr lvl="4"/>
@@ -9217,6 +9185,7 @@
           <a:p>
             <a:fld id="{3BDB8791-F1B0-41E7-B7FD-A781E65C4266}" type="datetimeFigureOut">
               <a:rPr lang="en-US" dirty="0"/>
+              <a:t>5/19/20</a:t>
             </a:fld>
             <a:endParaRPr lang="en-US" dirty="0"/>
           </a:p>
@@ -9258,6 +9227,7 @@
           <a:p>
             <a:fld id="{D57F1E4F-1CFF-5643-939E-217C01CDF565}" type="slidenum">
               <a:rPr lang="en-US" dirty="0"/>
+              <a:t>‹#›</a:t>
             </a:fld>
             <a:endParaRPr lang="en-US" dirty="0"/>
           </a:p>
@@ -9383,7 +9353,6 @@
               <a:rPr lang="zh-CN" altLang="en-US" smtClean="0"/>
               <a:t>单击此处编辑母版文本样式</a:t>
             </a:r>
-            <a:endParaRPr lang="zh-CN" altLang="en-US" smtClean="0"/>
           </a:p>
         </p:txBody>
       </p:sp>
@@ -9414,7 +9383,6 @@
               <a:rPr lang="zh-CN" altLang="en-US" smtClean="0"/>
               <a:t>单击此处编辑母版文本样式</a:t>
             </a:r>
-            <a:endParaRPr lang="zh-CN" altLang="en-US" smtClean="0"/>
           </a:p>
           <a:p>
             <a:pPr lvl="1"/>
@@ -9422,7 +9390,6 @@
               <a:rPr lang="zh-CN" altLang="en-US" smtClean="0"/>
               <a:t>二级</a:t>
             </a:r>
-            <a:endParaRPr lang="zh-CN" altLang="en-US" smtClean="0"/>
           </a:p>
           <a:p>
             <a:pPr lvl="2"/>
@@ -9430,7 +9397,6 @@
               <a:rPr lang="zh-CN" altLang="en-US" smtClean="0"/>
               <a:t>三级</a:t>
             </a:r>
-            <a:endParaRPr lang="zh-CN" altLang="en-US" smtClean="0"/>
           </a:p>
           <a:p>
             <a:pPr lvl="3"/>
@@ -9438,7 +9404,6 @@
               <a:rPr lang="zh-CN" altLang="en-US" smtClean="0"/>
               <a:t>四级</a:t>
             </a:r>
-            <a:endParaRPr lang="zh-CN" altLang="en-US" smtClean="0"/>
           </a:p>
           <a:p>
             <a:pPr lvl="4"/>
@@ -9518,7 +9483,6 @@
               <a:rPr lang="zh-CN" altLang="en-US" smtClean="0"/>
               <a:t>单击此处编辑母版文本样式</a:t>
             </a:r>
-            <a:endParaRPr lang="zh-CN" altLang="en-US" smtClean="0"/>
           </a:p>
         </p:txBody>
       </p:sp>
@@ -9577,7 +9541,6 @@
               <a:rPr lang="zh-CN" altLang="en-US" smtClean="0"/>
               <a:t>单击此处编辑母版文本样式</a:t>
             </a:r>
-            <a:endParaRPr lang="zh-CN" altLang="en-US" smtClean="0"/>
           </a:p>
           <a:p>
             <a:pPr lvl="1"/>
@@ -9585,7 +9548,6 @@
               <a:rPr lang="zh-CN" altLang="en-US" smtClean="0"/>
               <a:t>二级</a:t>
             </a:r>
-            <a:endParaRPr lang="zh-CN" altLang="en-US" smtClean="0"/>
           </a:p>
           <a:p>
             <a:pPr lvl="2"/>
@@ -9593,7 +9555,6 @@
               <a:rPr lang="zh-CN" altLang="en-US" smtClean="0"/>
               <a:t>三级</a:t>
             </a:r>
-            <a:endParaRPr lang="zh-CN" altLang="en-US" smtClean="0"/>
           </a:p>
           <a:p>
             <a:pPr lvl="3"/>
@@ -9601,7 +9562,6 @@
               <a:rPr lang="zh-CN" altLang="en-US" smtClean="0"/>
               <a:t>四级</a:t>
             </a:r>
-            <a:endParaRPr lang="zh-CN" altLang="en-US" smtClean="0"/>
           </a:p>
           <a:p>
             <a:pPr lvl="4"/>
@@ -9630,6 +9590,7 @@
           <a:p>
             <a:fld id="{5FDD63B2-E120-4ED8-B27B-C685F510A5FE}" type="datetimeFigureOut">
               <a:rPr lang="en-US" dirty="0"/>
+              <a:t>5/19/20</a:t>
             </a:fld>
             <a:endParaRPr lang="en-US" dirty="0"/>
           </a:p>
@@ -9671,6 +9632,7 @@
           <a:p>
             <a:fld id="{D57F1E4F-1CFF-5643-939E-217C01CDF565}" type="slidenum">
               <a:rPr lang="en-US" dirty="0"/>
+              <a:t>‹#›</a:t>
             </a:fld>
             <a:endParaRPr lang="en-US" dirty="0"/>
           </a:p>
@@ -9750,6 +9712,7 @@
           <a:p>
             <a:fld id="{7AA18ACC-A947-437B-A130-35BD54FDF1E9}" type="datetimeFigureOut">
               <a:rPr lang="en-US" dirty="0"/>
+              <a:t>5/19/20</a:t>
             </a:fld>
             <a:endParaRPr lang="en-US" dirty="0"/>
           </a:p>
@@ -9791,6 +9754,7 @@
           <a:p>
             <a:fld id="{D57F1E4F-1CFF-5643-939E-217C01CDF565}" type="slidenum">
               <a:rPr lang="en-US" dirty="0"/>
+              <a:t>‹#›</a:t>
             </a:fld>
             <a:endParaRPr lang="en-US" dirty="0"/>
           </a:p>
@@ -9805,7 +9769,7 @@
 </file>
 
 <file path=ppt/slideLayouts/slideLayout7.xml><?xml version="1.0" encoding="utf-8"?>
-<p:sldLayout xmlns:a="http://schemas.openxmlformats.org/drawingml/2006/main" xmlns:r="http://schemas.openxmlformats.org/officeDocument/2006/relationships" xmlns:p="http://schemas.openxmlformats.org/presentationml/2006/main" type="blank" preserve="1" showMasterSp="0">
+<p:sldLayout xmlns:a="http://schemas.openxmlformats.org/drawingml/2006/main" xmlns:r="http://schemas.openxmlformats.org/officeDocument/2006/relationships" xmlns:p="http://schemas.openxmlformats.org/presentationml/2006/main" showMasterSp="0" type="blank" preserve="1">
   <p:cSld name="空白">
     <p:spTree>
       <p:nvGrpSpPr>
@@ -9838,6 +9802,7 @@
           <a:p>
             <a:fld id="{7C8D7E02-BCB8-4D50-A234-369438C08659}" type="datetimeFigureOut">
               <a:rPr lang="en-US" dirty="0"/>
+              <a:t>5/19/20</a:t>
             </a:fld>
             <a:endParaRPr lang="en-US" dirty="0"/>
           </a:p>
@@ -9915,6 +9880,7 @@
           <a:p>
             <a:fld id="{D57F1E4F-1CFF-5643-939E-217C01CDF565}" type="slidenum">
               <a:rPr lang="en-US" dirty="0"/>
+              <a:t>‹#›</a:t>
             </a:fld>
             <a:endParaRPr lang="en-US" dirty="0"/>
           </a:p>
@@ -9929,7 +9895,7 @@
 </file>
 
 <file path=ppt/slideLayouts/slideLayout8.xml><?xml version="1.0" encoding="utf-8"?>
-<p:sldLayout xmlns:a="http://schemas.openxmlformats.org/drawingml/2006/main" xmlns:r="http://schemas.openxmlformats.org/officeDocument/2006/relationships" xmlns:p="http://schemas.openxmlformats.org/presentationml/2006/main" type="objTx" preserve="1" showMasterSp="0">
+<p:sldLayout xmlns:a="http://schemas.openxmlformats.org/drawingml/2006/main" xmlns:r="http://schemas.openxmlformats.org/officeDocument/2006/relationships" xmlns:p="http://schemas.openxmlformats.org/presentationml/2006/main" showMasterSp="0" type="objTx" preserve="1">
   <p:cSld name="内容与标题">
     <p:spTree>
       <p:nvGrpSpPr>
@@ -10791,7 +10757,6 @@
               <a:rPr lang="zh-CN" altLang="en-US" smtClean="0"/>
               <a:t>单击此处编辑母版文本样式</a:t>
             </a:r>
-            <a:endParaRPr lang="zh-CN" altLang="en-US" smtClean="0"/>
           </a:p>
           <a:p>
             <a:pPr lvl="1"/>
@@ -10799,7 +10764,6 @@
               <a:rPr lang="zh-CN" altLang="en-US" smtClean="0"/>
               <a:t>二级</a:t>
             </a:r>
-            <a:endParaRPr lang="zh-CN" altLang="en-US" smtClean="0"/>
           </a:p>
           <a:p>
             <a:pPr lvl="2"/>
@@ -10807,7 +10771,6 @@
               <a:rPr lang="zh-CN" altLang="en-US" smtClean="0"/>
               <a:t>三级</a:t>
             </a:r>
-            <a:endParaRPr lang="zh-CN" altLang="en-US" smtClean="0"/>
           </a:p>
           <a:p>
             <a:pPr lvl="3"/>
@@ -10815,7 +10778,6 @@
               <a:rPr lang="zh-CN" altLang="en-US" smtClean="0"/>
               <a:t>四级</a:t>
             </a:r>
-            <a:endParaRPr lang="zh-CN" altLang="en-US" smtClean="0"/>
           </a:p>
           <a:p>
             <a:pPr lvl="4"/>
@@ -10896,7 +10858,6 @@
               <a:rPr lang="zh-CN" altLang="en-US" smtClean="0"/>
               <a:t>单击此处编辑母版文本样式</a:t>
             </a:r>
-            <a:endParaRPr lang="zh-CN" altLang="en-US" smtClean="0"/>
           </a:p>
         </p:txBody>
       </p:sp>
@@ -10917,6 +10878,7 @@
           <a:p>
             <a:fld id="{76E86A4C-8E40-4F87-A4F0-01A0687C5742}" type="datetimeFigureOut">
               <a:rPr lang="en-US" dirty="0"/>
+              <a:t>5/19/20</a:t>
             </a:fld>
             <a:endParaRPr lang="en-US" dirty="0"/>
           </a:p>
@@ -10994,6 +10956,7 @@
           <a:p>
             <a:fld id="{D57F1E4F-1CFF-5643-939E-217C01CDF565}" type="slidenum">
               <a:rPr lang="en-US" dirty="0"/>
+              <a:t>‹#›</a:t>
             </a:fld>
             <a:endParaRPr lang="en-US" dirty="0"/>
           </a:p>
@@ -11008,7 +10971,7 @@
 </file>
 
 <file path=ppt/slideLayouts/slideLayout9.xml><?xml version="1.0" encoding="utf-8"?>
-<p:sldLayout xmlns:a="http://schemas.openxmlformats.org/drawingml/2006/main" xmlns:r="http://schemas.openxmlformats.org/officeDocument/2006/relationships" xmlns:p="http://schemas.openxmlformats.org/presentationml/2006/main" type="picTx" preserve="1" showMasterSp="0">
+<p:sldLayout xmlns:a="http://schemas.openxmlformats.org/drawingml/2006/main" xmlns:r="http://schemas.openxmlformats.org/officeDocument/2006/relationships" xmlns:p="http://schemas.openxmlformats.org/presentationml/2006/main" showMasterSp="0" type="picTx" preserve="1">
   <p:cSld name="图片与标题">
     <p:spTree>
       <p:nvGrpSpPr>
@@ -11998,7 +11961,6 @@
               <a:rPr lang="zh-CN" altLang="en-US" smtClean="0"/>
               <a:t>单击此处编辑母版文本样式</a:t>
             </a:r>
-            <a:endParaRPr lang="zh-CN" altLang="en-US" smtClean="0"/>
           </a:p>
         </p:txBody>
       </p:sp>
@@ -12019,6 +11981,7 @@
           <a:p>
             <a:fld id="{35E72C73-2D91-4E12-BA25-F0AA0C03599B}" type="datetimeFigureOut">
               <a:rPr lang="en-US" dirty="0"/>
+              <a:t>5/19/20</a:t>
             </a:fld>
             <a:endParaRPr lang="en-US" dirty="0"/>
           </a:p>
@@ -12096,6 +12059,7 @@
           <a:p>
             <a:fld id="{D57F1E4F-1CFF-5643-939E-217C01CDF565}" type="slidenum">
               <a:rPr lang="en-US" dirty="0"/>
+              <a:t>‹#›</a:t>
             </a:fld>
             <a:endParaRPr lang="en-US" dirty="0"/>
           </a:p>
@@ -12160,7 +12124,7 @@
               <a:avLst/>
             </a:prstGeom>
             <a:blipFill>
-              <a:blip r:embed="rId18">
+              <a:blip r:embed="rId19">
                 <a:duotone>
                   <a:schemeClr val="dk2">
                     <a:shade val="69000"/>
@@ -12944,7 +12908,6 @@
               <a:rPr lang="zh-CN" altLang="en-US" smtClean="0"/>
               <a:t>单击此处编辑母版文本样式</a:t>
             </a:r>
-            <a:endParaRPr lang="zh-CN" altLang="en-US" smtClean="0"/>
           </a:p>
           <a:p>
             <a:pPr lvl="1"/>
@@ -12952,7 +12915,6 @@
               <a:rPr lang="zh-CN" altLang="en-US" smtClean="0"/>
               <a:t>二级</a:t>
             </a:r>
-            <a:endParaRPr lang="zh-CN" altLang="en-US" smtClean="0"/>
           </a:p>
           <a:p>
             <a:pPr lvl="2"/>
@@ -12960,7 +12922,6 @@
               <a:rPr lang="zh-CN" altLang="en-US" smtClean="0"/>
               <a:t>三级</a:t>
             </a:r>
-            <a:endParaRPr lang="zh-CN" altLang="en-US" smtClean="0"/>
           </a:p>
           <a:p>
             <a:pPr lvl="3"/>
@@ -12968,7 +12929,6 @@
               <a:rPr lang="zh-CN" altLang="en-US" smtClean="0"/>
               <a:t>四级</a:t>
             </a:r>
-            <a:endParaRPr lang="zh-CN" altLang="en-US" smtClean="0"/>
           </a:p>
           <a:p>
             <a:pPr lvl="4"/>
@@ -13013,6 +12973,7 @@
           <a:p>
             <a:fld id="{2BE451C3-0FF4-47C4-B829-773ADF60F88C}" type="datetimeFigureOut">
               <a:rPr lang="en-US" dirty="0"/>
+              <a:t>5/19/20</a:t>
             </a:fld>
             <a:endParaRPr lang="en-US" dirty="0"/>
           </a:p>
@@ -13122,6 +13083,7 @@
           <a:p>
             <a:fld id="{D57F1E4F-1CFF-5643-939E-217C01CDF565}" type="slidenum">
               <a:rPr lang="en-US" dirty="0"/>
+              <a:t>‹#›</a:t>
             </a:fld>
             <a:endParaRPr lang="en-US" dirty="0"/>
           </a:p>
@@ -13626,11 +13588,6 @@
               </a:rPr>
               <a:t>音视频的编辑</a:t>
             </a:r>
-            <a:endParaRPr kumimoji="1" lang="zh-CN" altLang="en-US" sz="2400" dirty="0" smtClean="0">
-              <a:solidFill>
-                <a:schemeClr val="bg2"/>
-              </a:solidFill>
-            </a:endParaRPr>
           </a:p>
         </p:txBody>
       </p:sp>
@@ -13676,7 +13633,7 @@
           <a:p>
             <a:r>
               <a:rPr kumimoji="1" lang="zh-CN" altLang="en-US" dirty="0" smtClean="0"/>
-              <a:t>三、更换声音</a:t>
+              <a:t>三、加水印</a:t>
             </a:r>
             <a:endParaRPr kumimoji="1" lang="zh-CN" altLang="en-US" dirty="0"/>
           </a:p>
@@ -13778,7 +13735,156 @@
               <a:rPr lang="en-US" altLang="zh-CN" dirty="0"/>
               <a:t>) -&gt; Float64</a:t>
             </a:r>
+          </a:p>
+          <a:p>
+            <a:endParaRPr kumimoji="1" lang="zh-CN" altLang="en-US" dirty="0"/>
+          </a:p>
+        </p:txBody>
+      </p:sp>
+    </p:spTree>
+  </p:cSld>
+  <p:clrMapOvr>
+    <a:masterClrMapping/>
+  </p:clrMapOvr>
+</p:sld>
+</file>
+
+<file path=ppt/slides/slide11.xml><?xml version="1.0" encoding="utf-8"?>
+<p:sld xmlns:a="http://schemas.openxmlformats.org/drawingml/2006/main" xmlns:r="http://schemas.openxmlformats.org/officeDocument/2006/relationships" xmlns:p="http://schemas.openxmlformats.org/presentationml/2006/main">
+  <p:cSld>
+    <p:spTree>
+      <p:nvGrpSpPr>
+        <p:cNvPr id="1" name=""/>
+        <p:cNvGrpSpPr/>
+        <p:nvPr/>
+      </p:nvGrpSpPr>
+      <p:grpSpPr>
+        <a:xfrm>
+          <a:off x="0" y="0"/>
+          <a:ext cx="0" cy="0"/>
+          <a:chOff x="0" y="0"/>
+          <a:chExt cx="0" cy="0"/>
+        </a:xfrm>
+      </p:grpSpPr>
+      <p:sp>
+        <p:nvSpPr>
+          <p:cNvPr id="2" name="标题 1"/>
+          <p:cNvSpPr>
+            <a:spLocks noGrp="1"/>
+          </p:cNvSpPr>
+          <p:nvPr>
+            <p:ph type="title"/>
+          </p:nvPr>
+        </p:nvSpPr>
+        <p:spPr/>
+        <p:txBody>
+          <a:bodyPr/>
+          <a:lstStyle/>
+          <a:p>
+            <a:r>
+              <a:rPr kumimoji="1" lang="zh-CN" altLang="en-US" dirty="0" smtClean="0"/>
+              <a:t>三、更换声音</a:t>
+            </a:r>
+            <a:endParaRPr kumimoji="1" lang="zh-CN" altLang="en-US" dirty="0"/>
+          </a:p>
+        </p:txBody>
+      </p:sp>
+      <p:sp>
+        <p:nvSpPr>
+          <p:cNvPr id="3" name="内容占位符 2"/>
+          <p:cNvSpPr>
+            <a:spLocks noGrp="1"/>
+          </p:cNvSpPr>
+          <p:nvPr>
+            <p:ph idx="1"/>
+          </p:nvPr>
+        </p:nvSpPr>
+        <p:spPr/>
+        <p:txBody>
+          <a:bodyPr/>
+          <a:lstStyle/>
+          <a:p>
+            <a:r>
+              <a:rPr kumimoji="1" lang="en-US" altLang="zh-CN" dirty="0" smtClean="0"/>
+              <a:t>1.</a:t>
+            </a:r>
+            <a:r>
+              <a:rPr kumimoji="1" lang="zh-CN" altLang="en-US" dirty="0" smtClean="0"/>
+              <a:t> 相关概念</a:t>
+            </a:r>
+            <a:endParaRPr kumimoji="1" lang="en-US" altLang="zh-CN" dirty="0" smtClean="0"/>
+          </a:p>
+          <a:p>
+            <a:r>
+              <a:rPr kumimoji="1" lang="zh-CN" altLang="en-US" dirty="0"/>
+              <a:t> </a:t>
+            </a:r>
+            <a:r>
+              <a:rPr kumimoji="1" lang="en-US" altLang="zh-CN" dirty="0" err="1" smtClean="0"/>
+              <a:t>CMTime</a:t>
+            </a:r>
+            <a:r>
+              <a:rPr kumimoji="1" lang="zh-CN" altLang="en-US" dirty="0" smtClean="0"/>
+              <a:t>   </a:t>
+            </a:r>
+            <a:endParaRPr kumimoji="1" lang="en-US" altLang="zh-CN" dirty="0" smtClean="0"/>
+          </a:p>
+          <a:p>
+            <a:r>
+              <a:rPr lang="en-US" altLang="zh-CN" b="1" dirty="0" err="1"/>
+              <a:t>func</a:t>
+            </a:r>
+            <a:r>
+              <a:rPr lang="en-US" altLang="zh-CN" dirty="0"/>
+              <a:t> </a:t>
+            </a:r>
+            <a:r>
+              <a:rPr lang="en-US" altLang="zh-CN" dirty="0" err="1"/>
+              <a:t>CMTimeMake</a:t>
+            </a:r>
+            <a:r>
+              <a:rPr lang="en-US" altLang="zh-CN" dirty="0"/>
+              <a:t>(value: Int64, timescale: Int32) -&gt; </a:t>
+            </a:r>
+            <a:r>
+              <a:rPr lang="en-US" altLang="zh-CN" dirty="0" err="1"/>
+              <a:t>CMTime</a:t>
+            </a:r>
             <a:endParaRPr lang="en-US" altLang="zh-CN" dirty="0"/>
+          </a:p>
+          <a:p>
+            <a:r>
+              <a:rPr lang="en-US" altLang="zh-CN" b="1" dirty="0" err="1"/>
+              <a:t>func</a:t>
+            </a:r>
+            <a:r>
+              <a:rPr lang="en-US" altLang="zh-CN" dirty="0"/>
+              <a:t> </a:t>
+            </a:r>
+            <a:r>
+              <a:rPr lang="en-US" altLang="zh-CN" dirty="0" err="1"/>
+              <a:t>CMTimeGetSeconds</a:t>
+            </a:r>
+            <a:r>
+              <a:rPr lang="en-US" altLang="zh-CN" dirty="0"/>
+              <a:t>(</a:t>
+            </a:r>
+            <a:r>
+              <a:rPr lang="en-US" altLang="zh-CN" b="1" dirty="0"/>
+              <a:t>_</a:t>
+            </a:r>
+            <a:r>
+              <a:rPr lang="en-US" altLang="zh-CN" dirty="0"/>
+              <a:t> time: </a:t>
+            </a:r>
+            <a:r>
+              <a:rPr lang="en-US" altLang="zh-CN" dirty="0" err="1"/>
+              <a:t>CMTime</a:t>
+            </a:r>
+            <a:r>
+              <a:rPr lang="en-US" altLang="zh-CN" dirty="0"/>
+              <a:t>) -&gt; Float64</a:t>
+            </a:r>
           </a:p>
           <a:p>
             <a:endParaRPr kumimoji="1" lang="zh-CN" altLang="en-US" dirty="0"/>
@@ -13833,7 +13939,6 @@
               <a:rPr kumimoji="1" lang="zh-CN" altLang="en-US" dirty="0" err="1" smtClean="0"/>
               <a:t>的初步认识</a:t>
             </a:r>
-            <a:endParaRPr kumimoji="1" lang="zh-CN" altLang="en-US" dirty="0" err="1" smtClean="0"/>
           </a:p>
         </p:txBody>
       </p:sp>
@@ -13873,7 +13978,6 @@
               <a:rPr kumimoji="1" lang="en-US" altLang="zh-CN" sz="1600" dirty="0" smtClean="0"/>
               <a:t>The AVFoundation framework combines four major technology areas that together encompass a wide range of tasks for capturing, processing, synthesizing, controlling, importing and exporting audiovisual media on Apple platforms.</a:t>
             </a:r>
-            <a:endParaRPr kumimoji="1" lang="en-US" altLang="zh-CN" sz="1600" dirty="0" smtClean="0"/>
           </a:p>
           <a:p>
             <a:pPr marL="0" indent="0">
@@ -13889,7 +13993,6 @@
               <a:rPr kumimoji="1" lang="zh-CN" altLang="en-US" dirty="0"/>
               <a:t>AVFoundation框架结合了四个主要技术领域，这些领域共同涵盖了在Apple平台上捕获，处理，合成，控制，导入和导出视听媒体的广泛任务。</a:t>
             </a:r>
-            <a:endParaRPr kumimoji="1" lang="zh-CN" altLang="en-US" dirty="0"/>
           </a:p>
         </p:txBody>
       </p:sp>
@@ -13910,7 +14013,14 @@
         <p:cNvGrpSpPr/>
         <p:nvPr/>
       </p:nvGrpSpPr>
-      <p:grpSpPr/>
+      <p:grpSpPr>
+        <a:xfrm>
+          <a:off x="0" y="0"/>
+          <a:ext cx="0" cy="0"/>
+          <a:chOff x="0" y="0"/>
+          <a:chExt cx="0" cy="0"/>
+        </a:xfrm>
+      </p:grpSpPr>
       <p:sp>
         <p:nvSpPr>
           <p:cNvPr id="2" name="标题 1"/>
@@ -13924,12 +14034,12 @@
         <p:spPr/>
         <p:txBody>
           <a:bodyPr/>
+          <a:lstStyle/>
           <a:p>
             <a:r>
               <a:rPr lang="zh-CN" altLang="en-US"/>
               <a:t>本次分享的内容</a:t>
             </a:r>
-            <a:endParaRPr lang="zh-CN" altLang="en-US"/>
           </a:p>
         </p:txBody>
       </p:sp>
@@ -13951,65 +14061,54 @@
         </p:spPr>
         <p:txBody>
           <a:bodyPr/>
-          <a:p>
-            <a:r>
-              <a:rPr lang="zh-CN" altLang="en-US"/>
+          <a:lstStyle/>
+          <a:p>
+            <a:r>
+              <a:rPr lang="zh-CN" altLang="en-US" dirty="0"/>
               <a:t>时长裁剪</a:t>
             </a:r>
-            <a:endParaRPr lang="zh-CN" altLang="en-US"/>
-          </a:p>
-          <a:p>
-            <a:r>
-              <a:rPr lang="zh-CN" altLang="en-US"/>
+          </a:p>
+          <a:p>
+            <a:r>
+              <a:rPr lang="zh-CN" altLang="en-US" dirty="0"/>
               <a:t>旋转</a:t>
             </a:r>
-            <a:endParaRPr lang="zh-CN" altLang="en-US"/>
-          </a:p>
-          <a:p>
-            <a:r>
-              <a:rPr lang="zh-CN" altLang="en-US"/>
+          </a:p>
+          <a:p>
+            <a:r>
+              <a:rPr lang="zh-CN" altLang="en-US" dirty="0"/>
               <a:t>添加水印</a:t>
             </a:r>
-            <a:endParaRPr lang="zh-CN" altLang="en-US"/>
-          </a:p>
-          <a:p>
-            <a:r>
-              <a:rPr lang="zh-CN" altLang="en-US"/>
+          </a:p>
+          <a:p>
+            <a:r>
+              <a:rPr lang="zh-CN" altLang="en-US" dirty="0"/>
               <a:t>更换视频声音</a:t>
             </a:r>
-            <a:endParaRPr lang="zh-CN" altLang="en-US"/>
-          </a:p>
-          <a:p>
-            <a:r>
-              <a:rPr lang="zh-CN" altLang="en-US"/>
+          </a:p>
+          <a:p>
+            <a:r>
+              <a:rPr lang="zh-CN" altLang="en-US" dirty="0"/>
               <a:t>混音</a:t>
             </a:r>
-            <a:endParaRPr lang="zh-CN" altLang="en-US"/>
-          </a:p>
-          <a:p>
-            <a:r>
-              <a:rPr lang="zh-CN" altLang="en-US"/>
-              <a:t>音</a:t>
-            </a:r>
-            <a:r>
-              <a:rPr lang="zh-CN" altLang="en-US"/>
-              <a:t>视频拼接</a:t>
-            </a:r>
-            <a:endParaRPr lang="zh-CN" altLang="en-US"/>
-          </a:p>
-          <a:p>
-            <a:r>
-              <a:rPr lang="zh-CN" altLang="en-US"/>
+          </a:p>
+          <a:p>
+            <a:r>
+              <a:rPr lang="zh-CN" altLang="en-US" dirty="0"/>
+              <a:t>音视频拼接</a:t>
+            </a:r>
+          </a:p>
+          <a:p>
+            <a:r>
+              <a:rPr lang="zh-CN" altLang="en-US" dirty="0"/>
               <a:t>变速</a:t>
             </a:r>
-            <a:endParaRPr lang="zh-CN" altLang="en-US"/>
-          </a:p>
-          <a:p>
-            <a:r>
-              <a:rPr lang="zh-CN" altLang="en-US"/>
+          </a:p>
+          <a:p>
+            <a:r>
+              <a:rPr lang="zh-CN" altLang="en-US" dirty="0"/>
               <a:t>组合操作</a:t>
             </a:r>
-            <a:endParaRPr lang="zh-CN" altLang="en-US"/>
           </a:p>
         </p:txBody>
       </p:sp>
@@ -14022,7 +14121,7 @@
         <p:spPr>
           <a:xfrm>
             <a:off x="1155065" y="2444750"/>
-            <a:ext cx="6922135" cy="368300"/>
+            <a:ext cx="7277954" cy="369332"/>
           </a:xfrm>
           <a:prstGeom prst="rect">
             <a:avLst/>
@@ -14033,21 +14132,40 @@
           <a:bodyPr wrap="none" rtlCol="0">
             <a:spAutoFit/>
           </a:bodyPr>
+          <a:lstStyle/>
           <a:p>
             <a:pPr algn="l"/>
             <a:r>
-              <a:rPr lang="en-US" altLang="zh-CN">
+              <a:rPr lang="en-US" altLang="zh-CN" dirty="0" err="1" smtClean="0">
                 <a:sym typeface="+mn-ea"/>
               </a:rPr>
               <a:t>AVFoundation</a:t>
             </a:r>
             <a:r>
-              <a:rPr lang="zh-CN" altLang="en-US">
+              <a:rPr lang="zh-CN" altLang="en-US" dirty="0" smtClean="0">
                 <a:sym typeface="+mn-ea"/>
               </a:rPr>
-              <a:t>应用在音视频剪辑方面，主要从以下几个例子演示：</a:t>
-            </a:r>
-            <a:endParaRPr lang="zh-CN" altLang="en-US"/>
+              <a:t>音视频</a:t>
+            </a:r>
+            <a:r>
+              <a:rPr lang="zh-CN" altLang="en-US" dirty="0">
+                <a:sym typeface="+mn-ea"/>
+              </a:rPr>
+              <a:t>剪辑</a:t>
+            </a:r>
+            <a:r>
+              <a:rPr lang="zh-CN" altLang="en-US" dirty="0" smtClean="0">
+                <a:sym typeface="+mn-ea"/>
+              </a:rPr>
+              <a:t>方面的应用，</a:t>
+            </a:r>
+            <a:r>
+              <a:rPr lang="zh-CN" altLang="en-US" dirty="0">
+                <a:sym typeface="+mn-ea"/>
+              </a:rPr>
+              <a:t>主要从以下几个例子演示：</a:t>
+            </a:r>
+            <a:endParaRPr lang="zh-CN" altLang="en-US" dirty="0"/>
           </a:p>
         </p:txBody>
       </p:sp>
@@ -14125,13 +14243,8 @@
             </a:r>
             <a:r>
               <a:rPr kumimoji="1" lang="zh-CN" altLang="en-US" dirty="0"/>
-              <a:t>、AVMutableComposition  （音视频组合对象</a:t>
-            </a:r>
-            <a:r>
-              <a:rPr kumimoji="1" lang="zh-CN" altLang="en-US" dirty="0"/>
-              <a:t>）</a:t>
-            </a:r>
-            <a:endParaRPr kumimoji="1" lang="zh-CN" altLang="en-US" dirty="0"/>
+              <a:t>、AVMutableComposition  （音视频组合对象）</a:t>
+            </a:r>
           </a:p>
           <a:p>
             <a:r>
@@ -14140,13 +14253,8 @@
             </a:r>
             <a:r>
               <a:rPr kumimoji="1" lang="zh-CN" altLang="en-US" dirty="0"/>
-              <a:t>、AVMutableCompositionTrack（音频轨道或视频轨道</a:t>
-            </a:r>
-            <a:r>
-              <a:rPr kumimoji="1" lang="zh-CN" altLang="en-US" dirty="0"/>
-              <a:t>）</a:t>
-            </a:r>
-            <a:endParaRPr kumimoji="1" lang="zh-CN" altLang="en-US" dirty="0"/>
+              <a:t>、AVMutableCompositionTrack（音频轨道或视频轨道）</a:t>
+            </a:r>
           </a:p>
           <a:p>
             <a:r>
@@ -14157,24 +14265,14 @@
             </a:r>
             <a:r>
               <a:rPr kumimoji="1" lang="zh-CN" altLang="en-US" dirty="0"/>
-              <a:t>AVMutableVideoComposition （视频组合指令对象</a:t>
-            </a:r>
+              <a:t>AVMutableVideoComposition （视频组合指令对象）</a:t>
+            </a:r>
+          </a:p>
+          <a:p>
             <a:r>
               <a:rPr kumimoji="1" lang="zh-CN" altLang="en-US" dirty="0"/>
-              <a:t>）</a:t>
-            </a:r>
-            <a:endParaRPr kumimoji="1" lang="zh-CN" altLang="en-US" dirty="0"/>
-          </a:p>
-          <a:p>
-            <a:r>
-              <a:rPr kumimoji="1" lang="zh-CN" altLang="en-US" dirty="0"/>
-              <a:t>AVVideoCompositionInstruction、AVMutableVideoCompositionInstruction （视频指令</a:t>
-            </a:r>
-            <a:r>
-              <a:rPr kumimoji="1" lang="zh-CN" altLang="en-US" dirty="0"/>
-              <a:t>）</a:t>
-            </a:r>
-            <a:endParaRPr kumimoji="1" lang="zh-CN" altLang="en-US" dirty="0"/>
+              <a:t>AVVideoCompositionInstruction、AVMutableVideoCompositionInstruction （视频指令）</a:t>
+            </a:r>
           </a:p>
           <a:p>
             <a:r>
@@ -14183,13 +14281,8 @@
             </a:r>
             <a:r>
               <a:rPr kumimoji="1" lang="zh-CN" altLang="en-US" dirty="0"/>
-              <a:t>、AVMutableVideoCompositionLayerInstruction （视频指令</a:t>
-            </a:r>
-            <a:r>
-              <a:rPr kumimoji="1" lang="zh-CN" altLang="en-US" dirty="0"/>
-              <a:t>）</a:t>
-            </a:r>
-            <a:endParaRPr kumimoji="1" lang="zh-CN" altLang="en-US" dirty="0"/>
+              <a:t>、AVMutableVideoCompositionLayerInstruction （视频指令）</a:t>
+            </a:r>
           </a:p>
         </p:txBody>
       </p:sp>
@@ -14238,6 +14331,7 @@
           <a:bodyPr wrap="none" rtlCol="0">
             <a:spAutoFit/>
           </a:bodyPr>
+          <a:lstStyle/>
           <a:p>
             <a:r>
               <a:rPr lang="en-US" altLang="zh-CN" sz="2400">
@@ -14247,11 +14341,6 @@
               </a:rPr>
               <a:t>AVComposition</a:t>
             </a:r>
-            <a:endParaRPr lang="en-US" altLang="zh-CN" sz="2400">
-              <a:solidFill>
-                <a:schemeClr val="bg1"/>
-              </a:solidFill>
-            </a:endParaRPr>
           </a:p>
         </p:txBody>
       </p:sp>
@@ -14302,6 +14391,7 @@
           </p:style>
           <p:txBody>
             <a:bodyPr rtlCol="0" anchor="ctr"/>
+            <a:lstStyle/>
             <a:p>
               <a:pPr algn="ctr"/>
               <a:endParaRPr lang="en-US" altLang="zh-CN"/>
@@ -14315,7 +14405,7 @@
             <p:nvPr/>
           </p:nvGrpSpPr>
           <p:grpSpPr>
-            <a:xfrm rot="0">
+            <a:xfrm>
               <a:off x="3101" y="3438"/>
               <a:ext cx="5360" cy="2094"/>
               <a:chOff x="3305" y="5118"/>
@@ -14358,6 +14448,7 @@
             </p:style>
             <p:txBody>
               <a:bodyPr rtlCol="0" anchor="ctr"/>
+              <a:lstStyle/>
               <a:p>
                 <a:pPr algn="ctr"/>
                 <a:endParaRPr lang="zh-CN" altLang="en-US"/>
@@ -14386,6 +14477,7 @@
               <a:bodyPr wrap="square" rtlCol="0">
                 <a:spAutoFit/>
               </a:bodyPr>
+              <a:lstStyle/>
               <a:p>
                 <a:r>
                   <a:rPr lang="en-US" altLang="zh-CN" sz="1200">
@@ -14395,11 +14487,6 @@
                   </a:rPr>
                   <a:t>AVCompositionTrackSegment</a:t>
                 </a:r>
-                <a:endParaRPr lang="en-US" altLang="zh-CN" sz="1200">
-                  <a:solidFill>
-                    <a:schemeClr val="bg1"/>
-                  </a:solidFill>
-                </a:endParaRPr>
               </a:p>
             </p:txBody>
           </p:sp>
@@ -14425,6 +14512,7 @@
               <a:bodyPr wrap="square" rtlCol="0">
                 <a:spAutoFit/>
               </a:bodyPr>
+              <a:lstStyle/>
               <a:p>
                 <a:r>
                   <a:rPr lang="en-US" altLang="zh-CN" sz="1200">
@@ -14434,11 +14522,6 @@
                   </a:rPr>
                   <a:t>AVCompositionTrackSegment</a:t>
                 </a:r>
-                <a:endParaRPr lang="en-US" altLang="zh-CN" sz="1200">
-                  <a:solidFill>
-                    <a:schemeClr val="bg1"/>
-                  </a:solidFill>
-                </a:endParaRPr>
               </a:p>
             </p:txBody>
           </p:sp>
@@ -14462,6 +14545,7 @@
               <a:bodyPr wrap="none" rtlCol="0">
                 <a:spAutoFit/>
               </a:bodyPr>
+              <a:lstStyle/>
               <a:p>
                 <a:r>
                   <a:rPr lang="en-US" altLang="zh-CN">
@@ -14471,11 +14555,6 @@
                   </a:rPr>
                   <a:t>AVCompositionTrack</a:t>
                 </a:r>
-                <a:endParaRPr lang="en-US" altLang="zh-CN">
-                  <a:solidFill>
-                    <a:schemeClr val="bg1"/>
-                  </a:solidFill>
-                </a:endParaRPr>
               </a:p>
             </p:txBody>
           </p:sp>
@@ -14487,7 +14566,7 @@
             <p:nvPr/>
           </p:nvGrpSpPr>
           <p:grpSpPr>
-            <a:xfrm rot="0">
+            <a:xfrm>
               <a:off x="9049" y="3450"/>
               <a:ext cx="5360" cy="2095"/>
               <a:chOff x="3305" y="5118"/>
@@ -14530,6 +14609,7 @@
             </p:style>
             <p:txBody>
               <a:bodyPr rtlCol="0" anchor="ctr"/>
+              <a:lstStyle/>
               <a:p>
                 <a:pPr algn="ctr"/>
                 <a:endParaRPr lang="zh-CN" altLang="en-US"/>
@@ -14558,6 +14638,7 @@
               <a:bodyPr wrap="square" rtlCol="0">
                 <a:spAutoFit/>
               </a:bodyPr>
+              <a:lstStyle/>
               <a:p>
                 <a:r>
                   <a:rPr lang="en-US" altLang="zh-CN" sz="1200">
@@ -14567,11 +14648,6 @@
                   </a:rPr>
                   <a:t>AVCompositionTrackSegment</a:t>
                 </a:r>
-                <a:endParaRPr lang="en-US" altLang="zh-CN" sz="1200">
-                  <a:solidFill>
-                    <a:schemeClr val="bg1"/>
-                  </a:solidFill>
-                </a:endParaRPr>
               </a:p>
             </p:txBody>
           </p:sp>
@@ -14595,6 +14671,7 @@
               <a:bodyPr wrap="none" rtlCol="0">
                 <a:spAutoFit/>
               </a:bodyPr>
+              <a:lstStyle/>
               <a:p>
                 <a:r>
                   <a:rPr lang="en-US" altLang="zh-CN">
@@ -14604,11 +14681,6 @@
                   </a:rPr>
                   <a:t>AVCompositionTrack</a:t>
                 </a:r>
-                <a:endParaRPr lang="en-US" altLang="zh-CN">
-                  <a:solidFill>
-                    <a:schemeClr val="bg1"/>
-                  </a:solidFill>
-                </a:endParaRPr>
               </a:p>
             </p:txBody>
           </p:sp>
@@ -14620,7 +14692,7 @@
             <p:nvPr/>
           </p:nvGrpSpPr>
           <p:grpSpPr>
-            <a:xfrm rot="0">
+            <a:xfrm>
               <a:off x="3101" y="5718"/>
               <a:ext cx="11308" cy="1197"/>
               <a:chOff x="3305" y="7398"/>
@@ -14660,6 +14732,7 @@
             </p:style>
             <p:txBody>
               <a:bodyPr rtlCol="0" anchor="ctr"/>
+              <a:lstStyle/>
               <a:p>
                 <a:pPr algn="ctr"/>
                 <a:endParaRPr lang="zh-CN" altLang="en-US"/>
@@ -14686,6 +14759,7 @@
               <a:bodyPr wrap="none" rtlCol="0">
                 <a:spAutoFit/>
               </a:bodyPr>
+              <a:lstStyle/>
               <a:p>
                 <a:r>
                   <a:rPr lang="en-US" altLang="zh-CN">
@@ -14695,11 +14769,6 @@
                   </a:rPr>
                   <a:t>AVCompositionTrack</a:t>
                 </a:r>
-                <a:endParaRPr lang="en-US" altLang="zh-CN">
-                  <a:solidFill>
-                    <a:schemeClr val="bg1"/>
-                  </a:solidFill>
-                </a:endParaRPr>
               </a:p>
             </p:txBody>
           </p:sp>
@@ -14725,6 +14794,7 @@
               <a:bodyPr wrap="square" rtlCol="0">
                 <a:spAutoFit/>
               </a:bodyPr>
+              <a:lstStyle/>
               <a:p>
                 <a:r>
                   <a:rPr lang="en-US" altLang="zh-CN" sz="1200">
@@ -14734,11 +14804,6 @@
                   </a:rPr>
                   <a:t>AVCompositionTrackSegment</a:t>
                 </a:r>
-                <a:endParaRPr lang="en-US" altLang="zh-CN" sz="1200">
-                  <a:solidFill>
-                    <a:schemeClr val="bg1"/>
-                  </a:solidFill>
-                </a:endParaRPr>
               </a:p>
             </p:txBody>
           </p:sp>
@@ -14764,16 +14829,17 @@
               <a:bodyPr wrap="square" rtlCol="0">
                 <a:spAutoFit/>
               </a:bodyPr>
+              <a:lstStyle/>
               <a:p>
                 <a:r>
-                  <a:rPr lang="en-US" altLang="zh-CN" sz="1200">
+                  <a:rPr lang="en-US" altLang="zh-CN" sz="1200" dirty="0" err="1">
                     <a:solidFill>
                       <a:schemeClr val="bg1"/>
                     </a:solidFill>
                   </a:rPr>
                   <a:t>AVCompositionTrackSegment</a:t>
                 </a:r>
-                <a:endParaRPr lang="en-US" altLang="zh-CN" sz="1200">
+                <a:endParaRPr lang="en-US" altLang="zh-CN" sz="1200" dirty="0">
                   <a:solidFill>
                     <a:schemeClr val="bg1"/>
                   </a:solidFill>
@@ -14803,6 +14869,7 @@
               <a:bodyPr wrap="square" rtlCol="0">
                 <a:spAutoFit/>
               </a:bodyPr>
+              <a:lstStyle/>
               <a:p>
                 <a:r>
                   <a:rPr lang="en-US" altLang="zh-CN" sz="1200">
@@ -14812,11 +14879,6 @@
                   </a:rPr>
                   <a:t>AVCompositionTrackSegment</a:t>
                 </a:r>
-                <a:endParaRPr lang="en-US" altLang="zh-CN" sz="1200">
-                  <a:solidFill>
-                    <a:schemeClr val="bg1"/>
-                  </a:solidFill>
-                </a:endParaRPr>
               </a:p>
             </p:txBody>
           </p:sp>
@@ -14828,7 +14890,7 @@
             <p:nvPr/>
           </p:nvGrpSpPr>
           <p:grpSpPr>
-            <a:xfrm rot="0">
+            <a:xfrm>
               <a:off x="3101" y="7071"/>
               <a:ext cx="11308" cy="1119"/>
               <a:chOff x="3305" y="8751"/>
@@ -14868,6 +14930,7 @@
             </p:style>
             <p:txBody>
               <a:bodyPr rtlCol="0" anchor="ctr"/>
+              <a:lstStyle/>
               <a:p>
                 <a:pPr algn="ctr"/>
                 <a:endParaRPr lang="zh-CN" altLang="en-US"/>
@@ -14894,6 +14957,7 @@
               <a:bodyPr wrap="square" rtlCol="0">
                 <a:spAutoFit/>
               </a:bodyPr>
+              <a:lstStyle/>
               <a:p>
                 <a:r>
                   <a:rPr lang="en-US" altLang="zh-CN">
@@ -14903,11 +14967,6 @@
                   </a:rPr>
                   <a:t>AVCompositionTrack</a:t>
                 </a:r>
-                <a:endParaRPr lang="en-US" altLang="zh-CN">
-                  <a:solidFill>
-                    <a:schemeClr val="bg1"/>
-                  </a:solidFill>
-                </a:endParaRPr>
               </a:p>
             </p:txBody>
           </p:sp>
@@ -14933,6 +14992,7 @@
               <a:bodyPr wrap="square" rtlCol="0">
                 <a:spAutoFit/>
               </a:bodyPr>
+              <a:lstStyle/>
               <a:p>
                 <a:r>
                   <a:rPr lang="en-US" altLang="zh-CN" sz="1200">
@@ -14942,11 +15002,6 @@
                   </a:rPr>
                   <a:t>AVCompositionTrackSegment</a:t>
                 </a:r>
-                <a:endParaRPr lang="en-US" altLang="zh-CN" sz="1200">
-                  <a:solidFill>
-                    <a:schemeClr val="bg1"/>
-                  </a:solidFill>
-                </a:endParaRPr>
               </a:p>
             </p:txBody>
           </p:sp>
@@ -14971,6 +15026,7 @@
             <a:bodyPr wrap="none" rtlCol="0">
               <a:spAutoFit/>
             </a:bodyPr>
+            <a:lstStyle/>
             <a:p>
               <a:r>
                 <a:rPr lang="en-US" altLang="zh-CN" sz="2400">
@@ -14980,11 +15036,6 @@
                 </a:rPr>
                 <a:t>AVComposition</a:t>
               </a:r>
-              <a:endParaRPr lang="en-US" altLang="zh-CN" sz="2400">
-                <a:solidFill>
-                  <a:schemeClr val="bg1"/>
-                </a:solidFill>
-              </a:endParaRPr>
             </a:p>
           </p:txBody>
         </p:sp>
@@ -15025,6 +15076,7 @@
         </p:style>
         <p:txBody>
           <a:bodyPr rtlCol="0" anchor="ctr"/>
+          <a:lstStyle/>
           <a:p>
             <a:pPr algn="ctr"/>
             <a:endParaRPr lang="zh-CN" altLang="en-US"/>
@@ -15064,6 +15116,7 @@
         </p:style>
         <p:txBody>
           <a:bodyPr rtlCol="0" anchor="ctr"/>
+          <a:lstStyle/>
           <a:p>
             <a:pPr algn="ctr"/>
             <a:endParaRPr lang="zh-CN" altLang="en-US"/>
@@ -15090,12 +15143,12 @@
           <a:bodyPr wrap="none" rtlCol="0">
             <a:spAutoFit/>
           </a:bodyPr>
+          <a:lstStyle/>
           <a:p>
             <a:r>
               <a:rPr lang="zh-CN" altLang="en-US"/>
               <a:t>视频轨道</a:t>
             </a:r>
-            <a:endParaRPr lang="zh-CN" altLang="en-US"/>
           </a:p>
         </p:txBody>
       </p:sp>
@@ -15119,12 +15172,12 @@
           <a:bodyPr wrap="none" rtlCol="0">
             <a:spAutoFit/>
           </a:bodyPr>
+          <a:lstStyle/>
           <a:p>
             <a:r>
               <a:rPr lang="zh-CN" altLang="en-US"/>
               <a:t>音频轨道</a:t>
             </a:r>
-            <a:endParaRPr lang="zh-CN" altLang="en-US"/>
           </a:p>
         </p:txBody>
       </p:sp>
@@ -15145,7 +15198,14 @@
         <p:cNvGrpSpPr/>
         <p:nvPr/>
       </p:nvGrpSpPr>
-      <p:grpSpPr/>
+      <p:grpSpPr>
+        <a:xfrm>
+          <a:off x="0" y="0"/>
+          <a:ext cx="0" cy="0"/>
+          <a:chOff x="0" y="0"/>
+          <a:chExt cx="0" cy="0"/>
+        </a:xfrm>
+      </p:grpSpPr>
       <p:sp>
         <p:nvSpPr>
           <p:cNvPr id="2" name="标题 1"/>
@@ -15159,12 +15219,12 @@
         <p:spPr/>
         <p:txBody>
           <a:bodyPr/>
+          <a:lstStyle/>
           <a:p>
             <a:r>
               <a:rPr lang="zh-CN" altLang="en-US"/>
               <a:t>一、时长裁剪</a:t>
             </a:r>
-            <a:endParaRPr lang="zh-CN" altLang="en-US"/>
           </a:p>
         </p:txBody>
       </p:sp>
@@ -15188,6 +15248,7 @@
           <a:bodyPr>
             <a:normAutofit fontScale="90000" lnSpcReduction="10000"/>
           </a:bodyPr>
+          <a:lstStyle/>
           <a:p>
             <a:r>
               <a:rPr lang="en-US" altLang="zh-CN"/>
@@ -15200,7 +15261,6 @@
               <a:rPr lang="en-US" altLang="zh-CN"/>
               <a:t>init(value: CMTimeValue, timescale: CMTimeScale)</a:t>
             </a:r>
-            <a:endParaRPr lang="en-US" altLang="zh-CN"/>
           </a:p>
           <a:p>
             <a:r>
@@ -15214,14 +15274,12 @@
               <a:rPr lang="zh-CN" altLang="en-US"/>
               <a:t>CMTimeMake(value: Int64, timescale: Int32) -&gt; CMTime</a:t>
             </a:r>
-            <a:endParaRPr lang="zh-CN" altLang="en-US"/>
           </a:p>
           <a:p>
             <a:r>
               <a:rPr lang="zh-CN" altLang="en-US"/>
               <a:t>CMTimeMakeWithSeconds(_ seconds: Float64, preferredTimescale: Int32) -&gt; CMTime</a:t>
             </a:r>
-            <a:endParaRPr lang="zh-CN" altLang="en-US"/>
           </a:p>
           <a:p>
             <a:pPr marL="0" indent="0">
@@ -15245,7 +15303,6 @@
               <a:rPr lang="zh-CN" altLang="en-US"/>
               <a:t>：</a:t>
             </a:r>
-            <a:endParaRPr lang="zh-CN" altLang="en-US"/>
           </a:p>
           <a:p>
             <a:pPr marL="0" indent="0">
@@ -15255,7 +15312,6 @@
               <a:rPr lang="zh-CN" altLang="en-US" sz="1400"/>
               <a:t> CMTimeMake(value: 1, timescale: 1) </a:t>
             </a:r>
-            <a:endParaRPr lang="zh-CN" altLang="en-US" sz="1400"/>
           </a:p>
           <a:p>
             <a:pPr marL="0" indent="0">
@@ -15265,7 +15321,6 @@
               <a:rPr lang="zh-CN" altLang="en-US" sz="1400"/>
               <a:t> CMTimeMake(value: 600, timescale: 600)</a:t>
             </a:r>
-            <a:endParaRPr lang="zh-CN" altLang="en-US" sz="1400"/>
           </a:p>
           <a:p>
             <a:pPr marL="0" indent="0">
@@ -15308,13 +15363,13 @@
           <a:bodyPr wrap="none" rtlCol="0">
             <a:spAutoFit/>
           </a:bodyPr>
+          <a:lstStyle/>
           <a:p>
             <a:pPr algn="l"/>
             <a:r>
               <a:rPr lang="zh-CN" altLang="en-US"/>
               <a:t>相关类和方法：</a:t>
             </a:r>
-            <a:endParaRPr lang="zh-CN" altLang="en-US"/>
           </a:p>
         </p:txBody>
       </p:sp>
@@ -15335,7 +15390,14 @@
         <p:cNvGrpSpPr/>
         <p:nvPr/>
       </p:nvGrpSpPr>
-      <p:grpSpPr/>
+      <p:grpSpPr>
+        <a:xfrm>
+          <a:off x="0" y="0"/>
+          <a:ext cx="0" cy="0"/>
+          <a:chOff x="0" y="0"/>
+          <a:chExt cx="0" cy="0"/>
+        </a:xfrm>
+      </p:grpSpPr>
       <p:sp>
         <p:nvSpPr>
           <p:cNvPr id="3" name="内容占位符 2"/>
@@ -15354,14 +15416,14 @@
         </p:spPr>
         <p:txBody>
           <a:bodyPr>
-            <a:normAutofit lnSpcReduction="20000"/>
+            <a:normAutofit/>
           </a:bodyPr>
+          <a:lstStyle/>
           <a:p>
             <a:r>
               <a:rPr lang="en-US" altLang="zh-CN" sz="1600"/>
               <a:t>CMTimeAdd(_ lhs: CMTime, _ rhs: CMTime) -&gt; CMTime</a:t>
             </a:r>
-            <a:endParaRPr lang="en-US" altLang="zh-CN" sz="1600"/>
           </a:p>
           <a:p>
             <a:pPr marL="0" indent="0">
@@ -15376,6 +15438,78 @@
                 </a:solidFill>
               </a:rPr>
               <a:t>	let time1 = CMTimeMake(value: 1, timescale: 1)</a:t>
+            </a:r>
+          </a:p>
+          <a:p>
+            <a:pPr marL="0" indent="0">
+              <a:buNone/>
+            </a:pPr>
+            <a:r>
+              <a:rPr lang="en-US" altLang="zh-CN" sz="1200">
+                <a:solidFill>
+                  <a:schemeClr val="bg1">
+                    <a:lumMod val="50000"/>
+                  </a:schemeClr>
+                </a:solidFill>
+              </a:rPr>
+              <a:t>         let time2 = CMTimeMake(value: 600, timescale: 600)</a:t>
+            </a:r>
+          </a:p>
+          <a:p>
+            <a:pPr marL="0" indent="0">
+              <a:buNone/>
+            </a:pPr>
+            <a:r>
+              <a:rPr lang="en-US" altLang="zh-CN" sz="1200">
+                <a:solidFill>
+                  <a:schemeClr val="bg1">
+                    <a:lumMod val="50000"/>
+                  </a:schemeClr>
+                </a:solidFill>
+              </a:rPr>
+              <a:t>         CMTimeAdd(time1, time2) = ?    (</a:t>
+            </a:r>
+            <a:r>
+              <a:rPr lang="en-US" altLang="zh-CN" sz="1200">
+                <a:solidFill>
+                  <a:schemeClr val="accent2"/>
+                </a:solidFill>
+                <a:sym typeface="+mn-ea"/>
+              </a:rPr>
+              <a:t>CMTime(value: 1200, timescale: 600)</a:t>
+            </a:r>
+            <a:r>
+              <a:rPr lang="en-US" altLang="zh-CN" sz="1200">
+                <a:solidFill>
+                  <a:schemeClr val="bg1">
+                    <a:lumMod val="50000"/>
+                  </a:schemeClr>
+                </a:solidFill>
+              </a:rPr>
+              <a:t>)</a:t>
+            </a:r>
+            <a:endParaRPr lang="en-US" altLang="zh-CN" sz="1600"/>
+          </a:p>
+          <a:p>
+            <a:r>
+              <a:rPr lang="en-US" altLang="zh-CN" sz="1600"/>
+              <a:t>CMTimeSubtract(_ lhs: CMTime, _ rhs: CMTime) -&gt; CMTime</a:t>
+            </a:r>
+          </a:p>
+          <a:p>
+            <a:pPr marL="0" indent="0">
+              <a:buNone/>
+            </a:pPr>
+            <a:r>
+              <a:rPr lang="en-US" altLang="zh-CN" sz="1200">
+                <a:solidFill>
+                  <a:schemeClr val="bg1">
+                    <a:lumMod val="50000"/>
+                  </a:schemeClr>
+                </a:solidFill>
+                <a:sym typeface="+mn-ea"/>
+              </a:rPr>
+              <a:t>	let totalTime = CMTimeMake(value: 10, timescale: 1)</a:t>
             </a:r>
             <a:endParaRPr lang="en-US" altLang="zh-CN" sz="1200">
               <a:solidFill>
@@ -15396,8 +15530,9 @@
                     <a:lumMod val="50000"/>
                   </a:schemeClr>
                 </a:solidFill>
+                <a:sym typeface="+mn-ea"/>
               </a:rPr>
-              <a:t>         let time2 = CMTimeMake(value: 600, timescale: 600)</a:t>
+              <a:t>         let time1 = CMTimeMake(value: 2400, timescale: 600)</a:t>
             </a:r>
             <a:endParaRPr lang="en-US" altLang="zh-CN" sz="1200">
               <a:solidFill>
@@ -15418,94 +15553,6 @@
                     <a:lumMod val="50000"/>
                   </a:schemeClr>
                 </a:solidFill>
-              </a:rPr>
-              <a:t>         CMTimeAdd(time1, time2) = ?    (</a:t>
-            </a:r>
-            <a:r>
-              <a:rPr lang="en-US" altLang="zh-CN" sz="1200">
-                <a:solidFill>
-                  <a:schemeClr val="accent2"/>
-                </a:solidFill>
-                <a:sym typeface="+mn-ea"/>
-              </a:rPr>
-              <a:t>CMTime(value: 1200, timescale: 600)</a:t>
-            </a:r>
-            <a:r>
-              <a:rPr lang="en-US" altLang="zh-CN" sz="1200">
-                <a:solidFill>
-                  <a:schemeClr val="bg1">
-                    <a:lumMod val="50000"/>
-                  </a:schemeClr>
-                </a:solidFill>
-              </a:rPr>
-              <a:t>)</a:t>
-            </a:r>
-            <a:endParaRPr lang="en-US" altLang="zh-CN" sz="1600"/>
-          </a:p>
-          <a:p>
-            <a:r>
-              <a:rPr lang="en-US" altLang="zh-CN" sz="1600"/>
-              <a:t>CMTimeSubtract(_ lhs: CMTime, _ rhs: CMTime) -&gt; CMTime</a:t>
-            </a:r>
-            <a:endParaRPr lang="en-US" altLang="zh-CN" sz="1600"/>
-          </a:p>
-          <a:p>
-            <a:pPr marL="0" indent="0">
-              <a:buNone/>
-            </a:pPr>
-            <a:r>
-              <a:rPr lang="en-US" altLang="zh-CN" sz="1200">
-                <a:solidFill>
-                  <a:schemeClr val="bg1">
-                    <a:lumMod val="50000"/>
-                  </a:schemeClr>
-                </a:solidFill>
-                <a:sym typeface="+mn-ea"/>
-              </a:rPr>
-              <a:t>	let totalTime = CMTimeMake(value: 10, timescale: 1)</a:t>
-            </a:r>
-            <a:endParaRPr lang="en-US" altLang="zh-CN" sz="1200">
-              <a:solidFill>
-                <a:schemeClr val="bg1">
-                  <a:lumMod val="50000"/>
-                </a:schemeClr>
-              </a:solidFill>
-            </a:endParaRPr>
-          </a:p>
-          <a:p>
-            <a:pPr marL="0" indent="0">
-              <a:buNone/>
-            </a:pPr>
-            <a:r>
-              <a:rPr lang="en-US" altLang="zh-CN" sz="1200">
-                <a:solidFill>
-                  <a:schemeClr val="bg1">
-                    <a:lumMod val="50000"/>
-                  </a:schemeClr>
-                </a:solidFill>
-                <a:sym typeface="+mn-ea"/>
-              </a:rPr>
-              <a:t>         let time1 = CMTimeMake(value: 2400, timescale: 600)</a:t>
-            </a:r>
-            <a:endParaRPr lang="en-US" altLang="zh-CN" sz="1200">
-              <a:solidFill>
-                <a:schemeClr val="bg1">
-                  <a:lumMod val="50000"/>
-                </a:schemeClr>
-              </a:solidFill>
-            </a:endParaRPr>
-          </a:p>
-          <a:p>
-            <a:pPr marL="0" indent="0">
-              <a:buNone/>
-            </a:pPr>
-            <a:r>
-              <a:rPr lang="en-US" altLang="zh-CN" sz="1200">
-                <a:solidFill>
-                  <a:schemeClr val="bg1">
-                    <a:lumMod val="50000"/>
-                  </a:schemeClr>
-                </a:solidFill>
                 <a:sym typeface="+mn-ea"/>
               </a:rPr>
               <a:t>        CMTimeSubtract(totalTime, time1) = ?   (</a:t>
@@ -15537,14 +15584,12 @@
               <a:rPr lang="en-US" altLang="zh-CN" sz="1600"/>
               <a:t>CMTimeMultiply(_ time: CMTime, multiplier: Int32) -&gt; CMTime</a:t>
             </a:r>
-            <a:endParaRPr lang="en-US" altLang="zh-CN" sz="1600"/>
           </a:p>
           <a:p>
             <a:r>
               <a:rPr lang="zh-CN" altLang="en-US" sz="1600"/>
               <a:t>CMTimeCompare(_ time1: CMTime, _ time2: CMTime) -&gt; Int32</a:t>
             </a:r>
-            <a:endParaRPr lang="zh-CN" altLang="en-US" sz="1600"/>
           </a:p>
           <a:p>
             <a:pPr marL="0" indent="0">
@@ -15637,21 +15682,18 @@
               <a:rPr lang="zh-CN" altLang="en-US" sz="1600"/>
               <a:t>CMTimeMinimum(_ time1: CMTime, _ time2: CMTime) -&gt; CMTime</a:t>
             </a:r>
-            <a:endParaRPr lang="zh-CN" altLang="en-US" sz="1600"/>
           </a:p>
           <a:p>
             <a:r>
               <a:rPr lang="zh-CN" altLang="en-US" sz="1600"/>
               <a:t>CMTimeMaximum(_ time1: CMTime, _ time2: CMTime) -&gt; CMTime</a:t>
             </a:r>
-            <a:endParaRPr lang="zh-CN" altLang="en-US" sz="1600"/>
           </a:p>
           <a:p>
             <a:r>
               <a:rPr lang="zh-CN" altLang="en-US" sz="1600"/>
               <a:t>CMTimeRangeMake(start: CMTime, duration: CMTime) -&gt; CMTimeRange</a:t>
             </a:r>
-            <a:endParaRPr lang="zh-CN" altLang="en-US" sz="1600"/>
           </a:p>
           <a:p>
             <a:pPr marL="0" indent="0">
@@ -15764,7 +15806,7 @@
         </p:spPr>
         <p:txBody>
           <a:bodyPr>
-            <a:normAutofit lnSpcReduction="20000"/>
+            <a:normAutofit fontScale="92500" lnSpcReduction="10000"/>
           </a:bodyPr>
           <a:lstStyle/>
           <a:p>
@@ -15772,7 +15814,6 @@
               <a:rPr kumimoji="1" lang="zh-CN" altLang="en-US" dirty="0"/>
               <a:t>矩阵变换</a:t>
             </a:r>
-            <a:endParaRPr kumimoji="1" lang="zh-CN" altLang="en-US" dirty="0"/>
           </a:p>
           <a:p>
             <a:pPr marL="0" indent="0">
@@ -15782,7 +15823,6 @@
               <a:rPr kumimoji="1" lang="zh-CN" altLang="en-US" dirty="0"/>
               <a:t>原理：</a:t>
             </a:r>
-            <a:endParaRPr kumimoji="1" lang="zh-CN" altLang="en-US" dirty="0"/>
           </a:p>
           <a:p>
             <a:pPr marL="0" indent="0">
@@ -15817,8 +15857,8 @@
               <a:t>              </a:t>
             </a:r>
             <a:r>
-              <a:rPr kumimoji="1" lang="en-US" altLang="zh-CN" dirty="0"/>
-              <a:t>|</a:t>
+              <a:rPr kumimoji="1" lang="en-US" altLang="zh-CN" dirty="0" smtClean="0"/>
+              <a:t>   |</a:t>
             </a:r>
             <a:r>
               <a:rPr kumimoji="1" lang="en-US" altLang="zh-CN" dirty="0"/>
@@ -15832,9 +15872,16 @@
             </a:pPr>
             <a:r>
               <a:rPr kumimoji="1" lang="en-US" altLang="zh-CN" dirty="0"/>
-              <a:t>[X, Y, 1] x |c  d   0| = [aX+cY+tx, bX+dY+ty, 1]</a:t>
-            </a:r>
-            <a:endParaRPr kumimoji="1" lang="en-US" altLang="zh-CN" dirty="0"/>
+              <a:t>[X, Y, 1] </a:t>
+            </a:r>
+            <a:r>
+              <a:rPr kumimoji="1" lang="en-US" altLang="zh-CN" dirty="0" smtClean="0"/>
+              <a:t>x  </a:t>
+            </a:r>
+            <a:r>
+              <a:rPr kumimoji="1" lang="en-US" altLang="zh-CN" dirty="0"/>
+              <a:t>|c  d   0| = [aX+cY+tx, bX+dY+ty, 1]</a:t>
+            </a:r>
           </a:p>
           <a:p>
             <a:pPr marL="0" indent="0">
@@ -15842,17 +15889,20 @@
             </a:pPr>
             <a:r>
               <a:rPr kumimoji="1" lang="zh-CN" altLang="en-US" dirty="0"/>
-              <a:t>              </a:t>
+              <a:t>             </a:t>
+            </a:r>
+            <a:r>
+              <a:rPr kumimoji="1" lang="en-US" altLang="zh-CN" dirty="0" smtClean="0"/>
+              <a:t>   </a:t>
+            </a:r>
+            <a:r>
+              <a:rPr kumimoji="1" lang="zh-CN" altLang="en-US" dirty="0" smtClean="0"/>
+              <a:t> </a:t>
             </a:r>
             <a:r>
               <a:rPr kumimoji="1" lang="en-US" altLang="zh-CN" dirty="0"/>
-              <a:t>|</a:t>
-            </a:r>
-            <a:r>
-              <a:rPr kumimoji="1" lang="en-US" altLang="zh-CN" dirty="0"/>
-              <a:t>tx  ty  1|</a:t>
-            </a:r>
-            <a:endParaRPr kumimoji="1" lang="en-US" altLang="zh-CN" dirty="0"/>
+              <a:t>|tx  ty  1|</a:t>
+            </a:r>
           </a:p>
           <a:p>
             <a:pPr marL="0" indent="0">
@@ -15866,7 +15916,6 @@
               <a:rPr kumimoji="1" lang="en-US" altLang="zh-CN" sz="1600" dirty="0"/>
               <a:t>(aX+cY+tx, bX+dY+ty, 1)</a:t>
             </a:r>
-            <a:endParaRPr kumimoji="1" lang="en-US" altLang="zh-CN" sz="1600" dirty="0"/>
           </a:p>
           <a:p>
             <a:pPr marL="0" indent="0">
@@ -15879,7 +15928,15 @@
               <a:buNone/>
             </a:pPr>
             <a:r>
-              <a:rPr kumimoji="1" lang="en-US" altLang="zh-CN" sz="1600" dirty="0">
+              <a:rPr kumimoji="1" lang="zh-CN" altLang="en-US" sz="1600" dirty="0" smtClean="0">
+                <a:solidFill>
+                  <a:schemeClr val="accent2"/>
+                </a:solidFill>
+              </a:rPr>
+              <a:t>结论：</a:t>
+            </a:r>
+            <a:r>
+              <a:rPr kumimoji="1" lang="en-US" altLang="zh-CN" sz="1600" dirty="0" err="1" smtClean="0">
                 <a:solidFill>
                   <a:schemeClr val="accent2"/>
                 </a:solidFill>
@@ -16006,11 +16063,6 @@
               </a:rPr>
               <a:t>共同作用旋转。</a:t>
             </a:r>
-            <a:endParaRPr kumimoji="1" lang="zh-CN" altLang="en-US" sz="1600" dirty="0">
-              <a:solidFill>
-                <a:schemeClr val="accent2"/>
-              </a:solidFill>
-            </a:endParaRPr>
           </a:p>
         </p:txBody>
       </p:sp>
@@ -16023,7 +16075,7 @@
 </file>
 
 <file path=ppt/slides/slide9.xml><?xml version="1.0" encoding="utf-8"?>
-<p:sld xmlns:a="http://schemas.openxmlformats.org/drawingml/2006/main" xmlns:r="http://schemas.openxmlformats.org/officeDocument/2006/relationships" xmlns:p="http://schemas.openxmlformats.org/presentationml/2006/main">
+<p:sld xmlns:a="http://schemas.openxmlformats.org/drawingml/2006/main" xmlns:r="http://schemas.openxmlformats.org/officeDocument/2006/relationships" xmlns:p="http://schemas.openxmlformats.org/presentationml/2006/main" showMasterSp="0">
   <p:cSld>
     <p:spTree>
       <p:nvGrpSpPr>
@@ -16039,133 +16091,1425 @@
           <a:chExt cx="0" cy="0"/>
         </a:xfrm>
       </p:grpSpPr>
+      <p:grpSp>
+        <p:nvGrpSpPr>
+          <p:cNvPr id="14" name="组 13"/>
+          <p:cNvGrpSpPr/>
+          <p:nvPr/>
+        </p:nvGrpSpPr>
+        <p:grpSpPr>
+          <a:xfrm>
+            <a:off x="371471" y="671514"/>
+            <a:ext cx="3071812" cy="2871786"/>
+            <a:chOff x="1328738" y="671514"/>
+            <a:chExt cx="3071812" cy="2871786"/>
+          </a:xfrm>
+        </p:grpSpPr>
+        <p:cxnSp>
+          <p:nvCxnSpPr>
+            <p:cNvPr id="5" name="直线箭头连接符 4"/>
+            <p:cNvCxnSpPr/>
+            <p:nvPr/>
+          </p:nvCxnSpPr>
+          <p:spPr>
+            <a:xfrm>
+              <a:off x="1328738" y="2557463"/>
+              <a:ext cx="3071812" cy="0"/>
+            </a:xfrm>
+            <a:prstGeom prst="straightConnector1">
+              <a:avLst/>
+            </a:prstGeom>
+            <a:ln>
+              <a:tailEnd type="triangle"/>
+            </a:ln>
+          </p:spPr>
+          <p:style>
+            <a:lnRef idx="1">
+              <a:schemeClr val="accent1"/>
+            </a:lnRef>
+            <a:fillRef idx="0">
+              <a:schemeClr val="accent1"/>
+            </a:fillRef>
+            <a:effectRef idx="0">
+              <a:schemeClr val="accent1"/>
+            </a:effectRef>
+            <a:fontRef idx="minor">
+              <a:schemeClr val="tx1"/>
+            </a:fontRef>
+          </p:style>
+        </p:cxnSp>
+        <p:cxnSp>
+          <p:nvCxnSpPr>
+            <p:cNvPr id="7" name="直线箭头连接符 6"/>
+            <p:cNvCxnSpPr/>
+            <p:nvPr/>
+          </p:nvCxnSpPr>
+          <p:spPr>
+            <a:xfrm flipV="1">
+              <a:off x="2686051" y="671514"/>
+              <a:ext cx="1" cy="2871786"/>
+            </a:xfrm>
+            <a:prstGeom prst="straightConnector1">
+              <a:avLst/>
+            </a:prstGeom>
+            <a:ln>
+              <a:tailEnd type="triangle"/>
+            </a:ln>
+          </p:spPr>
+          <p:style>
+            <a:lnRef idx="1">
+              <a:schemeClr val="accent1"/>
+            </a:lnRef>
+            <a:fillRef idx="0">
+              <a:schemeClr val="accent1"/>
+            </a:fillRef>
+            <a:effectRef idx="0">
+              <a:schemeClr val="accent1"/>
+            </a:effectRef>
+            <a:fontRef idx="minor">
+              <a:schemeClr val="tx1"/>
+            </a:fontRef>
+          </p:style>
+        </p:cxnSp>
+      </p:grpSp>
+      <p:grpSp>
+        <p:nvGrpSpPr>
+          <p:cNvPr id="21" name="组 20"/>
+          <p:cNvGrpSpPr/>
+          <p:nvPr/>
+        </p:nvGrpSpPr>
+        <p:grpSpPr>
+          <a:xfrm>
+            <a:off x="1743067" y="1171575"/>
+            <a:ext cx="892969" cy="1385888"/>
+            <a:chOff x="2686051" y="1171575"/>
+            <a:chExt cx="892969" cy="1385888"/>
+          </a:xfrm>
+        </p:grpSpPr>
+        <p:sp>
+          <p:nvSpPr>
+            <p:cNvPr id="8" name="矩形 7"/>
+            <p:cNvSpPr/>
+            <p:nvPr/>
+          </p:nvSpPr>
+          <p:spPr>
+            <a:xfrm>
+              <a:off x="2686051" y="1171575"/>
+              <a:ext cx="892969" cy="1385888"/>
+            </a:xfrm>
+            <a:prstGeom prst="rect">
+              <a:avLst/>
+            </a:prstGeom>
+          </p:spPr>
+          <p:style>
+            <a:lnRef idx="2">
+              <a:schemeClr val="accent1">
+                <a:shade val="50000"/>
+              </a:schemeClr>
+            </a:lnRef>
+            <a:fillRef idx="1">
+              <a:schemeClr val="accent1"/>
+            </a:fillRef>
+            <a:effectRef idx="0">
+              <a:schemeClr val="accent1"/>
+            </a:effectRef>
+            <a:fontRef idx="minor">
+              <a:schemeClr val="lt1"/>
+            </a:fontRef>
+          </p:style>
+          <p:txBody>
+            <a:bodyPr rtlCol="0" anchor="ctr"/>
+            <a:lstStyle/>
+            <a:p>
+              <a:pPr algn="ctr"/>
+              <a:endParaRPr kumimoji="1" lang="zh-CN" altLang="en-US"/>
+            </a:p>
+          </p:txBody>
+        </p:sp>
+        <p:grpSp>
+          <p:nvGrpSpPr>
+            <p:cNvPr id="19" name="组 18"/>
+            <p:cNvGrpSpPr/>
+            <p:nvPr/>
+          </p:nvGrpSpPr>
+          <p:grpSpPr>
+            <a:xfrm>
+              <a:off x="2925365" y="1271589"/>
+              <a:ext cx="439144" cy="1257299"/>
+              <a:chOff x="2996805" y="1271589"/>
+              <a:chExt cx="439144" cy="1257299"/>
+            </a:xfrm>
+          </p:grpSpPr>
+          <p:sp>
+            <p:nvSpPr>
+              <p:cNvPr id="15" name="三角形 14"/>
+              <p:cNvSpPr/>
+              <p:nvPr/>
+            </p:nvSpPr>
+            <p:spPr>
+              <a:xfrm>
+                <a:off x="2996805" y="1271589"/>
+                <a:ext cx="432000" cy="300038"/>
+              </a:xfrm>
+              <a:prstGeom prst="triangle">
+                <a:avLst/>
+              </a:prstGeom>
+              <a:solidFill>
+                <a:srgbClr val="00B050"/>
+              </a:solidFill>
+            </p:spPr>
+            <p:style>
+              <a:lnRef idx="2">
+                <a:schemeClr val="accent1">
+                  <a:shade val="50000"/>
+                </a:schemeClr>
+              </a:lnRef>
+              <a:fillRef idx="1">
+                <a:schemeClr val="accent1"/>
+              </a:fillRef>
+              <a:effectRef idx="0">
+                <a:schemeClr val="accent1"/>
+              </a:effectRef>
+              <a:fontRef idx="minor">
+                <a:schemeClr val="lt1"/>
+              </a:fontRef>
+            </p:style>
+            <p:txBody>
+              <a:bodyPr rtlCol="0" anchor="ctr"/>
+              <a:lstStyle/>
+              <a:p>
+                <a:pPr algn="ctr"/>
+                <a:endParaRPr kumimoji="1" lang="zh-CN" altLang="en-US"/>
+              </a:p>
+            </p:txBody>
+          </p:sp>
+          <p:sp>
+            <p:nvSpPr>
+              <p:cNvPr id="16" name="三角形 15"/>
+              <p:cNvSpPr/>
+              <p:nvPr/>
+            </p:nvSpPr>
+            <p:spPr>
+              <a:xfrm>
+                <a:off x="2996805" y="1578769"/>
+                <a:ext cx="432000" cy="300038"/>
+              </a:xfrm>
+              <a:prstGeom prst="triangle">
+                <a:avLst/>
+              </a:prstGeom>
+              <a:solidFill>
+                <a:srgbClr val="00B050"/>
+              </a:solidFill>
+            </p:spPr>
+            <p:style>
+              <a:lnRef idx="2">
+                <a:schemeClr val="accent1">
+                  <a:shade val="50000"/>
+                </a:schemeClr>
+              </a:lnRef>
+              <a:fillRef idx="1">
+                <a:schemeClr val="accent1"/>
+              </a:fillRef>
+              <a:effectRef idx="0">
+                <a:schemeClr val="accent1"/>
+              </a:effectRef>
+              <a:fontRef idx="minor">
+                <a:schemeClr val="lt1"/>
+              </a:fontRef>
+            </p:style>
+            <p:txBody>
+              <a:bodyPr rtlCol="0" anchor="ctr"/>
+              <a:lstStyle/>
+              <a:p>
+                <a:pPr algn="ctr"/>
+                <a:endParaRPr kumimoji="1" lang="zh-CN" altLang="en-US"/>
+              </a:p>
+            </p:txBody>
+          </p:sp>
+          <p:sp>
+            <p:nvSpPr>
+              <p:cNvPr id="17" name="三角形 16"/>
+              <p:cNvSpPr/>
+              <p:nvPr/>
+            </p:nvSpPr>
+            <p:spPr>
+              <a:xfrm>
+                <a:off x="3003949" y="1885951"/>
+                <a:ext cx="432000" cy="300038"/>
+              </a:xfrm>
+              <a:prstGeom prst="triangle">
+                <a:avLst/>
+              </a:prstGeom>
+              <a:solidFill>
+                <a:srgbClr val="00B050"/>
+              </a:solidFill>
+            </p:spPr>
+            <p:style>
+              <a:lnRef idx="2">
+                <a:schemeClr val="accent1">
+                  <a:shade val="50000"/>
+                </a:schemeClr>
+              </a:lnRef>
+              <a:fillRef idx="1">
+                <a:schemeClr val="accent1"/>
+              </a:fillRef>
+              <a:effectRef idx="0">
+                <a:schemeClr val="accent1"/>
+              </a:effectRef>
+              <a:fontRef idx="minor">
+                <a:schemeClr val="lt1"/>
+              </a:fontRef>
+            </p:style>
+            <p:txBody>
+              <a:bodyPr rtlCol="0" anchor="ctr"/>
+              <a:lstStyle/>
+              <a:p>
+                <a:pPr algn="ctr"/>
+                <a:endParaRPr kumimoji="1" lang="zh-CN" altLang="en-US"/>
+              </a:p>
+            </p:txBody>
+          </p:sp>
+          <p:sp>
+            <p:nvSpPr>
+              <p:cNvPr id="18" name="矩形 17"/>
+              <p:cNvSpPr/>
+              <p:nvPr/>
+            </p:nvSpPr>
+            <p:spPr>
+              <a:xfrm>
+                <a:off x="3184229" y="2185989"/>
+                <a:ext cx="45719" cy="342899"/>
+              </a:xfrm>
+              <a:prstGeom prst="rect">
+                <a:avLst/>
+              </a:prstGeom>
+              <a:solidFill>
+                <a:srgbClr val="00B050"/>
+              </a:solidFill>
+            </p:spPr>
+            <p:style>
+              <a:lnRef idx="2">
+                <a:schemeClr val="accent1">
+                  <a:shade val="50000"/>
+                </a:schemeClr>
+              </a:lnRef>
+              <a:fillRef idx="1">
+                <a:schemeClr val="accent1"/>
+              </a:fillRef>
+              <a:effectRef idx="0">
+                <a:schemeClr val="accent1"/>
+              </a:effectRef>
+              <a:fontRef idx="minor">
+                <a:schemeClr val="lt1"/>
+              </a:fontRef>
+            </p:style>
+            <p:txBody>
+              <a:bodyPr rtlCol="0" anchor="ctr"/>
+              <a:lstStyle/>
+              <a:p>
+                <a:pPr algn="ctr"/>
+                <a:endParaRPr kumimoji="1" lang="zh-CN" altLang="en-US"/>
+              </a:p>
+            </p:txBody>
+          </p:sp>
+        </p:grpSp>
+      </p:grpSp>
+      <p:grpSp>
+        <p:nvGrpSpPr>
+          <p:cNvPr id="22" name="组 21"/>
+          <p:cNvGrpSpPr/>
+          <p:nvPr/>
+        </p:nvGrpSpPr>
+        <p:grpSpPr>
+          <a:xfrm rot="16200000">
+            <a:off x="5142320" y="1325167"/>
+            <a:ext cx="892969" cy="1385888"/>
+            <a:chOff x="2686051" y="1171575"/>
+            <a:chExt cx="892969" cy="1385888"/>
+          </a:xfrm>
+        </p:grpSpPr>
+        <p:sp>
+          <p:nvSpPr>
+            <p:cNvPr id="23" name="矩形 22"/>
+            <p:cNvSpPr/>
+            <p:nvPr/>
+          </p:nvSpPr>
+          <p:spPr>
+            <a:xfrm>
+              <a:off x="2686051" y="1171575"/>
+              <a:ext cx="892969" cy="1385888"/>
+            </a:xfrm>
+            <a:prstGeom prst="rect">
+              <a:avLst/>
+            </a:prstGeom>
+          </p:spPr>
+          <p:style>
+            <a:lnRef idx="2">
+              <a:schemeClr val="accent1">
+                <a:shade val="50000"/>
+              </a:schemeClr>
+            </a:lnRef>
+            <a:fillRef idx="1">
+              <a:schemeClr val="accent1"/>
+            </a:fillRef>
+            <a:effectRef idx="0">
+              <a:schemeClr val="accent1"/>
+            </a:effectRef>
+            <a:fontRef idx="minor">
+              <a:schemeClr val="lt1"/>
+            </a:fontRef>
+          </p:style>
+          <p:txBody>
+            <a:bodyPr rtlCol="0" anchor="ctr"/>
+            <a:lstStyle/>
+            <a:p>
+              <a:pPr algn="ctr"/>
+              <a:endParaRPr kumimoji="1" lang="zh-CN" altLang="en-US"/>
+            </a:p>
+          </p:txBody>
+        </p:sp>
+        <p:grpSp>
+          <p:nvGrpSpPr>
+            <p:cNvPr id="24" name="组 23"/>
+            <p:cNvGrpSpPr/>
+            <p:nvPr/>
+          </p:nvGrpSpPr>
+          <p:grpSpPr>
+            <a:xfrm>
+              <a:off x="2925365" y="1271589"/>
+              <a:ext cx="439144" cy="1257299"/>
+              <a:chOff x="2996805" y="1271589"/>
+              <a:chExt cx="439144" cy="1257299"/>
+            </a:xfrm>
+          </p:grpSpPr>
+          <p:sp>
+            <p:nvSpPr>
+              <p:cNvPr id="25" name="三角形 24"/>
+              <p:cNvSpPr/>
+              <p:nvPr/>
+            </p:nvSpPr>
+            <p:spPr>
+              <a:xfrm>
+                <a:off x="2996805" y="1271589"/>
+                <a:ext cx="432000" cy="300038"/>
+              </a:xfrm>
+              <a:prstGeom prst="triangle">
+                <a:avLst/>
+              </a:prstGeom>
+              <a:solidFill>
+                <a:srgbClr val="00B050"/>
+              </a:solidFill>
+            </p:spPr>
+            <p:style>
+              <a:lnRef idx="2">
+                <a:schemeClr val="accent1">
+                  <a:shade val="50000"/>
+                </a:schemeClr>
+              </a:lnRef>
+              <a:fillRef idx="1">
+                <a:schemeClr val="accent1"/>
+              </a:fillRef>
+              <a:effectRef idx="0">
+                <a:schemeClr val="accent1"/>
+              </a:effectRef>
+              <a:fontRef idx="minor">
+                <a:schemeClr val="lt1"/>
+              </a:fontRef>
+            </p:style>
+            <p:txBody>
+              <a:bodyPr rtlCol="0" anchor="ctr"/>
+              <a:lstStyle/>
+              <a:p>
+                <a:pPr algn="ctr"/>
+                <a:endParaRPr kumimoji="1" lang="zh-CN" altLang="en-US"/>
+              </a:p>
+            </p:txBody>
+          </p:sp>
+          <p:sp>
+            <p:nvSpPr>
+              <p:cNvPr id="26" name="三角形 25"/>
+              <p:cNvSpPr/>
+              <p:nvPr/>
+            </p:nvSpPr>
+            <p:spPr>
+              <a:xfrm>
+                <a:off x="2996805" y="1578769"/>
+                <a:ext cx="432000" cy="300038"/>
+              </a:xfrm>
+              <a:prstGeom prst="triangle">
+                <a:avLst/>
+              </a:prstGeom>
+              <a:solidFill>
+                <a:srgbClr val="00B050"/>
+              </a:solidFill>
+            </p:spPr>
+            <p:style>
+              <a:lnRef idx="2">
+                <a:schemeClr val="accent1">
+                  <a:shade val="50000"/>
+                </a:schemeClr>
+              </a:lnRef>
+              <a:fillRef idx="1">
+                <a:schemeClr val="accent1"/>
+              </a:fillRef>
+              <a:effectRef idx="0">
+                <a:schemeClr val="accent1"/>
+              </a:effectRef>
+              <a:fontRef idx="minor">
+                <a:schemeClr val="lt1"/>
+              </a:fontRef>
+            </p:style>
+            <p:txBody>
+              <a:bodyPr rtlCol="0" anchor="ctr"/>
+              <a:lstStyle/>
+              <a:p>
+                <a:pPr algn="ctr"/>
+                <a:endParaRPr kumimoji="1" lang="zh-CN" altLang="en-US"/>
+              </a:p>
+            </p:txBody>
+          </p:sp>
+          <p:sp>
+            <p:nvSpPr>
+              <p:cNvPr id="27" name="三角形 26"/>
+              <p:cNvSpPr/>
+              <p:nvPr/>
+            </p:nvSpPr>
+            <p:spPr>
+              <a:xfrm>
+                <a:off x="3003949" y="1885951"/>
+                <a:ext cx="432000" cy="300038"/>
+              </a:xfrm>
+              <a:prstGeom prst="triangle">
+                <a:avLst/>
+              </a:prstGeom>
+              <a:solidFill>
+                <a:srgbClr val="00B050"/>
+              </a:solidFill>
+            </p:spPr>
+            <p:style>
+              <a:lnRef idx="2">
+                <a:schemeClr val="accent1">
+                  <a:shade val="50000"/>
+                </a:schemeClr>
+              </a:lnRef>
+              <a:fillRef idx="1">
+                <a:schemeClr val="accent1"/>
+              </a:fillRef>
+              <a:effectRef idx="0">
+                <a:schemeClr val="accent1"/>
+              </a:effectRef>
+              <a:fontRef idx="minor">
+                <a:schemeClr val="lt1"/>
+              </a:fontRef>
+            </p:style>
+            <p:txBody>
+              <a:bodyPr rtlCol="0" anchor="ctr"/>
+              <a:lstStyle/>
+              <a:p>
+                <a:pPr algn="ctr"/>
+                <a:endParaRPr kumimoji="1" lang="zh-CN" altLang="en-US"/>
+              </a:p>
+            </p:txBody>
+          </p:sp>
+          <p:sp>
+            <p:nvSpPr>
+              <p:cNvPr id="28" name="矩形 27"/>
+              <p:cNvSpPr/>
+              <p:nvPr/>
+            </p:nvSpPr>
+            <p:spPr>
+              <a:xfrm>
+                <a:off x="3184229" y="2185989"/>
+                <a:ext cx="45719" cy="342899"/>
+              </a:xfrm>
+              <a:prstGeom prst="rect">
+                <a:avLst/>
+              </a:prstGeom>
+              <a:solidFill>
+                <a:srgbClr val="00B050"/>
+              </a:solidFill>
+            </p:spPr>
+            <p:style>
+              <a:lnRef idx="2">
+                <a:schemeClr val="accent1">
+                  <a:shade val="50000"/>
+                </a:schemeClr>
+              </a:lnRef>
+              <a:fillRef idx="1">
+                <a:schemeClr val="accent1"/>
+              </a:fillRef>
+              <a:effectRef idx="0">
+                <a:schemeClr val="accent1"/>
+              </a:effectRef>
+              <a:fontRef idx="minor">
+                <a:schemeClr val="lt1"/>
+              </a:fontRef>
+            </p:style>
+            <p:txBody>
+              <a:bodyPr rtlCol="0" anchor="ctr"/>
+              <a:lstStyle/>
+              <a:p>
+                <a:pPr algn="ctr"/>
+                <a:endParaRPr kumimoji="1" lang="zh-CN" altLang="en-US"/>
+              </a:p>
+            </p:txBody>
+          </p:sp>
+        </p:grpSp>
+      </p:grpSp>
+      <p:grpSp>
+        <p:nvGrpSpPr>
+          <p:cNvPr id="29" name="组 28"/>
+          <p:cNvGrpSpPr/>
+          <p:nvPr/>
+        </p:nvGrpSpPr>
+        <p:grpSpPr>
+          <a:xfrm>
+            <a:off x="4938724" y="600077"/>
+            <a:ext cx="3071812" cy="2871786"/>
+            <a:chOff x="1328738" y="671514"/>
+            <a:chExt cx="3071812" cy="2871786"/>
+          </a:xfrm>
+        </p:grpSpPr>
+        <p:cxnSp>
+          <p:nvCxnSpPr>
+            <p:cNvPr id="30" name="直线箭头连接符 29"/>
+            <p:cNvCxnSpPr/>
+            <p:nvPr/>
+          </p:nvCxnSpPr>
+          <p:spPr>
+            <a:xfrm>
+              <a:off x="1328738" y="2557463"/>
+              <a:ext cx="3071812" cy="0"/>
+            </a:xfrm>
+            <a:prstGeom prst="straightConnector1">
+              <a:avLst/>
+            </a:prstGeom>
+            <a:ln>
+              <a:tailEnd type="triangle"/>
+            </a:ln>
+          </p:spPr>
+          <p:style>
+            <a:lnRef idx="1">
+              <a:schemeClr val="accent1"/>
+            </a:lnRef>
+            <a:fillRef idx="0">
+              <a:schemeClr val="accent1"/>
+            </a:fillRef>
+            <a:effectRef idx="0">
+              <a:schemeClr val="accent1"/>
+            </a:effectRef>
+            <a:fontRef idx="minor">
+              <a:schemeClr val="tx1"/>
+            </a:fontRef>
+          </p:style>
+        </p:cxnSp>
+        <p:cxnSp>
+          <p:nvCxnSpPr>
+            <p:cNvPr id="31" name="直线箭头连接符 30"/>
+            <p:cNvCxnSpPr/>
+            <p:nvPr/>
+          </p:nvCxnSpPr>
+          <p:spPr>
+            <a:xfrm flipV="1">
+              <a:off x="2686051" y="671514"/>
+              <a:ext cx="1" cy="2871786"/>
+            </a:xfrm>
+            <a:prstGeom prst="straightConnector1">
+              <a:avLst/>
+            </a:prstGeom>
+            <a:ln>
+              <a:tailEnd type="triangle"/>
+            </a:ln>
+          </p:spPr>
+          <p:style>
+            <a:lnRef idx="1">
+              <a:schemeClr val="accent1"/>
+            </a:lnRef>
+            <a:fillRef idx="0">
+              <a:schemeClr val="accent1"/>
+            </a:fillRef>
+            <a:effectRef idx="0">
+              <a:schemeClr val="accent1"/>
+            </a:effectRef>
+            <a:fontRef idx="minor">
+              <a:schemeClr val="tx1"/>
+            </a:fontRef>
+          </p:style>
+        </p:cxnSp>
+      </p:grpSp>
       <p:sp>
         <p:nvSpPr>
-          <p:cNvPr id="2" name="标题 1"/>
-          <p:cNvSpPr>
-            <a:spLocks noGrp="1"/>
-          </p:cNvSpPr>
-          <p:nvPr>
-            <p:ph type="title"/>
-          </p:nvPr>
+          <p:cNvPr id="34" name="右箭头 33"/>
+          <p:cNvSpPr/>
+          <p:nvPr/>
         </p:nvSpPr>
-        <p:spPr/>
+        <p:spPr>
+          <a:xfrm>
+            <a:off x="3443283" y="1757537"/>
+            <a:ext cx="913978" cy="484632"/>
+          </a:xfrm>
+          <a:prstGeom prst="rightArrow">
+            <a:avLst/>
+          </a:prstGeom>
+        </p:spPr>
+        <p:style>
+          <a:lnRef idx="2">
+            <a:schemeClr val="accent1">
+              <a:shade val="50000"/>
+            </a:schemeClr>
+          </a:lnRef>
+          <a:fillRef idx="1">
+            <a:schemeClr val="accent1"/>
+          </a:fillRef>
+          <a:effectRef idx="0">
+            <a:schemeClr val="accent1"/>
+          </a:effectRef>
+          <a:fontRef idx="minor">
+            <a:schemeClr val="lt1"/>
+          </a:fontRef>
+        </p:style>
         <p:txBody>
-          <a:bodyPr/>
+          <a:bodyPr rtlCol="0" anchor="ctr"/>
           <a:lstStyle/>
           <a:p>
-            <a:r>
-              <a:rPr kumimoji="1" lang="zh-CN" altLang="en-US" dirty="0" smtClean="0"/>
-              <a:t>三、加水印</a:t>
-            </a:r>
-            <a:endParaRPr kumimoji="1" lang="zh-CN" altLang="en-US" dirty="0"/>
+            <a:pPr algn="ctr"/>
+            <a:endParaRPr kumimoji="1" lang="zh-CN" altLang="en-US"/>
+          </a:p>
+        </p:txBody>
+      </p:sp>
+      <p:grpSp>
+        <p:nvGrpSpPr>
+          <p:cNvPr id="35" name="组 34"/>
+          <p:cNvGrpSpPr/>
+          <p:nvPr/>
+        </p:nvGrpSpPr>
+        <p:grpSpPr>
+          <a:xfrm>
+            <a:off x="8777318" y="582218"/>
+            <a:ext cx="3071812" cy="2871786"/>
+            <a:chOff x="1328738" y="671514"/>
+            <a:chExt cx="3071812" cy="2871786"/>
+          </a:xfrm>
+        </p:grpSpPr>
+        <p:cxnSp>
+          <p:nvCxnSpPr>
+            <p:cNvPr id="36" name="直线箭头连接符 35"/>
+            <p:cNvCxnSpPr/>
+            <p:nvPr/>
+          </p:nvCxnSpPr>
+          <p:spPr>
+            <a:xfrm>
+              <a:off x="1328738" y="2557463"/>
+              <a:ext cx="3071812" cy="0"/>
+            </a:xfrm>
+            <a:prstGeom prst="straightConnector1">
+              <a:avLst/>
+            </a:prstGeom>
+            <a:ln>
+              <a:tailEnd type="triangle"/>
+            </a:ln>
+          </p:spPr>
+          <p:style>
+            <a:lnRef idx="1">
+              <a:schemeClr val="accent1"/>
+            </a:lnRef>
+            <a:fillRef idx="0">
+              <a:schemeClr val="accent1"/>
+            </a:fillRef>
+            <a:effectRef idx="0">
+              <a:schemeClr val="accent1"/>
+            </a:effectRef>
+            <a:fontRef idx="minor">
+              <a:schemeClr val="tx1"/>
+            </a:fontRef>
+          </p:style>
+        </p:cxnSp>
+        <p:cxnSp>
+          <p:nvCxnSpPr>
+            <p:cNvPr id="37" name="直线箭头连接符 36"/>
+            <p:cNvCxnSpPr/>
+            <p:nvPr/>
+          </p:nvCxnSpPr>
+          <p:spPr>
+            <a:xfrm flipV="1">
+              <a:off x="2686051" y="671514"/>
+              <a:ext cx="1" cy="2871786"/>
+            </a:xfrm>
+            <a:prstGeom prst="straightConnector1">
+              <a:avLst/>
+            </a:prstGeom>
+            <a:ln>
+              <a:tailEnd type="triangle"/>
+            </a:ln>
+          </p:spPr>
+          <p:style>
+            <a:lnRef idx="1">
+              <a:schemeClr val="accent1"/>
+            </a:lnRef>
+            <a:fillRef idx="0">
+              <a:schemeClr val="accent1"/>
+            </a:fillRef>
+            <a:effectRef idx="0">
+              <a:schemeClr val="accent1"/>
+            </a:effectRef>
+            <a:fontRef idx="minor">
+              <a:schemeClr val="tx1"/>
+            </a:fontRef>
+          </p:style>
+        </p:cxnSp>
+      </p:grpSp>
+      <p:grpSp>
+        <p:nvGrpSpPr>
+          <p:cNvPr id="38" name="组 37"/>
+          <p:cNvGrpSpPr/>
+          <p:nvPr/>
+        </p:nvGrpSpPr>
+        <p:grpSpPr>
+          <a:xfrm rot="16200000">
+            <a:off x="10390422" y="1313482"/>
+            <a:ext cx="892969" cy="1385888"/>
+            <a:chOff x="2686051" y="1171575"/>
+            <a:chExt cx="892969" cy="1385888"/>
+          </a:xfrm>
+        </p:grpSpPr>
+        <p:sp>
+          <p:nvSpPr>
+            <p:cNvPr id="39" name="矩形 38"/>
+            <p:cNvSpPr/>
+            <p:nvPr/>
+          </p:nvSpPr>
+          <p:spPr>
+            <a:xfrm>
+              <a:off x="2686051" y="1171575"/>
+              <a:ext cx="892969" cy="1385888"/>
+            </a:xfrm>
+            <a:prstGeom prst="rect">
+              <a:avLst/>
+            </a:prstGeom>
+          </p:spPr>
+          <p:style>
+            <a:lnRef idx="2">
+              <a:schemeClr val="accent1">
+                <a:shade val="50000"/>
+              </a:schemeClr>
+            </a:lnRef>
+            <a:fillRef idx="1">
+              <a:schemeClr val="accent1"/>
+            </a:fillRef>
+            <a:effectRef idx="0">
+              <a:schemeClr val="accent1"/>
+            </a:effectRef>
+            <a:fontRef idx="minor">
+              <a:schemeClr val="lt1"/>
+            </a:fontRef>
+          </p:style>
+          <p:txBody>
+            <a:bodyPr rtlCol="0" anchor="ctr"/>
+            <a:lstStyle/>
+            <a:p>
+              <a:pPr algn="ctr"/>
+              <a:endParaRPr kumimoji="1" lang="zh-CN" altLang="en-US"/>
+            </a:p>
+          </p:txBody>
+        </p:sp>
+        <p:grpSp>
+          <p:nvGrpSpPr>
+            <p:cNvPr id="40" name="组 39"/>
+            <p:cNvGrpSpPr/>
+            <p:nvPr/>
+          </p:nvGrpSpPr>
+          <p:grpSpPr>
+            <a:xfrm>
+              <a:off x="2925365" y="1271589"/>
+              <a:ext cx="439144" cy="1257299"/>
+              <a:chOff x="2996805" y="1271589"/>
+              <a:chExt cx="439144" cy="1257299"/>
+            </a:xfrm>
+          </p:grpSpPr>
+          <p:sp>
+            <p:nvSpPr>
+              <p:cNvPr id="41" name="三角形 40"/>
+              <p:cNvSpPr/>
+              <p:nvPr/>
+            </p:nvSpPr>
+            <p:spPr>
+              <a:xfrm>
+                <a:off x="2996805" y="1271589"/>
+                <a:ext cx="432000" cy="300038"/>
+              </a:xfrm>
+              <a:prstGeom prst="triangle">
+                <a:avLst/>
+              </a:prstGeom>
+              <a:solidFill>
+                <a:srgbClr val="00B050"/>
+              </a:solidFill>
+            </p:spPr>
+            <p:style>
+              <a:lnRef idx="2">
+                <a:schemeClr val="accent1">
+                  <a:shade val="50000"/>
+                </a:schemeClr>
+              </a:lnRef>
+              <a:fillRef idx="1">
+                <a:schemeClr val="accent1"/>
+              </a:fillRef>
+              <a:effectRef idx="0">
+                <a:schemeClr val="accent1"/>
+              </a:effectRef>
+              <a:fontRef idx="minor">
+                <a:schemeClr val="lt1"/>
+              </a:fontRef>
+            </p:style>
+            <p:txBody>
+              <a:bodyPr rtlCol="0" anchor="ctr"/>
+              <a:lstStyle/>
+              <a:p>
+                <a:pPr algn="ctr"/>
+                <a:endParaRPr kumimoji="1" lang="zh-CN" altLang="en-US"/>
+              </a:p>
+            </p:txBody>
+          </p:sp>
+          <p:sp>
+            <p:nvSpPr>
+              <p:cNvPr id="42" name="三角形 41"/>
+              <p:cNvSpPr/>
+              <p:nvPr/>
+            </p:nvSpPr>
+            <p:spPr>
+              <a:xfrm>
+                <a:off x="2996805" y="1578769"/>
+                <a:ext cx="432000" cy="300038"/>
+              </a:xfrm>
+              <a:prstGeom prst="triangle">
+                <a:avLst/>
+              </a:prstGeom>
+              <a:solidFill>
+                <a:srgbClr val="00B050"/>
+              </a:solidFill>
+            </p:spPr>
+            <p:style>
+              <a:lnRef idx="2">
+                <a:schemeClr val="accent1">
+                  <a:shade val="50000"/>
+                </a:schemeClr>
+              </a:lnRef>
+              <a:fillRef idx="1">
+                <a:schemeClr val="accent1"/>
+              </a:fillRef>
+              <a:effectRef idx="0">
+                <a:schemeClr val="accent1"/>
+              </a:effectRef>
+              <a:fontRef idx="minor">
+                <a:schemeClr val="lt1"/>
+              </a:fontRef>
+            </p:style>
+            <p:txBody>
+              <a:bodyPr rtlCol="0" anchor="ctr"/>
+              <a:lstStyle/>
+              <a:p>
+                <a:pPr algn="ctr"/>
+                <a:endParaRPr kumimoji="1" lang="zh-CN" altLang="en-US"/>
+              </a:p>
+            </p:txBody>
+          </p:sp>
+          <p:sp>
+            <p:nvSpPr>
+              <p:cNvPr id="43" name="三角形 42"/>
+              <p:cNvSpPr/>
+              <p:nvPr/>
+            </p:nvSpPr>
+            <p:spPr>
+              <a:xfrm>
+                <a:off x="3003949" y="1885951"/>
+                <a:ext cx="432000" cy="300038"/>
+              </a:xfrm>
+              <a:prstGeom prst="triangle">
+                <a:avLst/>
+              </a:prstGeom>
+              <a:solidFill>
+                <a:srgbClr val="00B050"/>
+              </a:solidFill>
+            </p:spPr>
+            <p:style>
+              <a:lnRef idx="2">
+                <a:schemeClr val="accent1">
+                  <a:shade val="50000"/>
+                </a:schemeClr>
+              </a:lnRef>
+              <a:fillRef idx="1">
+                <a:schemeClr val="accent1"/>
+              </a:fillRef>
+              <a:effectRef idx="0">
+                <a:schemeClr val="accent1"/>
+              </a:effectRef>
+              <a:fontRef idx="minor">
+                <a:schemeClr val="lt1"/>
+              </a:fontRef>
+            </p:style>
+            <p:txBody>
+              <a:bodyPr rtlCol="0" anchor="ctr"/>
+              <a:lstStyle/>
+              <a:p>
+                <a:pPr algn="ctr"/>
+                <a:endParaRPr kumimoji="1" lang="zh-CN" altLang="en-US"/>
+              </a:p>
+            </p:txBody>
+          </p:sp>
+          <p:sp>
+            <p:nvSpPr>
+              <p:cNvPr id="44" name="矩形 43"/>
+              <p:cNvSpPr/>
+              <p:nvPr/>
+            </p:nvSpPr>
+            <p:spPr>
+              <a:xfrm>
+                <a:off x="3184229" y="2185989"/>
+                <a:ext cx="45719" cy="342899"/>
+              </a:xfrm>
+              <a:prstGeom prst="rect">
+                <a:avLst/>
+              </a:prstGeom>
+              <a:solidFill>
+                <a:srgbClr val="00B050"/>
+              </a:solidFill>
+            </p:spPr>
+            <p:style>
+              <a:lnRef idx="2">
+                <a:schemeClr val="accent1">
+                  <a:shade val="50000"/>
+                </a:schemeClr>
+              </a:lnRef>
+              <a:fillRef idx="1">
+                <a:schemeClr val="accent1"/>
+              </a:fillRef>
+              <a:effectRef idx="0">
+                <a:schemeClr val="accent1"/>
+              </a:effectRef>
+              <a:fontRef idx="minor">
+                <a:schemeClr val="lt1"/>
+              </a:fontRef>
+            </p:style>
+            <p:txBody>
+              <a:bodyPr rtlCol="0" anchor="ctr"/>
+              <a:lstStyle/>
+              <a:p>
+                <a:pPr algn="ctr"/>
+                <a:endParaRPr kumimoji="1" lang="zh-CN" altLang="en-US"/>
+              </a:p>
+            </p:txBody>
+          </p:sp>
+        </p:grpSp>
+      </p:grpSp>
+      <p:sp>
+        <p:nvSpPr>
+          <p:cNvPr id="45" name="右箭头 44"/>
+          <p:cNvSpPr/>
+          <p:nvPr/>
+        </p:nvSpPr>
+        <p:spPr>
+          <a:xfrm>
+            <a:off x="7920280" y="1727994"/>
+            <a:ext cx="913978" cy="484632"/>
+          </a:xfrm>
+          <a:prstGeom prst="rightArrow">
+            <a:avLst/>
+          </a:prstGeom>
+        </p:spPr>
+        <p:style>
+          <a:lnRef idx="2">
+            <a:schemeClr val="accent1">
+              <a:shade val="50000"/>
+            </a:schemeClr>
+          </a:lnRef>
+          <a:fillRef idx="1">
+            <a:schemeClr val="accent1"/>
+          </a:fillRef>
+          <a:effectRef idx="0">
+            <a:schemeClr val="accent1"/>
+          </a:effectRef>
+          <a:fontRef idx="minor">
+            <a:schemeClr val="lt1"/>
+          </a:fontRef>
+        </p:style>
+        <p:txBody>
+          <a:bodyPr rtlCol="0" anchor="ctr"/>
+          <a:lstStyle/>
+          <a:p>
+            <a:pPr algn="ctr"/>
+            <a:endParaRPr kumimoji="1" lang="zh-CN" altLang="en-US"/>
           </a:p>
         </p:txBody>
       </p:sp>
       <p:sp>
         <p:nvSpPr>
-          <p:cNvPr id="3" name="内容占位符 2"/>
-          <p:cNvSpPr>
-            <a:spLocks noGrp="1"/>
-          </p:cNvSpPr>
-          <p:nvPr>
-            <p:ph idx="1"/>
-          </p:nvPr>
+          <p:cNvPr id="49" name="文本框 48"/>
+          <p:cNvSpPr txBox="1"/>
+          <p:nvPr/>
         </p:nvSpPr>
-        <p:spPr/>
+        <p:spPr>
+          <a:xfrm>
+            <a:off x="3043233" y="1400175"/>
+            <a:ext cx="1895071" cy="369332"/>
+          </a:xfrm>
+          <a:prstGeom prst="rect">
+            <a:avLst/>
+          </a:prstGeom>
+          <a:noFill/>
+        </p:spPr>
         <p:txBody>
-          <a:bodyPr/>
+          <a:bodyPr wrap="none" rtlCol="0">
+            <a:spAutoFit/>
+          </a:bodyPr>
           <a:lstStyle/>
           <a:p>
             <a:r>
+              <a:rPr kumimoji="1" lang="zh-CN" altLang="en-US" dirty="0" smtClean="0"/>
+              <a:t>逆时针旋转</a:t>
+            </a:r>
+            <a:r>
               <a:rPr kumimoji="1" lang="en-US" altLang="zh-CN" dirty="0" smtClean="0"/>
-              <a:t>1.</a:t>
-            </a:r>
+              <a:t>90°</a:t>
+            </a:r>
+            <a:endParaRPr kumimoji="1" lang="zh-CN" altLang="en-US" dirty="0"/>
+          </a:p>
+        </p:txBody>
+      </p:sp>
+      <p:sp>
+        <p:nvSpPr>
+          <p:cNvPr id="51" name="文本框 50"/>
+          <p:cNvSpPr txBox="1"/>
+          <p:nvPr/>
+        </p:nvSpPr>
+        <p:spPr>
+          <a:xfrm>
+            <a:off x="7043729" y="1414459"/>
+            <a:ext cx="2492990" cy="369332"/>
+          </a:xfrm>
+          <a:prstGeom prst="rect">
+            <a:avLst/>
+          </a:prstGeom>
+          <a:noFill/>
+        </p:spPr>
+        <p:txBody>
+          <a:bodyPr wrap="none" rtlCol="0">
+            <a:spAutoFit/>
+          </a:bodyPr>
+          <a:lstStyle/>
+          <a:p>
             <a:r>
               <a:rPr kumimoji="1" lang="zh-CN" altLang="en-US" dirty="0" smtClean="0"/>
-              <a:t> 相关概念</a:t>
-            </a:r>
-            <a:endParaRPr kumimoji="1" lang="en-US" altLang="zh-CN" dirty="0" smtClean="0"/>
-          </a:p>
-          <a:p>
-            <a:r>
-              <a:rPr kumimoji="1" lang="zh-CN" altLang="en-US" dirty="0"/>
-              <a:t> </a:t>
-            </a:r>
-            <a:r>
-              <a:rPr kumimoji="1" lang="en-US" altLang="zh-CN" dirty="0" err="1" smtClean="0"/>
-              <a:t>CMTime</a:t>
-            </a:r>
+              <a:t>向右平移一个高度距离</a:t>
+            </a:r>
+            <a:endParaRPr kumimoji="1" lang="zh-CN" altLang="en-US" dirty="0"/>
+          </a:p>
+        </p:txBody>
+      </p:sp>
+      <p:sp>
+        <p:nvSpPr>
+          <p:cNvPr id="54" name="文本框 53"/>
+          <p:cNvSpPr txBox="1"/>
+          <p:nvPr/>
+        </p:nvSpPr>
+        <p:spPr>
+          <a:xfrm>
+            <a:off x="500061" y="85717"/>
+            <a:ext cx="2651688" cy="369332"/>
+          </a:xfrm>
+          <a:prstGeom prst="rect">
+            <a:avLst/>
+          </a:prstGeom>
+          <a:noFill/>
+        </p:spPr>
+        <p:txBody>
+          <a:bodyPr wrap="none" rtlCol="0">
+            <a:spAutoFit/>
+          </a:bodyPr>
+          <a:lstStyle/>
+          <a:p>
             <a:r>
               <a:rPr kumimoji="1" lang="zh-CN" altLang="en-US" dirty="0" smtClean="0"/>
-              <a:t>   </a:t>
-            </a:r>
-            <a:endParaRPr kumimoji="1" lang="en-US" altLang="zh-CN" dirty="0" smtClean="0"/>
-          </a:p>
-          <a:p>
-            <a:r>
-              <a:rPr lang="en-US" altLang="zh-CN" b="1" dirty="0" err="1"/>
-              <a:t>func</a:t>
-            </a:r>
+              <a:t>将屏幕顺时针旋转 </a:t>
+            </a:r>
+            <a:r>
+              <a:rPr kumimoji="1" lang="en-US" altLang="zh-CN" dirty="0" smtClean="0"/>
+              <a:t>90°</a:t>
+            </a:r>
+            <a:endParaRPr kumimoji="1" lang="zh-CN" altLang="en-US" dirty="0"/>
+          </a:p>
+        </p:txBody>
+      </p:sp>
+      <p:grpSp>
+        <p:nvGrpSpPr>
+          <p:cNvPr id="59" name="组 58"/>
+          <p:cNvGrpSpPr/>
+          <p:nvPr/>
+        </p:nvGrpSpPr>
+        <p:grpSpPr>
+          <a:xfrm>
+            <a:off x="563636" y="3614727"/>
+            <a:ext cx="5686172" cy="1456246"/>
+            <a:chOff x="620788" y="3914774"/>
+            <a:chExt cx="5686172" cy="1456246"/>
+          </a:xfrm>
+        </p:grpSpPr>
+        <p:sp>
+          <p:nvSpPr>
+            <p:cNvPr id="52" name="文本框 51"/>
+            <p:cNvSpPr txBox="1"/>
+            <p:nvPr/>
+          </p:nvSpPr>
+          <p:spPr>
+            <a:xfrm>
+              <a:off x="620788" y="3914774"/>
+              <a:ext cx="1107996" cy="369332"/>
+            </a:xfrm>
+            <a:prstGeom prst="rect">
+              <a:avLst/>
+            </a:prstGeom>
+            <a:noFill/>
+          </p:spPr>
+          <p:txBody>
+            <a:bodyPr wrap="none" rtlCol="0">
+              <a:spAutoFit/>
+            </a:bodyPr>
+            <a:lstStyle/>
+            <a:p>
+              <a:r>
+                <a:rPr kumimoji="1" lang="zh-CN" altLang="en-US" dirty="0" smtClean="0"/>
+                <a:t>注意点：</a:t>
+              </a:r>
+              <a:endParaRPr kumimoji="1" lang="zh-CN" altLang="en-US" dirty="0"/>
+            </a:p>
+          </p:txBody>
+        </p:sp>
+        <p:grpSp>
+          <p:nvGrpSpPr>
+            <p:cNvPr id="58" name="组 57"/>
+            <p:cNvGrpSpPr/>
+            <p:nvPr/>
+          </p:nvGrpSpPr>
+          <p:grpSpPr>
+            <a:xfrm>
+              <a:off x="620788" y="4287326"/>
+              <a:ext cx="5686172" cy="1083694"/>
+              <a:chOff x="1042982" y="4514850"/>
+              <a:chExt cx="5686172" cy="1083694"/>
+            </a:xfrm>
+          </p:grpSpPr>
+          <p:sp>
+            <p:nvSpPr>
+              <p:cNvPr id="53" name="文本框 52"/>
+              <p:cNvSpPr txBox="1"/>
+              <p:nvPr/>
+            </p:nvSpPr>
+            <p:spPr>
+              <a:xfrm>
+                <a:off x="1057275" y="4514850"/>
+                <a:ext cx="4993675" cy="369332"/>
+              </a:xfrm>
+              <a:prstGeom prst="rect">
+                <a:avLst/>
+              </a:prstGeom>
+              <a:noFill/>
+            </p:spPr>
+            <p:txBody>
+              <a:bodyPr wrap="none" rtlCol="0">
+                <a:spAutoFit/>
+              </a:bodyPr>
+              <a:lstStyle/>
+              <a:p>
+                <a:r>
+                  <a:rPr kumimoji="1" lang="en-US" altLang="zh-CN" dirty="0" smtClean="0"/>
+                  <a:t>1.</a:t>
+                </a:r>
+                <a:r>
+                  <a:rPr kumimoji="1" lang="zh-CN" altLang="en-US" dirty="0" smtClean="0"/>
+                  <a:t>屏幕转动的方向与旋转矩阵时的角度方向相反</a:t>
+                </a:r>
+                <a:endParaRPr kumimoji="1" lang="zh-CN" altLang="en-US" dirty="0"/>
+              </a:p>
+            </p:txBody>
+          </p:sp>
+          <p:sp>
+            <p:nvSpPr>
+              <p:cNvPr id="55" name="文本框 54"/>
+              <p:cNvSpPr txBox="1"/>
+              <p:nvPr/>
+            </p:nvSpPr>
+            <p:spPr>
+              <a:xfrm>
+                <a:off x="1042982" y="4872029"/>
+                <a:ext cx="3377848" cy="369332"/>
+              </a:xfrm>
+              <a:prstGeom prst="rect">
+                <a:avLst/>
+              </a:prstGeom>
+              <a:noFill/>
+            </p:spPr>
+            <p:txBody>
+              <a:bodyPr wrap="none" rtlCol="0">
+                <a:spAutoFit/>
+              </a:bodyPr>
+              <a:lstStyle/>
+              <a:p>
+                <a:r>
+                  <a:rPr kumimoji="1" lang="en-US" altLang="zh-CN" dirty="0" smtClean="0"/>
+                  <a:t>2.</a:t>
+                </a:r>
+                <a:r>
+                  <a:rPr kumimoji="1" lang="zh-CN" altLang="en-US" dirty="0" smtClean="0"/>
+                  <a:t>旋转图片时，原点位于左下方</a:t>
+                </a:r>
+                <a:endParaRPr kumimoji="1" lang="zh-CN" altLang="en-US" dirty="0"/>
+              </a:p>
+            </p:txBody>
+          </p:sp>
+          <p:sp>
+            <p:nvSpPr>
+              <p:cNvPr id="57" name="文本框 56"/>
+              <p:cNvSpPr txBox="1"/>
+              <p:nvPr/>
+            </p:nvSpPr>
+            <p:spPr>
+              <a:xfrm>
+                <a:off x="1042982" y="5229212"/>
+                <a:ext cx="5686172" cy="369332"/>
+              </a:xfrm>
+              <a:prstGeom prst="rect">
+                <a:avLst/>
+              </a:prstGeom>
+              <a:noFill/>
+            </p:spPr>
+            <p:txBody>
+              <a:bodyPr wrap="none" rtlCol="0">
+                <a:spAutoFit/>
+              </a:bodyPr>
+              <a:lstStyle/>
+              <a:p>
+                <a:r>
+                  <a:rPr kumimoji="1" lang="en-US" altLang="zh-CN" dirty="0" smtClean="0"/>
+                  <a:t>3.</a:t>
+                </a:r>
+                <a:r>
+                  <a:rPr lang="zh-CN" altLang="en-US" dirty="0"/>
+                  <a:t>矩阵变换时，后面的矩阵先作用，前面的矩阵后</a:t>
+                </a:r>
+                <a:r>
+                  <a:rPr lang="zh-CN" altLang="en-US" dirty="0" smtClean="0"/>
+                  <a:t>作用</a:t>
+                </a:r>
+                <a:endParaRPr lang="zh-CN" altLang="en-US" dirty="0"/>
+              </a:p>
+            </p:txBody>
+          </p:sp>
+        </p:grpSp>
+      </p:grpSp>
+      <p:sp>
+        <p:nvSpPr>
+          <p:cNvPr id="60" name="文本框 59"/>
+          <p:cNvSpPr txBox="1"/>
+          <p:nvPr/>
+        </p:nvSpPr>
+        <p:spPr>
+          <a:xfrm>
+            <a:off x="900113" y="5457825"/>
+            <a:ext cx="6207148" cy="369332"/>
+          </a:xfrm>
+          <a:prstGeom prst="rect">
+            <a:avLst/>
+          </a:prstGeom>
+          <a:noFill/>
+        </p:spPr>
+        <p:txBody>
+          <a:bodyPr wrap="none" rtlCol="0">
+            <a:spAutoFit/>
+          </a:bodyPr>
+          <a:lstStyle/>
+          <a:p>
             <a:r>
               <a:rPr lang="en-US" altLang="zh-CN" dirty="0"/>
-              <a:t> </a:t>
+              <a:t>t1 = </a:t>
             </a:r>
             <a:r>
               <a:rPr lang="en-US" altLang="zh-CN" dirty="0" err="1"/>
-              <a:t>CMTimeMake</a:t>
-            </a:r>
-            <a:r>
-              <a:rPr lang="en-US" altLang="zh-CN" dirty="0"/>
-              <a:t>(value: Int64, timescale: Int32) -&gt; </a:t>
-            </a:r>
-            <a:r>
-              <a:rPr lang="en-US" altLang="zh-CN" dirty="0" err="1"/>
-              <a:t>CMTime</a:t>
-            </a:r>
-            <a:endParaRPr lang="en-US" altLang="zh-CN" dirty="0"/>
-          </a:p>
-          <a:p>
-            <a:r>
-              <a:rPr lang="en-US" altLang="zh-CN" b="1" dirty="0" err="1"/>
-              <a:t>func</a:t>
-            </a:r>
-            <a:r>
-              <a:rPr lang="en-US" altLang="zh-CN" dirty="0"/>
-              <a:t> </a:t>
-            </a:r>
-            <a:r>
-              <a:rPr lang="en-US" altLang="zh-CN" dirty="0" err="1"/>
-              <a:t>CMTimeGetSeconds</a:t>
+              <a:t>CGAffineTransform</a:t>
             </a:r>
             <a:r>
               <a:rPr lang="en-US" altLang="zh-CN" dirty="0"/>
               <a:t>(</a:t>
             </a:r>
             <a:r>
-              <a:rPr lang="en-US" altLang="zh-CN" b="1" dirty="0"/>
-              <a:t>_</a:t>
+              <a:rPr lang="en-US" altLang="zh-CN" dirty="0" err="1"/>
+              <a:t>translationX</a:t>
             </a:r>
             <a:r>
               <a:rPr lang="en-US" altLang="zh-CN" dirty="0"/>
-              <a:t> time: </a:t>
+              <a:t>: </a:t>
             </a:r>
             <a:r>
               <a:rPr lang="en-US" altLang="zh-CN" dirty="0" err="1"/>
-              <a:t>CMTime</a:t>
+              <a:t>originHeight</a:t>
             </a:r>
             <a:r>
               <a:rPr lang="en-US" altLang="zh-CN" dirty="0"/>
-              <a:t>) -&gt; Float64</a:t>
+              <a:t>, y: 0</a:t>
+            </a:r>
+            <a:r>
+              <a:rPr lang="en-US" altLang="zh-CN" dirty="0" smtClean="0"/>
+              <a:t>)</a:t>
             </a:r>
             <a:endParaRPr lang="en-US" altLang="zh-CN" dirty="0"/>
           </a:p>
-          <a:p>
-            <a:endParaRPr kumimoji="1" lang="zh-CN" altLang="en-US" dirty="0"/>
+        </p:txBody>
+      </p:sp>
+      <p:sp>
+        <p:nvSpPr>
+          <p:cNvPr id="61" name="文本框 60"/>
+          <p:cNvSpPr txBox="1"/>
+          <p:nvPr/>
+        </p:nvSpPr>
+        <p:spPr>
+          <a:xfrm>
+            <a:off x="914394" y="5857868"/>
+            <a:ext cx="3716082" cy="369332"/>
+          </a:xfrm>
+          <a:prstGeom prst="rect">
+            <a:avLst/>
+          </a:prstGeom>
+          <a:noFill/>
+        </p:spPr>
+        <p:txBody>
+          <a:bodyPr wrap="none" rtlCol="0">
+            <a:spAutoFit/>
+          </a:bodyPr>
+          <a:lstStyle/>
+          <a:p>
+            <a:r>
+              <a:rPr lang="nb-NO" altLang="zh-CN" dirty="0"/>
+              <a:t>t2 = t1.rotated(by: </a:t>
+            </a:r>
+            <a:r>
+              <a:rPr lang="nb-NO" altLang="zh-CN" dirty="0" smtClean="0"/>
+              <a:t>90 </a:t>
+            </a:r>
+            <a:r>
+              <a:rPr lang="nb-NO" altLang="zh-CN" dirty="0"/>
+              <a:t>/ 180 * .pi</a:t>
+            </a:r>
+            <a:r>
+              <a:rPr lang="nb-NO" altLang="zh-CN" dirty="0" smtClean="0"/>
+              <a:t>)</a:t>
+            </a:r>
+            <a:endParaRPr lang="nb-NO" altLang="zh-CN" dirty="0"/>
           </a:p>
         </p:txBody>
       </p:sp>
     </p:spTree>
+    <p:extLst>
+      <p:ext uri="{BB962C8B-B14F-4D97-AF65-F5344CB8AC3E}">
+        <p14:creationId xmlns:p14="http://schemas.microsoft.com/office/powerpoint/2010/main" val="535947850"/>
+      </p:ext>
+    </p:extLst>
   </p:cSld>
   <p:clrMapOvr>
     <a:masterClrMapping/>
@@ -16429,6 +17773,8 @@
       </a:bgFillStyleLst>
     </a:fmtScheme>
   </a:themeElements>
+  <a:objectDefaults/>
+  <a:extraClrSchemeLst/>
   <a:extLst>
     <a:ext uri="{05A4C25C-085E-4340-85A3-A5531E510DB2}">
       <thm15:themeFamily xmlns:thm15="http://schemas.microsoft.com/office/thememl/2012/main" name="Office Theme" id="{62F939B6-93AF-4DB8-9C6B-D6C7DFDC589F}" vid="{4A3C46E8-61CC-4603-A589-7422A47A8E4A}"/>
@@ -16688,6 +18034,8 @@
       </a:bgFillStyleLst>
     </a:fmtScheme>
   </a:themeElements>
+  <a:objectDefaults/>
+  <a:extraClrSchemeLst/>
   <a:extLst>
     <a:ext uri="{05A4C25C-085E-4340-85A3-A5531E510DB2}">
       <thm15:themeFamily xmlns:thm15="http://schemas.microsoft.com/office/thememl/2012/main" name="Office Theme" id="{62F939B6-93AF-4DB8-9C6B-D6C7DFDC589F}" vid="{4A3C46E8-61CC-4603-A589-7422A47A8E4A}"/>

--- a/AVFoundation-音视频剪辑.pptx
+++ b/AVFoundation-音视频剪辑.pptx
@@ -1,24 +1,33 @@
 
 <file path=ppt/presentation.xml><?xml version="1.0" encoding="utf-8"?>
-<p:presentation xmlns:a="http://schemas.openxmlformats.org/drawingml/2006/main" xmlns:r="http://schemas.openxmlformats.org/officeDocument/2006/relationships" xmlns:p="http://schemas.openxmlformats.org/presentationml/2006/main" saveSubsetFonts="1" autoCompressPictures="0">
+<p:presentation xmlns:a="http://schemas.openxmlformats.org/drawingml/2006/main" xmlns:r="http://schemas.openxmlformats.org/officeDocument/2006/relationships" xmlns:p="http://schemas.openxmlformats.org/presentationml/2006/main" autoCompressPictures="0">
   <p:sldMasterIdLst>
     <p:sldMasterId id="2147483648" r:id="rId1"/>
   </p:sldMasterIdLst>
   <p:notesMasterIdLst>
-    <p:notesMasterId r:id="rId13"/>
+    <p:notesMasterId r:id="rId23"/>
   </p:notesMasterIdLst>
   <p:sldIdLst>
-    <p:sldId id="256" r:id="rId2"/>
-    <p:sldId id="257" r:id="rId3"/>
-    <p:sldId id="262" r:id="rId4"/>
-    <p:sldId id="258" r:id="rId5"/>
-    <p:sldId id="263" r:id="rId6"/>
-    <p:sldId id="266" r:id="rId7"/>
-    <p:sldId id="267" r:id="rId8"/>
-    <p:sldId id="259" r:id="rId9"/>
-    <p:sldId id="268" r:id="rId10"/>
-    <p:sldId id="260" r:id="rId11"/>
-    <p:sldId id="261" r:id="rId12"/>
+    <p:sldId id="256" r:id="rId3"/>
+    <p:sldId id="257" r:id="rId4"/>
+    <p:sldId id="262" r:id="rId5"/>
+    <p:sldId id="258" r:id="rId6"/>
+    <p:sldId id="263" r:id="rId7"/>
+    <p:sldId id="266" r:id="rId8"/>
+    <p:sldId id="267" r:id="rId9"/>
+    <p:sldId id="259" r:id="rId10"/>
+    <p:sldId id="268" r:id="rId11"/>
+    <p:sldId id="273" r:id="rId12"/>
+    <p:sldId id="260" r:id="rId13"/>
+    <p:sldId id="261" r:id="rId14"/>
+    <p:sldId id="275" r:id="rId15"/>
+    <p:sldId id="276" r:id="rId16"/>
+    <p:sldId id="277" r:id="rId17"/>
+    <p:sldId id="278" r:id="rId18"/>
+    <p:sldId id="279" r:id="rId19"/>
+    <p:sldId id="280" r:id="rId20"/>
+    <p:sldId id="282" r:id="rId21"/>
+    <p:sldId id="283" r:id="rId22"/>
   </p:sldIdLst>
   <p:sldSz cx="12192000" cy="6858000"/>
   <p:notesSz cx="6858000" cy="9144000"/>
@@ -117,11 +126,6 @@
       </a:defRPr>
     </a:lvl9pPr>
   </p:defaultTextStyle>
-  <p:extLst>
-    <p:ext uri="{EFAFB233-063F-42B5-8137-9DF3F51BA10A}">
-      <p15:sldGuideLst xmlns:p15="http://schemas.microsoft.com/office/powerpoint/2012/main"/>
-    </p:ext>
-  </p:extLst>
 </p:presentation>
 </file>
 
@@ -207,7 +211,6 @@
           <a:p>
             <a:fld id="{05254482-778B-7843-B164-44F8E3743E58}" type="datetimeFigureOut">
               <a:rPr kumimoji="1" lang="zh-CN" altLang="en-US" smtClean="0"/>
-              <a:t>2020/5/19</a:t>
             </a:fld>
             <a:endParaRPr kumimoji="1" lang="zh-CN" altLang="en-US"/>
           </a:p>
@@ -274,6 +277,7 @@
               <a:rPr kumimoji="1" lang="zh-CN" altLang="en-US" smtClean="0"/>
               <a:t>单击此处编辑母版文本样式</a:t>
             </a:r>
+            <a:endParaRPr kumimoji="1" lang="zh-CN" altLang="en-US" smtClean="0"/>
           </a:p>
           <a:p>
             <a:pPr lvl="1"/>
@@ -281,6 +285,7 @@
               <a:rPr kumimoji="1" lang="zh-CN" altLang="en-US" smtClean="0"/>
               <a:t>二级</a:t>
             </a:r>
+            <a:endParaRPr kumimoji="1" lang="zh-CN" altLang="en-US" smtClean="0"/>
           </a:p>
           <a:p>
             <a:pPr lvl="2"/>
@@ -288,6 +293,7 @@
               <a:rPr kumimoji="1" lang="zh-CN" altLang="en-US" smtClean="0"/>
               <a:t>三级</a:t>
             </a:r>
+            <a:endParaRPr kumimoji="1" lang="zh-CN" altLang="en-US" smtClean="0"/>
           </a:p>
           <a:p>
             <a:pPr lvl="3"/>
@@ -295,6 +301,7 @@
               <a:rPr kumimoji="1" lang="zh-CN" altLang="en-US" smtClean="0"/>
               <a:t>四级</a:t>
             </a:r>
+            <a:endParaRPr kumimoji="1" lang="zh-CN" altLang="en-US" smtClean="0"/>
           </a:p>
           <a:p>
             <a:pPr lvl="4"/>
@@ -366,7 +373,6 @@
           <a:p>
             <a:fld id="{CFA23C78-F447-7749-9627-AA274C964768}" type="slidenum">
               <a:rPr kumimoji="1" lang="zh-CN" altLang="en-US" smtClean="0"/>
-              <a:t>‹#›</a:t>
             </a:fld>
             <a:endParaRPr kumimoji="1" lang="zh-CN" altLang="en-US"/>
           </a:p>
@@ -471,7 +477,7 @@
 </file>
 
 <file path=ppt/slideLayouts/slideLayout1.xml><?xml version="1.0" encoding="utf-8"?>
-<p:sldLayout xmlns:a="http://schemas.openxmlformats.org/drawingml/2006/main" xmlns:r="http://schemas.openxmlformats.org/officeDocument/2006/relationships" xmlns:p="http://schemas.openxmlformats.org/presentationml/2006/main" showMasterSp="0" type="title" preserve="1">
+<p:sldLayout xmlns:a="http://schemas.openxmlformats.org/drawingml/2006/main" xmlns:r="http://schemas.openxmlformats.org/officeDocument/2006/relationships" xmlns:p="http://schemas.openxmlformats.org/presentationml/2006/main" type="title" preserve="1" showMasterSp="0">
   <p:cSld name="标题幻灯片">
     <p:spTree>
       <p:nvGrpSpPr>
@@ -805,7 +811,6 @@
           <a:p>
             <a:fld id="{5923F103-BC34-4FE4-A40E-EDDEECFDA5D0}" type="datetimeFigureOut">
               <a:rPr lang="en-US" dirty="0"/>
-              <a:t>5/19/20</a:t>
             </a:fld>
             <a:endParaRPr lang="en-US" dirty="0"/>
           </a:p>
@@ -903,7 +908,6 @@
           <a:p>
             <a:fld id="{D57F1E4F-1CFF-5643-939E-217C01CDF565}" type="slidenum">
               <a:rPr lang="en-US" dirty="0"/>
-              <a:t>‹#›</a:t>
             </a:fld>
             <a:endParaRPr lang="en-US" dirty="0"/>
           </a:p>
@@ -1868,6 +1872,7 @@
               <a:rPr lang="zh-CN" altLang="en-US" smtClean="0"/>
               <a:t>单击此处编辑母版文本样式</a:t>
             </a:r>
+            <a:endParaRPr lang="zh-CN" altLang="en-US" smtClean="0"/>
           </a:p>
         </p:txBody>
       </p:sp>
@@ -1888,7 +1893,6 @@
           <a:p>
             <a:fld id="{923A1CC3-2375-41D4-9E03-427CAF2A4C1A}" type="datetimeFigureOut">
               <a:rPr lang="en-US" dirty="0"/>
-              <a:t>5/19/20</a:t>
             </a:fld>
             <a:endParaRPr lang="en-US" dirty="0"/>
           </a:p>
@@ -1966,7 +1970,6 @@
           <a:p>
             <a:fld id="{D57F1E4F-1CFF-5643-939E-217C01CDF565}" type="slidenum">
               <a:rPr lang="en-US" dirty="0"/>
-              <a:t>‹#›</a:t>
             </a:fld>
             <a:endParaRPr lang="en-US" dirty="0"/>
           </a:p>
@@ -1981,7 +1984,7 @@
 </file>
 
 <file path=ppt/slideLayouts/slideLayout11.xml><?xml version="1.0" encoding="utf-8"?>
-<p:sldLayout xmlns:a="http://schemas.openxmlformats.org/drawingml/2006/main" xmlns:r="http://schemas.openxmlformats.org/officeDocument/2006/relationships" xmlns:p="http://schemas.openxmlformats.org/presentationml/2006/main" showMasterSp="0" preserve="1">
+<p:sldLayout xmlns:a="http://schemas.openxmlformats.org/drawingml/2006/main" xmlns:r="http://schemas.openxmlformats.org/officeDocument/2006/relationships" xmlns:p="http://schemas.openxmlformats.org/presentationml/2006/main" preserve="1" showMasterSp="0">
   <p:cSld name="标题和题注">
     <p:spTree>
       <p:nvGrpSpPr>
@@ -2843,6 +2846,7 @@
               <a:rPr lang="zh-CN" altLang="en-US" smtClean="0"/>
               <a:t>单击此处编辑母版文本样式</a:t>
             </a:r>
+            <a:endParaRPr lang="zh-CN" altLang="en-US" smtClean="0"/>
           </a:p>
         </p:txBody>
       </p:sp>
@@ -2863,7 +2867,6 @@
           <a:p>
             <a:fld id="{AFF16868-8199-4C2C-A5B1-63AEE139F88E}" type="datetimeFigureOut">
               <a:rPr lang="en-US" dirty="0"/>
-              <a:t>5/19/20</a:t>
             </a:fld>
             <a:endParaRPr lang="en-US" dirty="0"/>
           </a:p>
@@ -2941,7 +2944,6 @@
           <a:p>
             <a:fld id="{D57F1E4F-1CFF-5643-939E-217C01CDF565}" type="slidenum">
               <a:rPr lang="en-US" dirty="0"/>
-              <a:t>‹#›</a:t>
             </a:fld>
             <a:endParaRPr lang="en-US" dirty="0"/>
           </a:p>
@@ -2956,7 +2958,7 @@
 </file>
 
 <file path=ppt/slideLayouts/slideLayout12.xml><?xml version="1.0" encoding="utf-8"?>
-<p:sldLayout xmlns:a="http://schemas.openxmlformats.org/drawingml/2006/main" xmlns:r="http://schemas.openxmlformats.org/officeDocument/2006/relationships" xmlns:p="http://schemas.openxmlformats.org/presentationml/2006/main" showMasterSp="0" preserve="1">
+<p:sldLayout xmlns:a="http://schemas.openxmlformats.org/drawingml/2006/main" xmlns:r="http://schemas.openxmlformats.org/officeDocument/2006/relationships" xmlns:p="http://schemas.openxmlformats.org/presentationml/2006/main" preserve="1" showMasterSp="0">
   <p:cSld name="带标题的引述">
     <p:spTree>
       <p:nvGrpSpPr>
@@ -3758,6 +3760,16 @@
               </a:rPr>
               <a:t>“</a:t>
             </a:r>
+            <a:endParaRPr lang="en-US" sz="9600" b="0" i="0" dirty="0">
+              <a:solidFill>
+                <a:schemeClr val="accent1">
+                  <a:lumMod val="60000"/>
+                  <a:lumOff val="40000"/>
+                </a:schemeClr>
+              </a:solidFill>
+              <a:latin typeface="Arial" panose="020B0604020202090204"/>
+              <a:cs typeface="Arial" panose="020B0604020202090204"/>
+            </a:endParaRPr>
           </a:p>
         </p:txBody>
       </p:sp>
@@ -3797,6 +3809,16 @@
               </a:rPr>
               <a:t>”</a:t>
             </a:r>
+            <a:endParaRPr lang="en-US" sz="9600" b="0" i="0" dirty="0">
+              <a:solidFill>
+                <a:schemeClr val="accent1">
+                  <a:lumMod val="60000"/>
+                  <a:lumOff val="40000"/>
+                </a:schemeClr>
+              </a:solidFill>
+              <a:latin typeface="Arial" panose="020B0604020202090204"/>
+              <a:cs typeface="Arial" panose="020B0604020202090204"/>
+            </a:endParaRPr>
           </a:p>
         </p:txBody>
       </p:sp>
@@ -3905,6 +3927,7 @@
               <a:rPr lang="zh-CN" altLang="en-US" smtClean="0"/>
               <a:t>单击此处编辑母版文本样式</a:t>
             </a:r>
+            <a:endParaRPr lang="zh-CN" altLang="en-US" smtClean="0"/>
           </a:p>
         </p:txBody>
       </p:sp>
@@ -3972,6 +3995,7 @@
               <a:rPr lang="zh-CN" altLang="en-US" smtClean="0"/>
               <a:t>单击此处编辑母版文本样式</a:t>
             </a:r>
+            <a:endParaRPr lang="zh-CN" altLang="en-US" smtClean="0"/>
           </a:p>
         </p:txBody>
       </p:sp>
@@ -3992,7 +4016,6 @@
           <a:p>
             <a:fld id="{AAD9FF7F-6988-44CC-821B-644E70CD2F73}" type="datetimeFigureOut">
               <a:rPr lang="en-US" dirty="0"/>
-              <a:t>5/19/20</a:t>
             </a:fld>
             <a:endParaRPr lang="en-US" dirty="0"/>
           </a:p>
@@ -4070,7 +4093,6 @@
           <a:p>
             <a:fld id="{D57F1E4F-1CFF-5643-939E-217C01CDF565}" type="slidenum">
               <a:rPr lang="en-US" dirty="0"/>
-              <a:t>‹#›</a:t>
             </a:fld>
             <a:endParaRPr lang="en-US" dirty="0"/>
           </a:p>
@@ -4085,7 +4107,7 @@
 </file>
 
 <file path=ppt/slideLayouts/slideLayout13.xml><?xml version="1.0" encoding="utf-8"?>
-<p:sldLayout xmlns:a="http://schemas.openxmlformats.org/drawingml/2006/main" xmlns:r="http://schemas.openxmlformats.org/officeDocument/2006/relationships" xmlns:p="http://schemas.openxmlformats.org/presentationml/2006/main" showMasterSp="0" preserve="1">
+<p:sldLayout xmlns:a="http://schemas.openxmlformats.org/drawingml/2006/main" xmlns:r="http://schemas.openxmlformats.org/officeDocument/2006/relationships" xmlns:p="http://schemas.openxmlformats.org/presentationml/2006/main" preserve="1" showMasterSp="0">
   <p:cSld name="名片">
     <p:spTree>
       <p:nvGrpSpPr>
@@ -5000,6 +5022,7 @@
               <a:rPr lang="zh-CN" altLang="en-US" smtClean="0"/>
               <a:t>单击此处编辑母版文本样式</a:t>
             </a:r>
+            <a:endParaRPr lang="zh-CN" altLang="en-US" smtClean="0"/>
           </a:p>
         </p:txBody>
       </p:sp>
@@ -5020,7 +5043,6 @@
           <a:p>
             <a:fld id="{5C12C299-16B2-4475-990D-751901EACC14}" type="datetimeFigureOut">
               <a:rPr lang="en-US" dirty="0"/>
-              <a:t>5/19/20</a:t>
             </a:fld>
             <a:endParaRPr lang="en-US" dirty="0"/>
           </a:p>
@@ -5098,7 +5120,6 @@
           <a:p>
             <a:fld id="{D57F1E4F-1CFF-5643-939E-217C01CDF565}" type="slidenum">
               <a:rPr lang="en-US" dirty="0"/>
-              <a:t>‹#›</a:t>
             </a:fld>
             <a:endParaRPr lang="en-US" dirty="0"/>
           </a:p>
@@ -5232,6 +5253,7 @@
               <a:rPr lang="zh-CN" altLang="en-US" smtClean="0"/>
               <a:t>单击此处编辑母版文本样式</a:t>
             </a:r>
+            <a:endParaRPr lang="zh-CN" altLang="en-US" smtClean="0"/>
           </a:p>
         </p:txBody>
       </p:sp>
@@ -5299,6 +5321,7 @@
               <a:rPr lang="zh-CN" altLang="en-US" smtClean="0"/>
               <a:t>单击此处编辑母版文本样式</a:t>
             </a:r>
+            <a:endParaRPr lang="zh-CN" altLang="en-US" smtClean="0"/>
           </a:p>
         </p:txBody>
       </p:sp>
@@ -5373,6 +5396,7 @@
               <a:rPr lang="zh-CN" altLang="en-US" smtClean="0"/>
               <a:t>单击此处编辑母版文本样式</a:t>
             </a:r>
+            <a:endParaRPr lang="zh-CN" altLang="en-US" smtClean="0"/>
           </a:p>
         </p:txBody>
       </p:sp>
@@ -5440,6 +5464,7 @@
               <a:rPr lang="zh-CN" altLang="en-US" smtClean="0"/>
               <a:t>单击此处编辑母版文本样式</a:t>
             </a:r>
+            <a:endParaRPr lang="zh-CN" altLang="en-US" smtClean="0"/>
           </a:p>
         </p:txBody>
       </p:sp>
@@ -5514,6 +5539,7 @@
               <a:rPr lang="zh-CN" altLang="en-US" smtClean="0"/>
               <a:t>单击此处编辑母版文本样式</a:t>
             </a:r>
+            <a:endParaRPr lang="zh-CN" altLang="en-US" smtClean="0"/>
           </a:p>
         </p:txBody>
       </p:sp>
@@ -5581,6 +5607,7 @@
               <a:rPr lang="zh-CN" altLang="en-US" smtClean="0"/>
               <a:t>单击此处编辑母版文本样式</a:t>
             </a:r>
+            <a:endParaRPr lang="zh-CN" altLang="en-US" smtClean="0"/>
           </a:p>
         </p:txBody>
       </p:sp>
@@ -5675,7 +5702,6 @@
           <a:p>
             <a:fld id="{9FE86839-B9D8-4651-8783-F325ECE74E65}" type="datetimeFigureOut">
               <a:rPr lang="en-US" dirty="0"/>
-              <a:t>5/19/20</a:t>
             </a:fld>
             <a:endParaRPr lang="en-US" dirty="0"/>
           </a:p>
@@ -5717,7 +5743,6 @@
           <a:p>
             <a:fld id="{D57F1E4F-1CFF-5643-939E-217C01CDF565}" type="slidenum">
               <a:rPr lang="en-US" dirty="0"/>
-              <a:t>‹#›</a:t>
             </a:fld>
             <a:endParaRPr lang="en-US" dirty="0"/>
           </a:p>
@@ -5851,6 +5876,7 @@
               <a:rPr lang="zh-CN" altLang="en-US" smtClean="0"/>
               <a:t>单击此处编辑母版文本样式</a:t>
             </a:r>
+            <a:endParaRPr lang="zh-CN" altLang="en-US" smtClean="0"/>
           </a:p>
         </p:txBody>
       </p:sp>
@@ -5997,6 +6023,7 @@
               <a:rPr lang="zh-CN" altLang="en-US" smtClean="0"/>
               <a:t>单击此处编辑母版文本样式</a:t>
             </a:r>
+            <a:endParaRPr lang="zh-CN" altLang="en-US" smtClean="0"/>
           </a:p>
         </p:txBody>
       </p:sp>
@@ -6071,6 +6098,7 @@
               <a:rPr lang="zh-CN" altLang="en-US" smtClean="0"/>
               <a:t>单击此处编辑母版文本样式</a:t>
             </a:r>
+            <a:endParaRPr lang="zh-CN" altLang="en-US" smtClean="0"/>
           </a:p>
         </p:txBody>
       </p:sp>
@@ -6217,6 +6245,7 @@
               <a:rPr lang="zh-CN" altLang="en-US" smtClean="0"/>
               <a:t>单击此处编辑母版文本样式</a:t>
             </a:r>
+            <a:endParaRPr lang="zh-CN" altLang="en-US" smtClean="0"/>
           </a:p>
         </p:txBody>
       </p:sp>
@@ -6291,6 +6320,7 @@
               <a:rPr lang="zh-CN" altLang="en-US" smtClean="0"/>
               <a:t>单击此处编辑母版文本样式</a:t>
             </a:r>
+            <a:endParaRPr lang="zh-CN" altLang="en-US" smtClean="0"/>
           </a:p>
         </p:txBody>
       </p:sp>
@@ -6437,6 +6467,7 @@
               <a:rPr lang="zh-CN" altLang="en-US" smtClean="0"/>
               <a:t>单击此处编辑母版文本样式</a:t>
             </a:r>
+            <a:endParaRPr lang="zh-CN" altLang="en-US" smtClean="0"/>
           </a:p>
         </p:txBody>
       </p:sp>
@@ -6531,7 +6562,6 @@
           <a:p>
             <a:fld id="{FD484F64-32F6-45C5-931F-ADC1662401D0}" type="datetimeFigureOut">
               <a:rPr lang="en-US" dirty="0"/>
-              <a:t>5/19/20</a:t>
             </a:fld>
             <a:endParaRPr lang="en-US" dirty="0"/>
           </a:p>
@@ -6578,7 +6608,6 @@
           <a:p>
             <a:fld id="{D57F1E4F-1CFF-5643-939E-217C01CDF565}" type="slidenum">
               <a:rPr lang="en-US" dirty="0"/>
-              <a:t>‹#›</a:t>
             </a:fld>
             <a:endParaRPr lang="en-US" dirty="0"/>
           </a:p>
@@ -6662,6 +6691,7 @@
               <a:rPr lang="zh-CN" altLang="en-US" smtClean="0"/>
               <a:t>单击此处编辑母版文本样式</a:t>
             </a:r>
+            <a:endParaRPr lang="zh-CN" altLang="en-US" smtClean="0"/>
           </a:p>
           <a:p>
             <a:pPr lvl="1"/>
@@ -6669,6 +6699,7 @@
               <a:rPr lang="zh-CN" altLang="en-US" smtClean="0"/>
               <a:t>二级</a:t>
             </a:r>
+            <a:endParaRPr lang="zh-CN" altLang="en-US" smtClean="0"/>
           </a:p>
           <a:p>
             <a:pPr lvl="2"/>
@@ -6676,6 +6707,7 @@
               <a:rPr lang="zh-CN" altLang="en-US" smtClean="0"/>
               <a:t>三级</a:t>
             </a:r>
+            <a:endParaRPr lang="zh-CN" altLang="en-US" smtClean="0"/>
           </a:p>
           <a:p>
             <a:pPr lvl="3"/>
@@ -6683,6 +6715,7 @@
               <a:rPr lang="zh-CN" altLang="en-US" smtClean="0"/>
               <a:t>四级</a:t>
             </a:r>
+            <a:endParaRPr lang="zh-CN" altLang="en-US" smtClean="0"/>
           </a:p>
           <a:p>
             <a:pPr lvl="4"/>
@@ -6716,7 +6749,6 @@
           <a:p>
             <a:fld id="{53086D93-FCAC-47E0-A2EE-787E62CA814C}" type="datetimeFigureOut">
               <a:rPr lang="en-US" dirty="0"/>
-              <a:t>5/19/20</a:t>
             </a:fld>
             <a:endParaRPr lang="en-US" dirty="0"/>
           </a:p>
@@ -6758,7 +6790,6 @@
           <a:p>
             <a:fld id="{D57F1E4F-1CFF-5643-939E-217C01CDF565}" type="slidenum">
               <a:rPr lang="en-US" dirty="0"/>
-              <a:t>‹#›</a:t>
             </a:fld>
             <a:endParaRPr lang="en-US" dirty="0"/>
           </a:p>
@@ -6773,7 +6804,7 @@
 </file>
 
 <file path=ppt/slideLayouts/slideLayout17.xml><?xml version="1.0" encoding="utf-8"?>
-<p:sldLayout xmlns:a="http://schemas.openxmlformats.org/drawingml/2006/main" xmlns:r="http://schemas.openxmlformats.org/officeDocument/2006/relationships" xmlns:p="http://schemas.openxmlformats.org/presentationml/2006/main" showMasterSp="0" type="vertTitleAndTx" preserve="1">
+<p:sldLayout xmlns:a="http://schemas.openxmlformats.org/drawingml/2006/main" xmlns:r="http://schemas.openxmlformats.org/officeDocument/2006/relationships" xmlns:p="http://schemas.openxmlformats.org/presentationml/2006/main" type="vertTitleAndTx" preserve="1" showMasterSp="0">
   <p:cSld name="竖排标题和文本">
     <p:spTree>
       <p:nvGrpSpPr>
@@ -7629,6 +7660,7 @@
               <a:rPr lang="zh-CN" altLang="en-US" smtClean="0"/>
               <a:t>单击此处编辑母版文本样式</a:t>
             </a:r>
+            <a:endParaRPr lang="zh-CN" altLang="en-US" smtClean="0"/>
           </a:p>
           <a:p>
             <a:pPr lvl="1"/>
@@ -7636,6 +7668,7 @@
               <a:rPr lang="zh-CN" altLang="en-US" smtClean="0"/>
               <a:t>二级</a:t>
             </a:r>
+            <a:endParaRPr lang="zh-CN" altLang="en-US" smtClean="0"/>
           </a:p>
           <a:p>
             <a:pPr lvl="2"/>
@@ -7643,6 +7676,7 @@
               <a:rPr lang="zh-CN" altLang="en-US" smtClean="0"/>
               <a:t>三级</a:t>
             </a:r>
+            <a:endParaRPr lang="zh-CN" altLang="en-US" smtClean="0"/>
           </a:p>
           <a:p>
             <a:pPr lvl="3"/>
@@ -7650,6 +7684,7 @@
               <a:rPr lang="zh-CN" altLang="en-US" smtClean="0"/>
               <a:t>四级</a:t>
             </a:r>
+            <a:endParaRPr lang="zh-CN" altLang="en-US" smtClean="0"/>
           </a:p>
           <a:p>
             <a:pPr lvl="4"/>
@@ -7683,7 +7718,6 @@
           <a:p>
             <a:fld id="{CDA879A6-0FD0-4734-A311-86BFCA472E6E}" type="datetimeFigureOut">
               <a:rPr lang="en-US" dirty="0"/>
-              <a:t>5/19/20</a:t>
             </a:fld>
             <a:endParaRPr lang="en-US" dirty="0"/>
           </a:p>
@@ -7761,7 +7795,6 @@
           <a:p>
             <a:fld id="{D57F1E4F-1CFF-5643-939E-217C01CDF565}" type="slidenum">
               <a:rPr lang="en-US" dirty="0"/>
-              <a:t>‹#›</a:t>
             </a:fld>
             <a:endParaRPr lang="en-US" dirty="0"/>
           </a:p>
@@ -7840,6 +7873,7 @@
               <a:rPr lang="zh-CN" altLang="en-US" smtClean="0"/>
               <a:t>单击此处编辑母版文本样式</a:t>
             </a:r>
+            <a:endParaRPr lang="zh-CN" altLang="en-US" smtClean="0"/>
           </a:p>
           <a:p>
             <a:pPr lvl="1"/>
@@ -7847,6 +7881,7 @@
               <a:rPr lang="zh-CN" altLang="en-US" smtClean="0"/>
               <a:t>二级</a:t>
             </a:r>
+            <a:endParaRPr lang="zh-CN" altLang="en-US" smtClean="0"/>
           </a:p>
           <a:p>
             <a:pPr lvl="2"/>
@@ -7854,6 +7889,7 @@
               <a:rPr lang="zh-CN" altLang="en-US" smtClean="0"/>
               <a:t>三级</a:t>
             </a:r>
+            <a:endParaRPr lang="zh-CN" altLang="en-US" smtClean="0"/>
           </a:p>
           <a:p>
             <a:pPr lvl="3"/>
@@ -7861,6 +7897,7 @@
               <a:rPr lang="zh-CN" altLang="en-US" smtClean="0"/>
               <a:t>四级</a:t>
             </a:r>
+            <a:endParaRPr lang="zh-CN" altLang="en-US" smtClean="0"/>
           </a:p>
           <a:p>
             <a:pPr lvl="4"/>
@@ -7889,7 +7926,6 @@
           <a:p>
             <a:fld id="{19C9CA7B-DFD4-44B5-8C60-D14B8CD1FB59}" type="datetimeFigureOut">
               <a:rPr lang="en-US" dirty="0"/>
-              <a:t>5/19/20</a:t>
             </a:fld>
             <a:endParaRPr lang="en-US" dirty="0"/>
           </a:p>
@@ -7931,7 +7967,6 @@
           <a:p>
             <a:fld id="{D57F1E4F-1CFF-5643-939E-217C01CDF565}" type="slidenum">
               <a:rPr lang="en-US" dirty="0"/>
-              <a:t>‹#›</a:t>
             </a:fld>
             <a:endParaRPr lang="en-US" dirty="0"/>
           </a:p>
@@ -7946,7 +7981,7 @@
 </file>
 
 <file path=ppt/slideLayouts/slideLayout3.xml><?xml version="1.0" encoding="utf-8"?>
-<p:sldLayout xmlns:a="http://schemas.openxmlformats.org/drawingml/2006/main" xmlns:r="http://schemas.openxmlformats.org/officeDocument/2006/relationships" xmlns:p="http://schemas.openxmlformats.org/presentationml/2006/main" showMasterSp="0" type="secHead" preserve="1">
+<p:sldLayout xmlns:a="http://schemas.openxmlformats.org/drawingml/2006/main" xmlns:r="http://schemas.openxmlformats.org/officeDocument/2006/relationships" xmlns:p="http://schemas.openxmlformats.org/presentationml/2006/main" type="secHead" preserve="1" showMasterSp="0">
   <p:cSld name="节标题">
     <p:spTree>
       <p:nvGrpSpPr>
@@ -8898,6 +8933,7 @@
               <a:rPr lang="zh-CN" altLang="en-US" smtClean="0"/>
               <a:t>单击此处编辑母版文本样式</a:t>
             </a:r>
+            <a:endParaRPr lang="zh-CN" altLang="en-US" smtClean="0"/>
           </a:p>
         </p:txBody>
       </p:sp>
@@ -8918,7 +8954,6 @@
           <a:p>
             <a:fld id="{F34E6425-0181-43F2-84FC-787E803FD2F8}" type="datetimeFigureOut">
               <a:rPr lang="en-US" dirty="0"/>
-              <a:t>5/19/20</a:t>
             </a:fld>
             <a:endParaRPr lang="en-US" dirty="0"/>
           </a:p>
@@ -8996,7 +9031,6 @@
           <a:p>
             <a:fld id="{D57F1E4F-1CFF-5643-939E-217C01CDF565}" type="slidenum">
               <a:rPr lang="en-US" dirty="0"/>
-              <a:t>‹#›</a:t>
             </a:fld>
             <a:endParaRPr lang="en-US" dirty="0"/>
           </a:p>
@@ -9077,6 +9111,7 @@
               <a:rPr lang="zh-CN" altLang="en-US" smtClean="0"/>
               <a:t>单击此处编辑母版文本样式</a:t>
             </a:r>
+            <a:endParaRPr lang="zh-CN" altLang="en-US" smtClean="0"/>
           </a:p>
           <a:p>
             <a:pPr lvl="1"/>
@@ -9084,6 +9119,7 @@
               <a:rPr lang="zh-CN" altLang="en-US" smtClean="0"/>
               <a:t>二级</a:t>
             </a:r>
+            <a:endParaRPr lang="zh-CN" altLang="en-US" smtClean="0"/>
           </a:p>
           <a:p>
             <a:pPr lvl="2"/>
@@ -9091,6 +9127,7 @@
               <a:rPr lang="zh-CN" altLang="en-US" smtClean="0"/>
               <a:t>三级</a:t>
             </a:r>
+            <a:endParaRPr lang="zh-CN" altLang="en-US" smtClean="0"/>
           </a:p>
           <a:p>
             <a:pPr lvl="3"/>
@@ -9098,6 +9135,7 @@
               <a:rPr lang="zh-CN" altLang="en-US" smtClean="0"/>
               <a:t>四级</a:t>
             </a:r>
+            <a:endParaRPr lang="zh-CN" altLang="en-US" smtClean="0"/>
           </a:p>
           <a:p>
             <a:pPr lvl="4"/>
@@ -9136,6 +9174,7 @@
               <a:rPr lang="zh-CN" altLang="en-US" smtClean="0"/>
               <a:t>单击此处编辑母版文本样式</a:t>
             </a:r>
+            <a:endParaRPr lang="zh-CN" altLang="en-US" smtClean="0"/>
           </a:p>
           <a:p>
             <a:pPr lvl="1"/>
@@ -9143,6 +9182,7 @@
               <a:rPr lang="zh-CN" altLang="en-US" smtClean="0"/>
               <a:t>二级</a:t>
             </a:r>
+            <a:endParaRPr lang="zh-CN" altLang="en-US" smtClean="0"/>
           </a:p>
           <a:p>
             <a:pPr lvl="2"/>
@@ -9150,6 +9190,7 @@
               <a:rPr lang="zh-CN" altLang="en-US" smtClean="0"/>
               <a:t>三级</a:t>
             </a:r>
+            <a:endParaRPr lang="zh-CN" altLang="en-US" smtClean="0"/>
           </a:p>
           <a:p>
             <a:pPr lvl="3"/>
@@ -9157,6 +9198,7 @@
               <a:rPr lang="zh-CN" altLang="en-US" smtClean="0"/>
               <a:t>四级</a:t>
             </a:r>
+            <a:endParaRPr lang="zh-CN" altLang="en-US" smtClean="0"/>
           </a:p>
           <a:p>
             <a:pPr lvl="4"/>
@@ -9185,7 +9227,6 @@
           <a:p>
             <a:fld id="{3BDB8791-F1B0-41E7-B7FD-A781E65C4266}" type="datetimeFigureOut">
               <a:rPr lang="en-US" dirty="0"/>
-              <a:t>5/19/20</a:t>
             </a:fld>
             <a:endParaRPr lang="en-US" dirty="0"/>
           </a:p>
@@ -9227,7 +9268,6 @@
           <a:p>
             <a:fld id="{D57F1E4F-1CFF-5643-939E-217C01CDF565}" type="slidenum">
               <a:rPr lang="en-US" dirty="0"/>
-              <a:t>‹#›</a:t>
             </a:fld>
             <a:endParaRPr lang="en-US" dirty="0"/>
           </a:p>
@@ -9353,6 +9393,7 @@
               <a:rPr lang="zh-CN" altLang="en-US" smtClean="0"/>
               <a:t>单击此处编辑母版文本样式</a:t>
             </a:r>
+            <a:endParaRPr lang="zh-CN" altLang="en-US" smtClean="0"/>
           </a:p>
         </p:txBody>
       </p:sp>
@@ -9383,6 +9424,7 @@
               <a:rPr lang="zh-CN" altLang="en-US" smtClean="0"/>
               <a:t>单击此处编辑母版文本样式</a:t>
             </a:r>
+            <a:endParaRPr lang="zh-CN" altLang="en-US" smtClean="0"/>
           </a:p>
           <a:p>
             <a:pPr lvl="1"/>
@@ -9390,6 +9432,7 @@
               <a:rPr lang="zh-CN" altLang="en-US" smtClean="0"/>
               <a:t>二级</a:t>
             </a:r>
+            <a:endParaRPr lang="zh-CN" altLang="en-US" smtClean="0"/>
           </a:p>
           <a:p>
             <a:pPr lvl="2"/>
@@ -9397,6 +9440,7 @@
               <a:rPr lang="zh-CN" altLang="en-US" smtClean="0"/>
               <a:t>三级</a:t>
             </a:r>
+            <a:endParaRPr lang="zh-CN" altLang="en-US" smtClean="0"/>
           </a:p>
           <a:p>
             <a:pPr lvl="3"/>
@@ -9404,6 +9448,7 @@
               <a:rPr lang="zh-CN" altLang="en-US" smtClean="0"/>
               <a:t>四级</a:t>
             </a:r>
+            <a:endParaRPr lang="zh-CN" altLang="en-US" smtClean="0"/>
           </a:p>
           <a:p>
             <a:pPr lvl="4"/>
@@ -9483,6 +9528,7 @@
               <a:rPr lang="zh-CN" altLang="en-US" smtClean="0"/>
               <a:t>单击此处编辑母版文本样式</a:t>
             </a:r>
+            <a:endParaRPr lang="zh-CN" altLang="en-US" smtClean="0"/>
           </a:p>
         </p:txBody>
       </p:sp>
@@ -9541,6 +9587,7 @@
               <a:rPr lang="zh-CN" altLang="en-US" smtClean="0"/>
               <a:t>单击此处编辑母版文本样式</a:t>
             </a:r>
+            <a:endParaRPr lang="zh-CN" altLang="en-US" smtClean="0"/>
           </a:p>
           <a:p>
             <a:pPr lvl="1"/>
@@ -9548,6 +9595,7 @@
               <a:rPr lang="zh-CN" altLang="en-US" smtClean="0"/>
               <a:t>二级</a:t>
             </a:r>
+            <a:endParaRPr lang="zh-CN" altLang="en-US" smtClean="0"/>
           </a:p>
           <a:p>
             <a:pPr lvl="2"/>
@@ -9555,6 +9603,7 @@
               <a:rPr lang="zh-CN" altLang="en-US" smtClean="0"/>
               <a:t>三级</a:t>
             </a:r>
+            <a:endParaRPr lang="zh-CN" altLang="en-US" smtClean="0"/>
           </a:p>
           <a:p>
             <a:pPr lvl="3"/>
@@ -9562,6 +9611,7 @@
               <a:rPr lang="zh-CN" altLang="en-US" smtClean="0"/>
               <a:t>四级</a:t>
             </a:r>
+            <a:endParaRPr lang="zh-CN" altLang="en-US" smtClean="0"/>
           </a:p>
           <a:p>
             <a:pPr lvl="4"/>
@@ -9590,7 +9640,6 @@
           <a:p>
             <a:fld id="{5FDD63B2-E120-4ED8-B27B-C685F510A5FE}" type="datetimeFigureOut">
               <a:rPr lang="en-US" dirty="0"/>
-              <a:t>5/19/20</a:t>
             </a:fld>
             <a:endParaRPr lang="en-US" dirty="0"/>
           </a:p>
@@ -9632,7 +9681,6 @@
           <a:p>
             <a:fld id="{D57F1E4F-1CFF-5643-939E-217C01CDF565}" type="slidenum">
               <a:rPr lang="en-US" dirty="0"/>
-              <a:t>‹#›</a:t>
             </a:fld>
             <a:endParaRPr lang="en-US" dirty="0"/>
           </a:p>
@@ -9712,7 +9760,6 @@
           <a:p>
             <a:fld id="{7AA18ACC-A947-437B-A130-35BD54FDF1E9}" type="datetimeFigureOut">
               <a:rPr lang="en-US" dirty="0"/>
-              <a:t>5/19/20</a:t>
             </a:fld>
             <a:endParaRPr lang="en-US" dirty="0"/>
           </a:p>
@@ -9754,7 +9801,6 @@
           <a:p>
             <a:fld id="{D57F1E4F-1CFF-5643-939E-217C01CDF565}" type="slidenum">
               <a:rPr lang="en-US" dirty="0"/>
-              <a:t>‹#›</a:t>
             </a:fld>
             <a:endParaRPr lang="en-US" dirty="0"/>
           </a:p>
@@ -9769,7 +9815,7 @@
 </file>
 
 <file path=ppt/slideLayouts/slideLayout7.xml><?xml version="1.0" encoding="utf-8"?>
-<p:sldLayout xmlns:a="http://schemas.openxmlformats.org/drawingml/2006/main" xmlns:r="http://schemas.openxmlformats.org/officeDocument/2006/relationships" xmlns:p="http://schemas.openxmlformats.org/presentationml/2006/main" showMasterSp="0" type="blank" preserve="1">
+<p:sldLayout xmlns:a="http://schemas.openxmlformats.org/drawingml/2006/main" xmlns:r="http://schemas.openxmlformats.org/officeDocument/2006/relationships" xmlns:p="http://schemas.openxmlformats.org/presentationml/2006/main" type="blank" preserve="1" showMasterSp="0">
   <p:cSld name="空白">
     <p:spTree>
       <p:nvGrpSpPr>
@@ -9802,7 +9848,6 @@
           <a:p>
             <a:fld id="{7C8D7E02-BCB8-4D50-A234-369438C08659}" type="datetimeFigureOut">
               <a:rPr lang="en-US" dirty="0"/>
-              <a:t>5/19/20</a:t>
             </a:fld>
             <a:endParaRPr lang="en-US" dirty="0"/>
           </a:p>
@@ -9880,7 +9925,6 @@
           <a:p>
             <a:fld id="{D57F1E4F-1CFF-5643-939E-217C01CDF565}" type="slidenum">
               <a:rPr lang="en-US" dirty="0"/>
-              <a:t>‹#›</a:t>
             </a:fld>
             <a:endParaRPr lang="en-US" dirty="0"/>
           </a:p>
@@ -9895,7 +9939,7 @@
 </file>
 
 <file path=ppt/slideLayouts/slideLayout8.xml><?xml version="1.0" encoding="utf-8"?>
-<p:sldLayout xmlns:a="http://schemas.openxmlformats.org/drawingml/2006/main" xmlns:r="http://schemas.openxmlformats.org/officeDocument/2006/relationships" xmlns:p="http://schemas.openxmlformats.org/presentationml/2006/main" showMasterSp="0" type="objTx" preserve="1">
+<p:sldLayout xmlns:a="http://schemas.openxmlformats.org/drawingml/2006/main" xmlns:r="http://schemas.openxmlformats.org/officeDocument/2006/relationships" xmlns:p="http://schemas.openxmlformats.org/presentationml/2006/main" type="objTx" preserve="1" showMasterSp="0">
   <p:cSld name="内容与标题">
     <p:spTree>
       <p:nvGrpSpPr>
@@ -10757,6 +10801,7 @@
               <a:rPr lang="zh-CN" altLang="en-US" smtClean="0"/>
               <a:t>单击此处编辑母版文本样式</a:t>
             </a:r>
+            <a:endParaRPr lang="zh-CN" altLang="en-US" smtClean="0"/>
           </a:p>
           <a:p>
             <a:pPr lvl="1"/>
@@ -10764,6 +10809,7 @@
               <a:rPr lang="zh-CN" altLang="en-US" smtClean="0"/>
               <a:t>二级</a:t>
             </a:r>
+            <a:endParaRPr lang="zh-CN" altLang="en-US" smtClean="0"/>
           </a:p>
           <a:p>
             <a:pPr lvl="2"/>
@@ -10771,6 +10817,7 @@
               <a:rPr lang="zh-CN" altLang="en-US" smtClean="0"/>
               <a:t>三级</a:t>
             </a:r>
+            <a:endParaRPr lang="zh-CN" altLang="en-US" smtClean="0"/>
           </a:p>
           <a:p>
             <a:pPr lvl="3"/>
@@ -10778,6 +10825,7 @@
               <a:rPr lang="zh-CN" altLang="en-US" smtClean="0"/>
               <a:t>四级</a:t>
             </a:r>
+            <a:endParaRPr lang="zh-CN" altLang="en-US" smtClean="0"/>
           </a:p>
           <a:p>
             <a:pPr lvl="4"/>
@@ -10858,6 +10906,7 @@
               <a:rPr lang="zh-CN" altLang="en-US" smtClean="0"/>
               <a:t>单击此处编辑母版文本样式</a:t>
             </a:r>
+            <a:endParaRPr lang="zh-CN" altLang="en-US" smtClean="0"/>
           </a:p>
         </p:txBody>
       </p:sp>
@@ -10878,7 +10927,6 @@
           <a:p>
             <a:fld id="{76E86A4C-8E40-4F87-A4F0-01A0687C5742}" type="datetimeFigureOut">
               <a:rPr lang="en-US" dirty="0"/>
-              <a:t>5/19/20</a:t>
             </a:fld>
             <a:endParaRPr lang="en-US" dirty="0"/>
           </a:p>
@@ -10956,7 +11004,6 @@
           <a:p>
             <a:fld id="{D57F1E4F-1CFF-5643-939E-217C01CDF565}" type="slidenum">
               <a:rPr lang="en-US" dirty="0"/>
-              <a:t>‹#›</a:t>
             </a:fld>
             <a:endParaRPr lang="en-US" dirty="0"/>
           </a:p>
@@ -10971,7 +11018,7 @@
 </file>
 
 <file path=ppt/slideLayouts/slideLayout9.xml><?xml version="1.0" encoding="utf-8"?>
-<p:sldLayout xmlns:a="http://schemas.openxmlformats.org/drawingml/2006/main" xmlns:r="http://schemas.openxmlformats.org/officeDocument/2006/relationships" xmlns:p="http://schemas.openxmlformats.org/presentationml/2006/main" showMasterSp="0" type="picTx" preserve="1">
+<p:sldLayout xmlns:a="http://schemas.openxmlformats.org/drawingml/2006/main" xmlns:r="http://schemas.openxmlformats.org/officeDocument/2006/relationships" xmlns:p="http://schemas.openxmlformats.org/presentationml/2006/main" type="picTx" preserve="1" showMasterSp="0">
   <p:cSld name="图片与标题">
     <p:spTree>
       <p:nvGrpSpPr>
@@ -11961,6 +12008,7 @@
               <a:rPr lang="zh-CN" altLang="en-US" smtClean="0"/>
               <a:t>单击此处编辑母版文本样式</a:t>
             </a:r>
+            <a:endParaRPr lang="zh-CN" altLang="en-US" smtClean="0"/>
           </a:p>
         </p:txBody>
       </p:sp>
@@ -11981,7 +12029,6 @@
           <a:p>
             <a:fld id="{35E72C73-2D91-4E12-BA25-F0AA0C03599B}" type="datetimeFigureOut">
               <a:rPr lang="en-US" dirty="0"/>
-              <a:t>5/19/20</a:t>
             </a:fld>
             <a:endParaRPr lang="en-US" dirty="0"/>
           </a:p>
@@ -12059,7 +12106,6 @@
           <a:p>
             <a:fld id="{D57F1E4F-1CFF-5643-939E-217C01CDF565}" type="slidenum">
               <a:rPr lang="en-US" dirty="0"/>
-              <a:t>‹#›</a:t>
             </a:fld>
             <a:endParaRPr lang="en-US" dirty="0"/>
           </a:p>
@@ -12124,7 +12170,7 @@
               <a:avLst/>
             </a:prstGeom>
             <a:blipFill>
-              <a:blip r:embed="rId19">
+              <a:blip r:embed="rId18">
                 <a:duotone>
                   <a:schemeClr val="dk2">
                     <a:shade val="69000"/>
@@ -12908,6 +12954,7 @@
               <a:rPr lang="zh-CN" altLang="en-US" smtClean="0"/>
               <a:t>单击此处编辑母版文本样式</a:t>
             </a:r>
+            <a:endParaRPr lang="zh-CN" altLang="en-US" smtClean="0"/>
           </a:p>
           <a:p>
             <a:pPr lvl="1"/>
@@ -12915,6 +12962,7 @@
               <a:rPr lang="zh-CN" altLang="en-US" smtClean="0"/>
               <a:t>二级</a:t>
             </a:r>
+            <a:endParaRPr lang="zh-CN" altLang="en-US" smtClean="0"/>
           </a:p>
           <a:p>
             <a:pPr lvl="2"/>
@@ -12922,6 +12970,7 @@
               <a:rPr lang="zh-CN" altLang="en-US" smtClean="0"/>
               <a:t>三级</a:t>
             </a:r>
+            <a:endParaRPr lang="zh-CN" altLang="en-US" smtClean="0"/>
           </a:p>
           <a:p>
             <a:pPr lvl="3"/>
@@ -12929,6 +12978,7 @@
               <a:rPr lang="zh-CN" altLang="en-US" smtClean="0"/>
               <a:t>四级</a:t>
             </a:r>
+            <a:endParaRPr lang="zh-CN" altLang="en-US" smtClean="0"/>
           </a:p>
           <a:p>
             <a:pPr lvl="4"/>
@@ -12973,7 +13023,6 @@
           <a:p>
             <a:fld id="{2BE451C3-0FF4-47C4-B829-773ADF60F88C}" type="datetimeFigureOut">
               <a:rPr lang="en-US" dirty="0"/>
-              <a:t>5/19/20</a:t>
             </a:fld>
             <a:endParaRPr lang="en-US" dirty="0"/>
           </a:p>
@@ -13083,7 +13132,6 @@
           <a:p>
             <a:fld id="{D57F1E4F-1CFF-5643-939E-217C01CDF565}" type="slidenum">
               <a:rPr lang="en-US" dirty="0"/>
-              <a:t>‹#›</a:t>
             </a:fld>
             <a:endParaRPr lang="en-US" dirty="0"/>
           </a:p>
@@ -13540,8 +13588,8 @@
         </p:nvSpPr>
         <p:spPr>
           <a:xfrm>
-            <a:off x="1154955" y="834813"/>
-            <a:ext cx="8825658" cy="2677648"/>
+            <a:off x="2061210" y="2419350"/>
+            <a:ext cx="6928485" cy="1108075"/>
           </a:xfrm>
         </p:spPr>
         <p:txBody>
@@ -13572,12 +13620,14 @@
         </p:nvSpPr>
         <p:spPr>
           <a:xfrm>
-            <a:off x="1155065" y="3699510"/>
-            <a:ext cx="4655820" cy="861695"/>
+            <a:off x="4535170" y="3920490"/>
+            <a:ext cx="2066290" cy="419735"/>
           </a:xfrm>
         </p:spPr>
         <p:txBody>
-          <a:bodyPr/>
+          <a:bodyPr>
+            <a:normAutofit lnSpcReduction="20000"/>
+          </a:bodyPr>
           <a:lstStyle/>
           <a:p>
             <a:r>
@@ -13588,10 +13638,63 @@
               </a:rPr>
               <a:t>音视频的编辑</a:t>
             </a:r>
+            <a:endParaRPr kumimoji="1" lang="zh-CN" altLang="en-US" sz="2400" dirty="0" smtClean="0">
+              <a:solidFill>
+                <a:schemeClr val="bg2"/>
+              </a:solidFill>
+            </a:endParaRPr>
+          </a:p>
+        </p:txBody>
+      </p:sp>
+      <p:sp>
+        <p:nvSpPr>
+          <p:cNvPr id="4" name="文本框 3"/>
+          <p:cNvSpPr txBox="1"/>
+          <p:nvPr/>
+        </p:nvSpPr>
+        <p:spPr>
+          <a:xfrm>
+            <a:off x="9137650" y="4994275"/>
+            <a:ext cx="1344930" cy="368300"/>
+          </a:xfrm>
+          <a:prstGeom prst="rect">
+            <a:avLst/>
+          </a:prstGeom>
+          <a:noFill/>
+        </p:spPr>
+        <p:txBody>
+          <a:bodyPr wrap="none" rtlCol="0">
+            <a:spAutoFit/>
+          </a:bodyPr>
+          <a:p>
+            <a:r>
+              <a:rPr lang="en-US" altLang="zh-CN">
+                <a:solidFill>
+                  <a:schemeClr val="bg1"/>
+                </a:solidFill>
+              </a:rPr>
+              <a:t>by   </a:t>
+            </a:r>
+            <a:r>
+              <a:rPr lang="zh-CN" altLang="en-US">
+                <a:solidFill>
+                  <a:schemeClr val="bg1"/>
+                </a:solidFill>
+              </a:rPr>
+              <a:t>黄章成</a:t>
+            </a:r>
+            <a:endParaRPr lang="zh-CN" altLang="en-US">
+              <a:solidFill>
+                <a:schemeClr val="bg1"/>
+              </a:solidFill>
+            </a:endParaRPr>
           </a:p>
         </p:txBody>
       </p:sp>
     </p:spTree>
+    <p:custDataLst>
+      <p:tags r:id="rId1"/>
+    </p:custDataLst>
   </p:cSld>
   <p:clrMapOvr>
     <a:masterClrMapping/>
@@ -13618,126 +13721,360 @@
       </p:grpSpPr>
       <p:sp>
         <p:nvSpPr>
-          <p:cNvPr id="2" name="标题 1"/>
-          <p:cNvSpPr>
-            <a:spLocks noGrp="1"/>
-          </p:cNvSpPr>
-          <p:nvPr>
-            <p:ph type="title"/>
-          </p:nvPr>
-        </p:nvSpPr>
-        <p:spPr/>
-        <p:txBody>
-          <a:bodyPr/>
-          <a:lstStyle/>
-          <a:p>
-            <a:r>
-              <a:rPr kumimoji="1" lang="zh-CN" altLang="en-US" dirty="0" smtClean="0"/>
-              <a:t>三、加水印</a:t>
-            </a:r>
-            <a:endParaRPr kumimoji="1" lang="zh-CN" altLang="en-US" dirty="0"/>
-          </a:p>
-        </p:txBody>
-      </p:sp>
-      <p:sp>
-        <p:nvSpPr>
           <p:cNvPr id="3" name="内容占位符 2"/>
           <p:cNvSpPr>
             <a:spLocks noGrp="1"/>
           </p:cNvSpPr>
           <p:nvPr>
-            <p:ph idx="1"/>
+            <p:ph idx="4294967295"/>
           </p:nvPr>
         </p:nvSpPr>
-        <p:spPr/>
+        <p:spPr>
+          <a:xfrm>
+            <a:off x="71120" y="859155"/>
+            <a:ext cx="9805035" cy="5753100"/>
+          </a:xfrm>
+        </p:spPr>
         <p:txBody>
-          <a:bodyPr/>
+          <a:bodyPr>
+            <a:normAutofit fontScale="70000"/>
+          </a:bodyPr>
           <a:lstStyle/>
           <a:p>
             <a:r>
-              <a:rPr kumimoji="1" lang="en-US" altLang="zh-CN" dirty="0" smtClean="0"/>
-              <a:t>1.</a:t>
-            </a:r>
-            <a:r>
-              <a:rPr kumimoji="1" lang="zh-CN" altLang="en-US" dirty="0" smtClean="0"/>
-              <a:t> 相关概念</a:t>
-            </a:r>
-            <a:endParaRPr kumimoji="1" lang="en-US" altLang="zh-CN" dirty="0" smtClean="0"/>
-          </a:p>
-          <a:p>
-            <a:r>
-              <a:rPr kumimoji="1" lang="zh-CN" altLang="en-US" dirty="0"/>
-              <a:t> </a:t>
-            </a:r>
-            <a:r>
-              <a:rPr kumimoji="1" lang="en-US" altLang="zh-CN" dirty="0" err="1" smtClean="0"/>
-              <a:t>CMTime</a:t>
-            </a:r>
-            <a:r>
-              <a:rPr kumimoji="1" lang="zh-CN" altLang="en-US" dirty="0" smtClean="0"/>
-              <a:t>   </a:t>
-            </a:r>
-            <a:endParaRPr kumimoji="1" lang="en-US" altLang="zh-CN" dirty="0" smtClean="0"/>
-          </a:p>
-          <a:p>
-            <a:r>
-              <a:rPr lang="en-US" altLang="zh-CN" b="1" dirty="0" err="1"/>
-              <a:t>func</a:t>
-            </a:r>
-            <a:r>
-              <a:rPr lang="en-US" altLang="zh-CN" dirty="0"/>
-              <a:t> </a:t>
-            </a:r>
-            <a:r>
-              <a:rPr lang="en-US" altLang="zh-CN" dirty="0" err="1"/>
-              <a:t>CMTimeMake</a:t>
-            </a:r>
-            <a:r>
-              <a:rPr lang="en-US" altLang="zh-CN" dirty="0"/>
-              <a:t>(value: Int64, timescale: Int32) -&gt; </a:t>
-            </a:r>
-            <a:r>
-              <a:rPr lang="en-US" altLang="zh-CN" dirty="0" err="1"/>
-              <a:t>CMTime</a:t>
-            </a:r>
-            <a:endParaRPr lang="en-US" altLang="zh-CN" dirty="0"/>
-          </a:p>
-          <a:p>
-            <a:r>
-              <a:rPr lang="en-US" altLang="zh-CN" b="1" dirty="0" err="1"/>
-              <a:t>func</a:t>
-            </a:r>
-            <a:r>
-              <a:rPr lang="en-US" altLang="zh-CN" dirty="0"/>
-              <a:t> </a:t>
-            </a:r>
-            <a:r>
-              <a:rPr lang="en-US" altLang="zh-CN" dirty="0" err="1"/>
-              <a:t>CMTimeGetSeconds</a:t>
-            </a:r>
-            <a:r>
-              <a:rPr lang="en-US" altLang="zh-CN" dirty="0"/>
-              <a:t>(</a:t>
-            </a:r>
-            <a:r>
-              <a:rPr lang="en-US" altLang="zh-CN" b="1" dirty="0"/>
-              <a:t>_</a:t>
-            </a:r>
-            <a:r>
-              <a:rPr lang="en-US" altLang="zh-CN" dirty="0"/>
-              <a:t> time: </a:t>
-            </a:r>
-            <a:r>
-              <a:rPr lang="en-US" altLang="zh-CN" dirty="0" err="1"/>
-              <a:t>CMTime</a:t>
-            </a:r>
-            <a:r>
-              <a:rPr lang="en-US" altLang="zh-CN" dirty="0"/>
-              <a:t>) -&gt; Float64</a:t>
-            </a:r>
-          </a:p>
-          <a:p>
-            <a:endParaRPr kumimoji="1" lang="zh-CN" altLang="en-US" dirty="0"/>
+              <a:rPr lang="zh-CN" altLang="en-US" sz="1600"/>
+              <a:t>1. 创建画面合成器</a:t>
+            </a:r>
+            <a:endParaRPr lang="zh-CN" altLang="en-US" sz="1600"/>
+          </a:p>
+          <a:p>
+            <a:pPr marL="0" indent="0">
+              <a:buNone/>
+            </a:pPr>
+            <a:r>
+              <a:rPr lang="en-US" altLang="zh-CN" sz="1200">
+                <a:solidFill>
+                  <a:schemeClr val="bg1">
+                    <a:lumMod val="50000"/>
+                  </a:schemeClr>
+                </a:solidFill>
+              </a:rPr>
+              <a:t>	</a:t>
+            </a:r>
+            <a:r>
+              <a:rPr lang="en-US" altLang="zh-CN" sz="1400">
+                <a:solidFill>
+                  <a:schemeClr val="bg1">
+                    <a:lumMod val="50000"/>
+                  </a:schemeClr>
+                </a:solidFill>
+              </a:rPr>
+              <a:t>mutableVideoComposition = AVMutableVideoComposition()</a:t>
+            </a:r>
+            <a:endParaRPr lang="en-US" altLang="zh-CN" sz="1400">
+              <a:solidFill>
+                <a:schemeClr val="bg1">
+                  <a:lumMod val="50000"/>
+                </a:schemeClr>
+              </a:solidFill>
+            </a:endParaRPr>
+          </a:p>
+          <a:p>
+            <a:r>
+              <a:rPr lang="en-US" altLang="zh-CN" sz="1600"/>
+              <a:t>2. 设置视频帧率</a:t>
+            </a:r>
+            <a:endParaRPr lang="en-US" altLang="zh-CN" sz="1600"/>
+          </a:p>
+          <a:p>
+            <a:pPr marL="0" indent="0">
+              <a:buNone/>
+            </a:pPr>
+            <a:r>
+              <a:rPr lang="en-US" altLang="zh-CN" sz="1200">
+                <a:solidFill>
+                  <a:schemeClr val="bg1">
+                    <a:lumMod val="50000"/>
+                  </a:schemeClr>
+                </a:solidFill>
+                <a:sym typeface="+mn-ea"/>
+              </a:rPr>
+              <a:t>	</a:t>
+            </a:r>
+            <a:r>
+              <a:rPr lang="en-US" altLang="zh-CN" sz="1400">
+                <a:solidFill>
+                  <a:schemeClr val="bg1">
+                    <a:lumMod val="50000"/>
+                  </a:schemeClr>
+                </a:solidFill>
+                <a:sym typeface="+mn-ea"/>
+              </a:rPr>
+              <a:t>mutableVideoComposition?.frameDuration = CMTimeMake(value: 1, timescale: 30) // 30fps</a:t>
+            </a:r>
+            <a:endParaRPr lang="en-US" altLang="zh-CN" sz="1200">
+              <a:solidFill>
+                <a:schemeClr val="bg1">
+                  <a:lumMod val="50000"/>
+                </a:schemeClr>
+              </a:solidFill>
+              <a:sym typeface="+mn-ea"/>
+            </a:endParaRPr>
+          </a:p>
+          <a:p>
+            <a:r>
+              <a:rPr lang="en-US" altLang="zh-CN" sz="1600"/>
+              <a:t>3. 设置渲染尺寸</a:t>
+            </a:r>
+            <a:endParaRPr lang="en-US" altLang="zh-CN" sz="1600"/>
+          </a:p>
+          <a:p>
+            <a:pPr marL="0" indent="0">
+              <a:buNone/>
+            </a:pPr>
+            <a:r>
+              <a:rPr lang="en-US" altLang="zh-CN" sz="1600"/>
+              <a:t>	</a:t>
+            </a:r>
+            <a:r>
+              <a:rPr lang="en-US" altLang="zh-CN" sz="1400"/>
+              <a:t>mutableVideoComposition?.renderSize = assetVideoTrack!.naturalSize</a:t>
+            </a:r>
+            <a:endParaRPr lang="en-US" altLang="zh-CN"/>
+          </a:p>
+          <a:p>
+            <a:r>
+              <a:rPr lang="zh-CN" altLang="en-US" sz="1600"/>
+              <a:t>4. 创建视频指令对象并设置时长</a:t>
+            </a:r>
+            <a:endParaRPr lang="zh-CN" altLang="en-US" sz="1600"/>
+          </a:p>
+          <a:p>
+            <a:pPr marL="457200" lvl="1" indent="0">
+              <a:buNone/>
+            </a:pPr>
+            <a:r>
+              <a:rPr lang="zh-CN" altLang="en-US" sz="1400"/>
+              <a:t>let instruction = AVMutableVideoCompositionInstruction()</a:t>
+            </a:r>
+            <a:endParaRPr lang="zh-CN" altLang="en-US" sz="1400"/>
+          </a:p>
+          <a:p>
+            <a:pPr marL="457200" lvl="1" indent="0">
+              <a:buNone/>
+            </a:pPr>
+            <a:r>
+              <a:rPr lang="zh-CN" altLang="en-US" sz="1400"/>
+              <a:t>instruction.timeRange = CMTimeRangeMake(start: .zero, duration: mutableComposition!.duration)</a:t>
+            </a:r>
+            <a:endParaRPr lang="zh-CN" altLang="en-US" sz="1800"/>
+          </a:p>
+          <a:p>
+            <a:r>
+              <a:rPr lang="zh-CN" altLang="en-US" sz="1600"/>
+              <a:t>5. 创建视频图层指令对象并进行矩阵校正</a:t>
+            </a:r>
+            <a:endParaRPr lang="zh-CN" altLang="en-US" sz="1600"/>
+          </a:p>
+          <a:p>
+            <a:pPr marL="0" indent="0">
+              <a:buNone/>
+            </a:pPr>
+            <a:r>
+              <a:rPr lang="en-US" altLang="zh-CN" sz="1600"/>
+              <a:t>	</a:t>
+            </a:r>
+            <a:r>
+              <a:rPr lang="en-US" altLang="zh-CN" sz="1400"/>
+              <a:t>let videoTrack = mutableComposition!.tracks(withMediaType: .video).first!</a:t>
+            </a:r>
+            <a:endParaRPr lang="en-US" altLang="zh-CN" sz="1400"/>
+          </a:p>
+          <a:p>
+            <a:pPr marL="0" indent="0">
+              <a:buNone/>
+            </a:pPr>
+            <a:r>
+              <a:rPr lang="zh-CN" altLang="en-US" sz="1400"/>
+              <a:t>       </a:t>
+            </a:r>
+            <a:r>
+              <a:rPr lang="en-US" altLang="zh-CN" sz="1400"/>
+              <a:t>	</a:t>
+            </a:r>
+            <a:r>
+              <a:rPr lang="zh-CN" altLang="en-US" sz="1400"/>
+              <a:t>let layerInstruction = AVMutableVideoCompositionLayerInstruction(assetTrack: videoTrack)</a:t>
+            </a:r>
+            <a:endParaRPr lang="zh-CN" altLang="en-US" sz="1400"/>
+          </a:p>
+          <a:p>
+            <a:pPr marL="0" indent="0">
+              <a:buNone/>
+            </a:pPr>
+            <a:r>
+              <a:rPr lang="zh-CN" altLang="en-US" sz="1400"/>
+              <a:t>       </a:t>
+            </a:r>
+            <a:r>
+              <a:rPr lang="en-US" altLang="zh-CN" sz="1400"/>
+              <a:t>	</a:t>
+            </a:r>
+            <a:r>
+              <a:rPr lang="zh-CN" altLang="en-US" sz="1400"/>
+              <a:t>// 矩阵校正</a:t>
+            </a:r>
+            <a:endParaRPr lang="zh-CN" altLang="en-US" sz="1400"/>
+          </a:p>
+          <a:p>
+            <a:pPr marL="0" indent="0">
+              <a:buNone/>
+            </a:pPr>
+            <a:r>
+              <a:rPr lang="zh-CN" altLang="en-US" sz="1400"/>
+              <a:t>     </a:t>
+            </a:r>
+            <a:r>
+              <a:rPr lang="en-US" altLang="zh-CN" sz="1400"/>
+              <a:t>	</a:t>
+            </a:r>
+            <a:r>
+              <a:rPr lang="zh-CN" altLang="en-US" sz="1400"/>
+              <a:t>layerInstruction.setTransform(transform(degree: trackDegree, natureSize: assetVideoTrack!.naturalSize), at: .zero)</a:t>
+            </a:r>
+            <a:endParaRPr lang="zh-CN" altLang="en-US"/>
+          </a:p>
+          <a:p>
+            <a:r>
+              <a:rPr lang="en-US" altLang="zh-CN" sz="1600"/>
+              <a:t>6. </a:t>
+            </a:r>
+            <a:r>
+              <a:rPr lang="zh-CN" altLang="en-US" sz="1600"/>
+              <a:t>赋值</a:t>
+            </a:r>
+            <a:endParaRPr lang="zh-CN" altLang="en-US" sz="1600"/>
+          </a:p>
+          <a:p>
+            <a:pPr marL="0" indent="0">
+              <a:buNone/>
+            </a:pPr>
+            <a:r>
+              <a:rPr lang="en-US" altLang="zh-CN" sz="1600"/>
+              <a:t>	</a:t>
+            </a:r>
+            <a:r>
+              <a:rPr lang="en-US" altLang="zh-CN" sz="1400"/>
+              <a:t>instruction.layerInstructions = [layerInstruction]</a:t>
+            </a:r>
+            <a:endParaRPr lang="zh-CN" altLang="en-US" sz="1400"/>
+          </a:p>
+          <a:p>
+            <a:pPr marL="0" indent="0">
+              <a:buNone/>
+            </a:pPr>
+            <a:r>
+              <a:rPr lang="zh-CN" altLang="en-US" sz="1400"/>
+              <a:t>        </a:t>
+            </a:r>
+            <a:r>
+              <a:rPr lang="en-US" altLang="zh-CN" sz="1400"/>
+              <a:t>	</a:t>
+            </a:r>
+            <a:r>
+              <a:rPr lang="zh-CN" altLang="en-US" sz="1400"/>
+              <a:t>mutableVideoComposition?.instructions = </a:t>
+            </a:r>
+            <a:r>
+              <a:rPr lang="en-US" altLang="zh-CN" sz="1400"/>
+              <a:t>[</a:t>
+            </a:r>
+            <a:r>
+              <a:rPr lang="zh-CN" altLang="en-US" sz="1400"/>
+              <a:t>instruction</a:t>
+            </a:r>
+            <a:r>
+              <a:rPr lang="en-US" altLang="zh-CN" sz="1400"/>
+              <a:t>]</a:t>
+            </a:r>
+            <a:endParaRPr lang="zh-CN" altLang="en-US" sz="1600"/>
+          </a:p>
+          <a:p>
+            <a:r>
+              <a:rPr lang="en-US" altLang="zh-CN" sz="1600"/>
+              <a:t>7.</a:t>
+            </a:r>
+            <a:r>
+              <a:rPr lang="zh-CN" altLang="en-US" sz="1600"/>
+              <a:t>对视频图片指令做矩阵变换</a:t>
+            </a:r>
+            <a:endParaRPr lang="en-US" altLang="zh-CN" sz="1600"/>
+          </a:p>
+          <a:p>
+            <a:r>
+              <a:rPr lang="en-US" altLang="zh-CN" sz="1600"/>
+              <a:t>8.</a:t>
+            </a:r>
+            <a:r>
+              <a:rPr lang="zh-CN" altLang="en-US" sz="1600"/>
+              <a:t>调整画面合成器</a:t>
+            </a:r>
+            <a:r>
+              <a:rPr lang="zh-CN" altLang="en-US" sz="1600"/>
+              <a:t>的渲染尺寸</a:t>
+            </a:r>
+            <a:endParaRPr lang="zh-CN" altLang="en-US" sz="1600"/>
+          </a:p>
+          <a:p>
+            <a:endParaRPr lang="zh-CN" altLang="en-US" sz="1600"/>
+          </a:p>
+          <a:p>
+            <a:pPr marL="0" indent="0">
+              <a:buNone/>
+            </a:pPr>
+            <a:endParaRPr lang="zh-CN" altLang="en-US"/>
+          </a:p>
+          <a:p>
+            <a:pPr marL="0" indent="0">
+              <a:buNone/>
+            </a:pPr>
+            <a:endParaRPr lang="zh-CN" altLang="en-US"/>
+          </a:p>
+          <a:p>
+            <a:endParaRPr lang="zh-CN" altLang="en-US"/>
+          </a:p>
+        </p:txBody>
+      </p:sp>
+      <p:sp>
+        <p:nvSpPr>
+          <p:cNvPr id="2" name="文本框 1"/>
+          <p:cNvSpPr txBox="1"/>
+          <p:nvPr/>
+        </p:nvSpPr>
+        <p:spPr>
+          <a:xfrm>
+            <a:off x="473075" y="352425"/>
+            <a:ext cx="2240280" cy="368300"/>
+          </a:xfrm>
+          <a:prstGeom prst="rect">
+            <a:avLst/>
+          </a:prstGeom>
+          <a:noFill/>
+        </p:spPr>
+        <p:txBody>
+          <a:bodyPr wrap="none" rtlCol="0">
+            <a:spAutoFit/>
+          </a:bodyPr>
+          <a:p>
+            <a:r>
+              <a:rPr lang="zh-CN" altLang="en-US"/>
+              <a:t>视频旋转</a:t>
+            </a:r>
+            <a:r>
+              <a:rPr lang="zh-CN" altLang="en-US"/>
+              <a:t>基本步骤：</a:t>
+            </a:r>
+            <a:endParaRPr lang="zh-CN" altLang="en-US"/>
           </a:p>
         </p:txBody>
       </p:sp>
@@ -13783,7 +14120,7 @@
           <a:p>
             <a:r>
               <a:rPr kumimoji="1" lang="zh-CN" altLang="en-US" dirty="0" smtClean="0"/>
-              <a:t>三、更换声音</a:t>
+              <a:t>三、加水印</a:t>
             </a:r>
             <a:endParaRPr kumimoji="1" lang="zh-CN" altLang="en-US" dirty="0"/>
           </a:p>
@@ -13804,90 +14141,2109 @@
           <a:bodyPr/>
           <a:lstStyle/>
           <a:p>
+            <a:pPr marL="0" indent="0">
+              <a:buNone/>
+            </a:pPr>
+            <a:endParaRPr kumimoji="1" lang="en-US" altLang="zh-CN" dirty="0" smtClean="0"/>
+          </a:p>
+          <a:p>
             <a:r>
               <a:rPr kumimoji="1" lang="en-US" altLang="zh-CN" dirty="0" smtClean="0"/>
+              <a:t>1. </a:t>
+            </a:r>
+            <a:r>
+              <a:rPr kumimoji="1" lang="zh-CN" altLang="en-US" dirty="0" smtClean="0"/>
+              <a:t>创建一个父图层、一个视频图层、一个水印图层并设置尺寸和位置</a:t>
+            </a:r>
+            <a:r>
+              <a:rPr kumimoji="1" lang="zh-CN" altLang="en-US" dirty="0" smtClean="0"/>
+              <a:t>（</a:t>
+            </a:r>
+            <a:r>
+              <a:rPr kumimoji="1" lang="en-US" altLang="zh-CN" dirty="0" smtClean="0"/>
+              <a:t>CALayer</a:t>
+            </a:r>
+            <a:r>
+              <a:rPr kumimoji="1" lang="zh-CN" altLang="en-US" dirty="0" smtClean="0"/>
+              <a:t>）</a:t>
+            </a:r>
+            <a:endParaRPr kumimoji="1" lang="en-US" altLang="zh-CN" dirty="0" smtClean="0"/>
+          </a:p>
+          <a:p>
+            <a:r>
+              <a:rPr lang="en-US" altLang="zh-CN" dirty="0" err="1">
+                <a:latin typeface="+mn-ea"/>
+              </a:rPr>
+              <a:t>2. </a:t>
+            </a:r>
+            <a:r>
+              <a:rPr lang="zh-CN" altLang="en-US" dirty="0" err="1">
+                <a:latin typeface="+mn-ea"/>
+              </a:rPr>
+              <a:t>将视频图层和水印图片添加到父图层上</a:t>
+            </a:r>
+            <a:endParaRPr lang="en-US" altLang="zh-CN" dirty="0">
+              <a:latin typeface="+mn-ea"/>
+            </a:endParaRPr>
+          </a:p>
+          <a:p>
+            <a:r>
+              <a:rPr lang="en-US" altLang="zh-CN" dirty="0" err="1">
+                <a:latin typeface="+mn-ea"/>
+              </a:rPr>
+              <a:t>3. </a:t>
+            </a:r>
+            <a:r>
+              <a:rPr lang="zh-CN" altLang="en-US" dirty="0" err="1">
+                <a:latin typeface="+mn-ea"/>
+              </a:rPr>
+              <a:t>创建AVVideoCompositionCoreAnimationTool对象</a:t>
+            </a:r>
+            <a:endParaRPr lang="zh-CN" altLang="en-US" dirty="0" err="1">
+              <a:latin typeface="+mn-ea"/>
+            </a:endParaRPr>
+          </a:p>
+          <a:p>
+            <a:pPr marL="0" indent="0">
+              <a:buNone/>
+            </a:pPr>
+            <a:r>
+              <a:rPr lang="en-US" altLang="zh-CN" dirty="0" err="1">
+                <a:latin typeface="+mn-ea"/>
+              </a:rPr>
+              <a:t>	</a:t>
+            </a:r>
+            <a:r>
+              <a:rPr lang="en-US" altLang="zh-CN" sz="1200" dirty="0" err="1">
+                <a:latin typeface="+mn-ea"/>
+              </a:rPr>
+              <a:t>let animationTool = AVVideoCompositionCoreAnimationTool(postProcessingAsVideoLayer: videoLayer, in: parentLayer)</a:t>
+            </a:r>
+            <a:endParaRPr lang="en-US" altLang="zh-CN" sz="1200" dirty="0" err="1">
+              <a:latin typeface="+mn-ea"/>
+            </a:endParaRPr>
+          </a:p>
+          <a:p>
+            <a:r>
+              <a:rPr lang="en-US" altLang="zh-CN" dirty="0" err="1">
+                <a:latin typeface="+mn-ea"/>
+              </a:rPr>
+              <a:t>4. </a:t>
+            </a:r>
+            <a:r>
+              <a:rPr lang="zh-CN" altLang="en-US" dirty="0" err="1">
+                <a:latin typeface="+mn-ea"/>
+              </a:rPr>
+              <a:t>将创建好的动画对象赋值给视频画面合成器的animationTool属性即可。</a:t>
+            </a:r>
+            <a:endParaRPr lang="zh-CN" altLang="en-US" dirty="0" err="1">
+              <a:latin typeface="+mn-ea"/>
+            </a:endParaRPr>
+          </a:p>
+          <a:p>
+            <a:pPr marL="0" indent="0">
+              <a:buNone/>
+            </a:pPr>
+            <a:r>
+              <a:rPr lang="en-US" altLang="zh-CN" dirty="0" err="1">
+                <a:latin typeface="+mn-ea"/>
+              </a:rPr>
+              <a:t>	</a:t>
+            </a:r>
+            <a:r>
+              <a:rPr lang="en-US" altLang="zh-CN" sz="1200" dirty="0" err="1">
+                <a:latin typeface="+mn-ea"/>
+              </a:rPr>
+              <a:t>mutableVideoComposition?.animationTool = animationTool</a:t>
+            </a:r>
+            <a:endParaRPr lang="en-US" altLang="zh-CN" sz="1200" dirty="0" err="1">
+              <a:latin typeface="+mn-ea"/>
+            </a:endParaRPr>
+          </a:p>
+        </p:txBody>
+      </p:sp>
+      <p:sp>
+        <p:nvSpPr>
+          <p:cNvPr id="4" name="文本框 3"/>
+          <p:cNvSpPr txBox="1"/>
+          <p:nvPr/>
+        </p:nvSpPr>
+        <p:spPr>
+          <a:xfrm>
+            <a:off x="1155065" y="2466340"/>
+            <a:ext cx="1325880" cy="368300"/>
+          </a:xfrm>
+          <a:prstGeom prst="rect">
+            <a:avLst/>
+          </a:prstGeom>
+          <a:noFill/>
+        </p:spPr>
+        <p:txBody>
+          <a:bodyPr wrap="none" rtlCol="0">
+            <a:spAutoFit/>
+          </a:bodyPr>
+          <a:p>
+            <a:r>
+              <a:rPr lang="zh-CN" altLang="en-US"/>
+              <a:t>基本步骤：</a:t>
+            </a:r>
+            <a:endParaRPr lang="zh-CN" altLang="en-US"/>
+          </a:p>
+        </p:txBody>
+      </p:sp>
+    </p:spTree>
+  </p:cSld>
+  <p:clrMapOvr>
+    <a:masterClrMapping/>
+  </p:clrMapOvr>
+</p:sld>
+</file>
+
+<file path=ppt/slides/slide12.xml><?xml version="1.0" encoding="utf-8"?>
+<p:sld xmlns:a="http://schemas.openxmlformats.org/drawingml/2006/main" xmlns:r="http://schemas.openxmlformats.org/officeDocument/2006/relationships" xmlns:p="http://schemas.openxmlformats.org/presentationml/2006/main">
+  <p:cSld>
+    <p:spTree>
+      <p:nvGrpSpPr>
+        <p:cNvPr id="1" name=""/>
+        <p:cNvGrpSpPr/>
+        <p:nvPr/>
+      </p:nvGrpSpPr>
+      <p:grpSpPr>
+        <a:xfrm>
+          <a:off x="0" y="0"/>
+          <a:ext cx="0" cy="0"/>
+          <a:chOff x="0" y="0"/>
+          <a:chExt cx="0" cy="0"/>
+        </a:xfrm>
+      </p:grpSpPr>
+      <p:sp>
+        <p:nvSpPr>
+          <p:cNvPr id="2" name="标题 1"/>
+          <p:cNvSpPr>
+            <a:spLocks noGrp="1"/>
+          </p:cNvSpPr>
+          <p:nvPr>
+            <p:ph type="title"/>
+          </p:nvPr>
+        </p:nvSpPr>
+        <p:spPr/>
+        <p:txBody>
+          <a:bodyPr/>
+          <a:lstStyle/>
+          <a:p>
+            <a:r>
+              <a:rPr kumimoji="1" lang="zh-CN" altLang="en-US" dirty="0" smtClean="0"/>
+              <a:t>四</a:t>
+            </a:r>
+            <a:r>
+              <a:rPr kumimoji="1" lang="zh-CN" altLang="en-US" dirty="0" smtClean="0"/>
+              <a:t>、更换声音</a:t>
+            </a:r>
+            <a:endParaRPr kumimoji="1" lang="zh-CN" altLang="en-US" dirty="0"/>
+          </a:p>
+        </p:txBody>
+      </p:sp>
+      <p:sp>
+        <p:nvSpPr>
+          <p:cNvPr id="3" name="内容占位符 2"/>
+          <p:cNvSpPr>
+            <a:spLocks noGrp="1"/>
+          </p:cNvSpPr>
+          <p:nvPr>
+            <p:ph idx="1"/>
+          </p:nvPr>
+        </p:nvSpPr>
+        <p:spPr>
+          <a:xfrm>
+            <a:off x="1123315" y="2588895"/>
+            <a:ext cx="8825865" cy="4590415"/>
+          </a:xfrm>
+        </p:spPr>
+        <p:txBody>
+          <a:bodyPr>
+            <a:normAutofit fontScale="50000"/>
+          </a:bodyPr>
+          <a:lstStyle/>
+          <a:p>
+            <a:r>
+              <a:rPr kumimoji="1" lang="en-US" altLang="zh-CN" sz="2800" dirty="0" smtClean="0"/>
               <a:t>1.</a:t>
             </a:r>
             <a:r>
+              <a:rPr kumimoji="1" lang="zh-CN" altLang="en-US" sz="2800" dirty="0" smtClean="0"/>
+              <a:t> 音视频组合对象中的原有音频轨道移除</a:t>
+            </a:r>
+            <a:endParaRPr kumimoji="1" lang="zh-CN" altLang="en-US" dirty="0" smtClean="0"/>
+          </a:p>
+          <a:p>
+            <a:pPr marL="0" indent="0">
+              <a:buNone/>
+            </a:pPr>
+            <a:r>
+              <a:rPr kumimoji="1" lang="en-US" altLang="zh-CN" sz="1200" dirty="0" smtClean="0"/>
+              <a:t>	</a:t>
+            </a:r>
+            <a:r>
+              <a:rPr kumimoji="1" lang="en-US" altLang="zh-CN" sz="2000" dirty="0" smtClean="0"/>
+              <a:t>mutableComposition?.tracks(withMediaType: .audio).forEach({ (audioTrack) in</a:t>
+            </a:r>
+            <a:endParaRPr kumimoji="1" lang="en-US" altLang="zh-CN" sz="2000" dirty="0" smtClean="0"/>
+          </a:p>
+          <a:p>
+            <a:pPr marL="0" indent="0">
+              <a:buNone/>
+            </a:pPr>
+            <a:r>
+              <a:rPr kumimoji="1" lang="en-US" altLang="zh-CN" sz="2000" dirty="0" smtClean="0"/>
+              <a:t>            	mutableComposition?.removeTrack(audioTrack)</a:t>
+            </a:r>
+            <a:endParaRPr kumimoji="1" lang="en-US" altLang="zh-CN" sz="2000" dirty="0" smtClean="0"/>
+          </a:p>
+          <a:p>
+            <a:pPr marL="0" indent="0">
+              <a:buNone/>
+            </a:pPr>
+            <a:r>
+              <a:rPr kumimoji="1" lang="en-US" altLang="zh-CN" sz="2000" dirty="0" smtClean="0"/>
+              <a:t>       	 })</a:t>
+            </a:r>
+            <a:endParaRPr kumimoji="1" lang="en-US" altLang="zh-CN" sz="2000" dirty="0" smtClean="0"/>
+          </a:p>
+          <a:p>
+            <a:r>
+              <a:rPr kumimoji="1" lang="en-US" altLang="zh-CN" sz="2800" dirty="0" smtClean="0"/>
+              <a:t>2. </a:t>
+            </a:r>
+            <a:r>
+              <a:rPr kumimoji="1" lang="zh-CN" altLang="en-US" sz="2800" dirty="0" smtClean="0"/>
+              <a:t>将新的音频资源中的轨道取出重新放入音视频组合对象中即可</a:t>
+            </a:r>
+            <a:endParaRPr kumimoji="1" lang="en-US" altLang="zh-CN" sz="3200" dirty="0" smtClean="0"/>
+          </a:p>
+          <a:p>
+            <a:pPr marL="457200" lvl="1" indent="0">
+              <a:buNone/>
+            </a:pPr>
+            <a:r>
+              <a:rPr lang="en-US" altLang="zh-CN" sz="2000" dirty="0"/>
+              <a:t>let minDuration = CMTimeMinimum(audioAsset.duration, totalDuration!)</a:t>
+            </a:r>
+            <a:endParaRPr lang="en-US" altLang="zh-CN" sz="2000" dirty="0"/>
+          </a:p>
+          <a:p>
+            <a:pPr marL="457200" lvl="1" indent="0">
+              <a:buNone/>
+            </a:pPr>
+            <a:r>
+              <a:rPr lang="en-US" altLang="zh-CN" sz="2000" dirty="0"/>
+              <a:t>for track in audioAsset.tracks(withMediaType: .audio) {</a:t>
+            </a:r>
+            <a:endParaRPr lang="en-US" altLang="zh-CN" sz="2000" dirty="0"/>
+          </a:p>
+          <a:p>
+            <a:pPr marL="457200" lvl="1" indent="0">
+              <a:buNone/>
+            </a:pPr>
+            <a:r>
+              <a:rPr lang="en-US" altLang="zh-CN" sz="2000" dirty="0"/>
+              <a:t>      	let compositionAudioTrack = mutableComposition!.addMutableTrack(withMediaType: .audio, preferredTrackID: 	kCMPersistentTrackID_Invalid)</a:t>
+            </a:r>
+            <a:endParaRPr lang="en-US" altLang="zh-CN" sz="2000" dirty="0"/>
+          </a:p>
+          <a:p>
+            <a:pPr marL="457200" lvl="1" indent="0">
+              <a:buNone/>
+            </a:pPr>
+            <a:r>
+              <a:rPr lang="en-US" altLang="zh-CN" sz="2000" dirty="0"/>
+              <a:t>           do {</a:t>
+            </a:r>
+            <a:endParaRPr lang="en-US" altLang="zh-CN" sz="2000" dirty="0"/>
+          </a:p>
+          <a:p>
+            <a:pPr marL="457200" lvl="1" indent="0">
+              <a:buNone/>
+            </a:pPr>
+            <a:r>
+              <a:rPr lang="en-US" altLang="zh-CN" sz="2000" dirty="0"/>
+              <a:t>                try compositionAudioTrack!.insertTimeRange(CMTimeRange(start: .zero, duration: minDuration), of: track, at: .zero)</a:t>
+            </a:r>
+            <a:endParaRPr lang="en-US" altLang="zh-CN" sz="2000" dirty="0"/>
+          </a:p>
+          <a:p>
+            <a:pPr marL="457200" lvl="1" indent="0">
+              <a:buNone/>
+            </a:pPr>
+            <a:r>
+              <a:rPr lang="en-US" altLang="zh-CN" sz="2000" dirty="0"/>
+              <a:t>            } catch {</a:t>
+            </a:r>
+            <a:endParaRPr lang="en-US" altLang="zh-CN" sz="2000" dirty="0"/>
+          </a:p>
+          <a:p>
+            <a:pPr marL="457200" lvl="1" indent="0">
+              <a:buNone/>
+            </a:pPr>
+            <a:r>
+              <a:rPr lang="en-US" altLang="zh-CN" sz="2000" dirty="0"/>
+              <a:t>                print(error.localizedDescription)</a:t>
+            </a:r>
+            <a:endParaRPr lang="en-US" altLang="zh-CN" sz="2000" dirty="0"/>
+          </a:p>
+          <a:p>
+            <a:pPr marL="457200" lvl="1" indent="0">
+              <a:buNone/>
+            </a:pPr>
+            <a:r>
+              <a:rPr lang="en-US" altLang="zh-CN" sz="2000" dirty="0"/>
+              <a:t>            }</a:t>
+            </a:r>
+            <a:endParaRPr lang="en-US" altLang="zh-CN" sz="2000" dirty="0"/>
+          </a:p>
+          <a:p>
+            <a:pPr marL="457200" lvl="1" indent="0">
+              <a:buNone/>
+            </a:pPr>
+            <a:r>
+              <a:rPr lang="en-US" altLang="zh-CN" sz="2000" dirty="0"/>
+              <a:t> }</a:t>
+            </a:r>
+            <a:endParaRPr lang="en-US" altLang="zh-CN" sz="2000" dirty="0"/>
+          </a:p>
+          <a:p>
+            <a:endParaRPr kumimoji="1" lang="en-US" altLang="zh-CN" sz="2000" dirty="0"/>
+          </a:p>
+        </p:txBody>
+      </p:sp>
+      <p:sp>
+        <p:nvSpPr>
+          <p:cNvPr id="4" name="文本框 3"/>
+          <p:cNvSpPr txBox="1"/>
+          <p:nvPr/>
+        </p:nvSpPr>
+        <p:spPr>
+          <a:xfrm>
+            <a:off x="1155065" y="2135505"/>
+            <a:ext cx="1325880" cy="368300"/>
+          </a:xfrm>
+          <a:prstGeom prst="rect">
+            <a:avLst/>
+          </a:prstGeom>
+          <a:noFill/>
+        </p:spPr>
+        <p:txBody>
+          <a:bodyPr wrap="none" rtlCol="0">
+            <a:spAutoFit/>
+          </a:bodyPr>
+          <a:p>
+            <a:r>
+              <a:rPr lang="zh-CN" altLang="en-US"/>
+              <a:t>基本步骤：</a:t>
+            </a:r>
+            <a:endParaRPr lang="zh-CN" altLang="en-US"/>
+          </a:p>
+        </p:txBody>
+      </p:sp>
+    </p:spTree>
+  </p:cSld>
+  <p:clrMapOvr>
+    <a:masterClrMapping/>
+  </p:clrMapOvr>
+</p:sld>
+</file>
+
+<file path=ppt/slides/slide13.xml><?xml version="1.0" encoding="utf-8"?>
+<p:sld xmlns:a="http://schemas.openxmlformats.org/drawingml/2006/main" xmlns:r="http://schemas.openxmlformats.org/officeDocument/2006/relationships" xmlns:p="http://schemas.openxmlformats.org/presentationml/2006/main">
+  <p:cSld>
+    <p:spTree>
+      <p:nvGrpSpPr>
+        <p:cNvPr id="1" name=""/>
+        <p:cNvGrpSpPr/>
+        <p:nvPr/>
+      </p:nvGrpSpPr>
+      <p:grpSpPr>
+        <a:xfrm>
+          <a:off x="0" y="0"/>
+          <a:ext cx="0" cy="0"/>
+          <a:chOff x="0" y="0"/>
+          <a:chExt cx="0" cy="0"/>
+        </a:xfrm>
+      </p:grpSpPr>
+      <p:sp>
+        <p:nvSpPr>
+          <p:cNvPr id="2" name="标题 1"/>
+          <p:cNvSpPr>
+            <a:spLocks noGrp="1"/>
+          </p:cNvSpPr>
+          <p:nvPr>
+            <p:ph type="title"/>
+          </p:nvPr>
+        </p:nvSpPr>
+        <p:spPr/>
+        <p:txBody>
+          <a:bodyPr/>
+          <a:lstStyle/>
+          <a:p>
+            <a:r>
               <a:rPr kumimoji="1" lang="zh-CN" altLang="en-US" dirty="0" smtClean="0"/>
-              <a:t> 相关概念</a:t>
-            </a:r>
-            <a:endParaRPr kumimoji="1" lang="en-US" altLang="zh-CN" dirty="0" smtClean="0"/>
-          </a:p>
-          <a:p>
-            <a:r>
-              <a:rPr kumimoji="1" lang="zh-CN" altLang="en-US" dirty="0"/>
+              <a:t>五</a:t>
+            </a:r>
+            <a:r>
+              <a:rPr kumimoji="1" lang="zh-CN" altLang="en-US" dirty="0" smtClean="0"/>
+              <a:t>、混</a:t>
+            </a:r>
+            <a:r>
+              <a:rPr kumimoji="1" lang="zh-CN" altLang="en-US" dirty="0" smtClean="0"/>
+              <a:t>音</a:t>
+            </a:r>
+            <a:endParaRPr kumimoji="1" lang="zh-CN" altLang="en-US" dirty="0"/>
+          </a:p>
+        </p:txBody>
+      </p:sp>
+      <p:sp>
+        <p:nvSpPr>
+          <p:cNvPr id="3" name="内容占位符 2"/>
+          <p:cNvSpPr>
+            <a:spLocks noGrp="1"/>
+          </p:cNvSpPr>
+          <p:nvPr>
+            <p:ph idx="1"/>
+          </p:nvPr>
+        </p:nvSpPr>
+        <p:spPr>
+          <a:xfrm>
+            <a:off x="1123315" y="2588895"/>
+            <a:ext cx="8825865" cy="3975100"/>
+          </a:xfrm>
+        </p:spPr>
+        <p:txBody>
+          <a:bodyPr>
+            <a:normAutofit/>
+          </a:bodyPr>
+          <a:lstStyle/>
+          <a:p>
+            <a:r>
+              <a:rPr kumimoji="1" lang="en-US" altLang="zh-CN" sz="1600" dirty="0" smtClean="0"/>
+              <a:t>1.</a:t>
+            </a:r>
+            <a:r>
+              <a:rPr kumimoji="1" lang="zh-CN" altLang="en-US" sz="1600" dirty="0" smtClean="0"/>
+              <a:t>  创建音频合成器</a:t>
+            </a:r>
+            <a:endParaRPr kumimoji="1" lang="zh-CN" altLang="en-US" dirty="0" smtClean="0"/>
+          </a:p>
+          <a:p>
+            <a:pPr marL="0" indent="0">
+              <a:buNone/>
+            </a:pPr>
+            <a:r>
+              <a:rPr kumimoji="1" lang="en-US" altLang="zh-CN" sz="1200" dirty="0" smtClean="0"/>
+              <a:t>	mutableAudioMix = AVMutableAudioMix()</a:t>
+            </a:r>
+            <a:endParaRPr kumimoji="1" lang="en-US" altLang="zh-CN" sz="1200" dirty="0" smtClean="0"/>
+          </a:p>
+          <a:p>
+            <a:r>
+              <a:rPr kumimoji="1" lang="en-US" altLang="zh-CN" sz="1600" dirty="0" smtClean="0"/>
+              <a:t>2. </a:t>
+            </a:r>
+            <a:r>
+              <a:rPr kumimoji="1" lang="zh-CN" altLang="en-US" sz="1600" dirty="0" smtClean="0"/>
+              <a:t>根据原有音频轨道生成音频指令，并放入音频合成器的指令集中</a:t>
+            </a:r>
+            <a:endParaRPr kumimoji="1" lang="zh-CN" altLang="en-US" sz="1600" dirty="0" smtClean="0"/>
+          </a:p>
+          <a:p>
+            <a:pPr marL="457200" lvl="1" indent="0">
+              <a:buNone/>
+            </a:pPr>
+            <a:r>
+              <a:rPr kumimoji="1" lang="en-US" altLang="zh-CN" sz="1200" dirty="0" smtClean="0">
+                <a:sym typeface="+mn-ea"/>
+              </a:rPr>
+              <a:t>for audioTrack in mutableComposition!.tracks(withMediaType: .audio) {</a:t>
+            </a:r>
+            <a:endParaRPr kumimoji="1" lang="en-US" altLang="zh-CN" sz="1200" dirty="0" smtClean="0"/>
+          </a:p>
+          <a:p>
+            <a:pPr marL="457200" lvl="1" indent="0">
+              <a:buNone/>
+            </a:pPr>
+            <a:r>
+              <a:rPr kumimoji="1" lang="en-US" altLang="zh-CN" sz="1200" dirty="0" smtClean="0">
+                <a:sym typeface="+mn-ea"/>
+              </a:rPr>
+              <a:t>            let audioMixParam = AVMutableAudioMixInputParameters(track: audioTrack)</a:t>
+            </a:r>
+            <a:endParaRPr kumimoji="1" lang="en-US" altLang="zh-CN" sz="1200" dirty="0" smtClean="0"/>
+          </a:p>
+          <a:p>
+            <a:pPr marL="457200" lvl="1" indent="0">
+              <a:buNone/>
+            </a:pPr>
+            <a:r>
+              <a:rPr kumimoji="1" lang="en-US" altLang="zh-CN" sz="1200" dirty="0" smtClean="0">
+                <a:sym typeface="+mn-ea"/>
+              </a:rPr>
+              <a:t>            audioMixParams.append(audioMixParam)</a:t>
+            </a:r>
+            <a:endParaRPr kumimoji="1" lang="en-US" altLang="zh-CN" sz="1200" dirty="0" smtClean="0"/>
+          </a:p>
+          <a:p>
+            <a:pPr marL="457200" lvl="1" indent="0">
+              <a:buNone/>
+            </a:pPr>
+            <a:r>
+              <a:rPr kumimoji="1" lang="en-US" altLang="zh-CN" sz="1200" dirty="0" smtClean="0">
+                <a:sym typeface="+mn-ea"/>
+              </a:rPr>
+              <a:t>  }</a:t>
+            </a:r>
+            <a:endParaRPr kumimoji="1" lang="en-US" altLang="zh-CN" sz="1200" dirty="0" smtClean="0"/>
+          </a:p>
+          <a:p>
+            <a:pPr marL="457200" lvl="1" indent="0">
+              <a:buNone/>
+            </a:pPr>
+            <a:r>
+              <a:rPr kumimoji="1" lang="en-US" altLang="zh-CN" sz="1200" dirty="0" smtClean="0">
+                <a:sym typeface="+mn-ea"/>
+              </a:rPr>
+              <a:t> mutableAudioMix?.inputParameters = audioMixParams</a:t>
+            </a:r>
+            <a:endParaRPr kumimoji="1" lang="zh-CN" altLang="en-US" sz="1600" dirty="0" smtClean="0"/>
+          </a:p>
+          <a:p>
+            <a:r>
+              <a:rPr kumimoji="1" lang="en-US" altLang="zh-CN" sz="1600" dirty="0" smtClean="0"/>
+              <a:t>3. </a:t>
+            </a:r>
+            <a:r>
+              <a:rPr kumimoji="1" lang="zh-CN" altLang="en-US" sz="1600" dirty="0" smtClean="0"/>
+              <a:t>开一条新的音频轨道，并将混音</a:t>
+            </a:r>
+            <a:r>
+              <a:rPr kumimoji="1" lang="zh-CN" altLang="en-US" sz="1600" dirty="0" smtClean="0"/>
+              <a:t>音频放入其中</a:t>
+            </a:r>
+            <a:endParaRPr kumimoji="1" lang="zh-CN" altLang="en-US" sz="1600" dirty="0" smtClean="0"/>
+          </a:p>
+          <a:p>
+            <a:r>
+              <a:rPr kumimoji="1" lang="en-US" altLang="zh-CN" sz="1600" dirty="0" smtClean="0"/>
+              <a:t>4. </a:t>
+            </a:r>
+            <a:r>
+              <a:rPr kumimoji="1" lang="zh-CN" altLang="en-US" sz="1600" dirty="0" smtClean="0">
+                <a:sym typeface="+mn-ea"/>
+              </a:rPr>
+              <a:t>根据混音音频轨道生成新的</a:t>
+            </a:r>
+            <a:r>
+              <a:rPr kumimoji="1" lang="zh-CN" altLang="en-US" sz="1600" dirty="0" smtClean="0">
+                <a:sym typeface="+mn-ea"/>
+              </a:rPr>
+              <a:t>音频指令，并放入音频合成器的指令集中</a:t>
+            </a:r>
+            <a:endParaRPr kumimoji="1" lang="zh-CN" altLang="en-US" sz="1600" dirty="0" smtClean="0">
+              <a:sym typeface="+mn-ea"/>
+            </a:endParaRPr>
+          </a:p>
+          <a:p>
+            <a:r>
+              <a:rPr kumimoji="1" lang="en-US" altLang="zh-CN" sz="1600" dirty="0" smtClean="0">
+                <a:sym typeface="+mn-ea"/>
+              </a:rPr>
+              <a:t>5. </a:t>
+            </a:r>
+            <a:r>
+              <a:rPr kumimoji="1" lang="zh-CN" altLang="en-US" sz="1600" dirty="0" smtClean="0">
+                <a:sym typeface="+mn-ea"/>
+              </a:rPr>
+              <a:t>导出的时候不要忘记指定音频合成器哦</a:t>
+            </a:r>
+            <a:r>
+              <a:rPr kumimoji="1" lang="en-US" altLang="zh-CN" sz="1600" dirty="0" smtClean="0">
+                <a:sym typeface="+mn-ea"/>
+              </a:rPr>
+              <a:t>~</a:t>
+            </a:r>
+            <a:endParaRPr kumimoji="1" lang="zh-CN" altLang="en-US" sz="1600" dirty="0" smtClean="0"/>
+          </a:p>
+          <a:p>
+            <a:pPr marL="457200" lvl="1" indent="0">
+              <a:buNone/>
+            </a:pPr>
+            <a:endParaRPr kumimoji="1" lang="en-US" altLang="zh-CN" sz="2840" dirty="0" smtClean="0"/>
+          </a:p>
+          <a:p>
+            <a:pPr marL="457200" lvl="1" indent="0">
+              <a:buNone/>
+            </a:pPr>
+            <a:endParaRPr lang="en-US" altLang="zh-CN" sz="2000" dirty="0"/>
+          </a:p>
+          <a:p>
+            <a:endParaRPr kumimoji="1" lang="en-US" altLang="zh-CN" sz="2000" dirty="0"/>
+          </a:p>
+        </p:txBody>
+      </p:sp>
+      <p:sp>
+        <p:nvSpPr>
+          <p:cNvPr id="4" name="文本框 3"/>
+          <p:cNvSpPr txBox="1"/>
+          <p:nvPr/>
+        </p:nvSpPr>
+        <p:spPr>
+          <a:xfrm>
+            <a:off x="1155065" y="2135505"/>
+            <a:ext cx="1325880" cy="368300"/>
+          </a:xfrm>
+          <a:prstGeom prst="rect">
+            <a:avLst/>
+          </a:prstGeom>
+          <a:noFill/>
+        </p:spPr>
+        <p:txBody>
+          <a:bodyPr wrap="none" rtlCol="0">
+            <a:spAutoFit/>
+          </a:bodyPr>
+          <a:p>
+            <a:r>
+              <a:rPr lang="zh-CN" altLang="en-US"/>
+              <a:t>基本步骤：</a:t>
+            </a:r>
+            <a:endParaRPr lang="zh-CN" altLang="en-US"/>
+          </a:p>
+        </p:txBody>
+      </p:sp>
+    </p:spTree>
+  </p:cSld>
+  <p:clrMapOvr>
+    <a:masterClrMapping/>
+  </p:clrMapOvr>
+</p:sld>
+</file>
+
+<file path=ppt/slides/slide14.xml><?xml version="1.0" encoding="utf-8"?>
+<p:sld xmlns:a="http://schemas.openxmlformats.org/drawingml/2006/main" xmlns:r="http://schemas.openxmlformats.org/officeDocument/2006/relationships" xmlns:p="http://schemas.openxmlformats.org/presentationml/2006/main">
+  <p:cSld>
+    <p:spTree>
+      <p:nvGrpSpPr>
+        <p:cNvPr id="1" name=""/>
+        <p:cNvGrpSpPr/>
+        <p:nvPr/>
+      </p:nvGrpSpPr>
+      <p:grpSpPr>
+        <a:xfrm>
+          <a:off x="0" y="0"/>
+          <a:ext cx="0" cy="0"/>
+          <a:chOff x="0" y="0"/>
+          <a:chExt cx="0" cy="0"/>
+        </a:xfrm>
+      </p:grpSpPr>
+      <p:sp>
+        <p:nvSpPr>
+          <p:cNvPr id="2" name="标题 1"/>
+          <p:cNvSpPr>
+            <a:spLocks noGrp="1"/>
+          </p:cNvSpPr>
+          <p:nvPr>
+            <p:ph type="title"/>
+          </p:nvPr>
+        </p:nvSpPr>
+        <p:spPr/>
+        <p:txBody>
+          <a:bodyPr/>
+          <a:lstStyle/>
+          <a:p>
+            <a:r>
+              <a:rPr kumimoji="1" lang="zh-CN" altLang="en-US" dirty="0" smtClean="0"/>
+              <a:t>六</a:t>
+            </a:r>
+            <a:r>
+              <a:rPr kumimoji="1" lang="zh-CN" altLang="en-US" dirty="0" smtClean="0"/>
+              <a:t>、变速</a:t>
+            </a:r>
+            <a:endParaRPr kumimoji="1" lang="zh-CN" altLang="en-US" dirty="0" smtClean="0"/>
+          </a:p>
+        </p:txBody>
+      </p:sp>
+      <p:sp>
+        <p:nvSpPr>
+          <p:cNvPr id="3" name="内容占位符 2"/>
+          <p:cNvSpPr>
+            <a:spLocks noGrp="1"/>
+          </p:cNvSpPr>
+          <p:nvPr>
+            <p:ph idx="1"/>
+          </p:nvPr>
+        </p:nvSpPr>
+        <p:spPr>
+          <a:xfrm>
+            <a:off x="1090930" y="2431415"/>
+            <a:ext cx="10513060" cy="4590415"/>
+          </a:xfrm>
+        </p:spPr>
+        <p:txBody>
+          <a:bodyPr>
+            <a:normAutofit/>
+          </a:bodyPr>
+          <a:lstStyle/>
+          <a:p>
+            <a:r>
+              <a:rPr kumimoji="1" lang="en-US" altLang="zh-CN" sz="1600" dirty="0" smtClean="0"/>
+              <a:t>1.</a:t>
+            </a:r>
+            <a:r>
+              <a:rPr kumimoji="1" lang="zh-CN" altLang="en-US" sz="1600" dirty="0" smtClean="0"/>
               <a:t> </a:t>
             </a:r>
             <a:r>
-              <a:rPr kumimoji="1" lang="en-US" altLang="zh-CN" dirty="0" err="1" smtClean="0"/>
-              <a:t>CMTime</a:t>
-            </a:r>
+              <a:rPr kumimoji="1" lang="zh-CN" altLang="en-US" sz="1600" dirty="0" smtClean="0">
+                <a:sym typeface="+mn-ea"/>
+              </a:rPr>
+              <a:t>将所有视频轨道进行时长缩放</a:t>
+            </a:r>
+            <a:endParaRPr kumimoji="1" lang="zh-CN" altLang="en-US" sz="1600" dirty="0" smtClean="0"/>
+          </a:p>
+          <a:p>
+            <a:pPr marL="0" indent="0">
+              <a:buNone/>
+            </a:pPr>
+            <a:r>
+              <a:rPr kumimoji="1" lang="en-US" altLang="zh-CN" sz="1600" dirty="0" smtClean="0">
+                <a:sym typeface="+mn-ea"/>
+              </a:rPr>
+              <a:t>	</a:t>
+            </a:r>
+            <a:r>
+              <a:rPr kumimoji="1" lang="en-US" altLang="zh-CN" sz="1200" dirty="0" smtClean="0">
+                <a:sym typeface="+mn-ea"/>
+              </a:rPr>
+              <a:t>mutableComposition?.tracks(withMediaType: .video).forEach({ (videoTrack) in</a:t>
+            </a:r>
+            <a:endParaRPr kumimoji="1" lang="en-US" altLang="zh-CN" sz="1200" dirty="0" smtClean="0"/>
+          </a:p>
+          <a:p>
+            <a:pPr marL="0" indent="0">
+              <a:buNone/>
+            </a:pPr>
+            <a:r>
+              <a:rPr kumimoji="1" lang="zh-CN" altLang="en-US" sz="1200" dirty="0" smtClean="0">
+                <a:sym typeface="+mn-ea"/>
+              </a:rPr>
+              <a:t>            videoTrack.scaleTimeRange(videoTrack.timeRange, toDuration: CMTimeMake(value: videoTrack.timeRange.duration.value / scale, timescale: videoTrack.timeRange.duration.timescale))</a:t>
+            </a:r>
+            <a:endParaRPr kumimoji="1" lang="zh-CN" altLang="en-US" sz="1200" dirty="0" smtClean="0"/>
+          </a:p>
+          <a:p>
+            <a:pPr marL="0" indent="0">
+              <a:buNone/>
+            </a:pPr>
+            <a:r>
+              <a:rPr kumimoji="1" lang="zh-CN" altLang="en-US" sz="1200" dirty="0" smtClean="0">
+                <a:sym typeface="+mn-ea"/>
+              </a:rPr>
+              <a:t>        })</a:t>
+            </a:r>
+            <a:endParaRPr kumimoji="1" lang="zh-CN" altLang="en-US" sz="1600" dirty="0" smtClean="0"/>
+          </a:p>
+          <a:p>
+            <a:r>
+              <a:rPr lang="en-US" altLang="zh-CN" sz="1600">
+                <a:sym typeface="+mn-ea"/>
+              </a:rPr>
+              <a:t>2. </a:t>
+            </a:r>
+            <a:r>
+              <a:rPr lang="zh-CN" altLang="en-US" sz="1600">
+                <a:sym typeface="+mn-ea"/>
+              </a:rPr>
+              <a:t>将所有音频轨道进行时长缩放</a:t>
+            </a:r>
+            <a:endParaRPr lang="zh-CN" altLang="en-US" sz="1600"/>
+          </a:p>
+          <a:p>
+            <a:pPr marL="0" indent="0">
+              <a:buNone/>
+            </a:pPr>
+            <a:r>
+              <a:rPr lang="en-US" altLang="zh-CN" sz="1600">
+                <a:solidFill>
+                  <a:schemeClr val="bg1">
+                    <a:lumMod val="50000"/>
+                  </a:schemeClr>
+                </a:solidFill>
+                <a:sym typeface="+mn-ea"/>
+              </a:rPr>
+              <a:t>	</a:t>
+            </a:r>
+            <a:r>
+              <a:rPr lang="en-US" altLang="zh-CN" sz="1200">
+                <a:solidFill>
+                  <a:schemeClr val="tx1">
+                    <a:lumMod val="85000"/>
+                    <a:lumOff val="15000"/>
+                  </a:schemeClr>
+                </a:solidFill>
+                <a:sym typeface="+mn-ea"/>
+              </a:rPr>
+              <a:t>mutableComposition?.tracks(withMediaType: .audio).forEach({ (audioTrack) in</a:t>
+            </a:r>
+            <a:endParaRPr lang="en-US" altLang="zh-CN" sz="1200">
+              <a:solidFill>
+                <a:schemeClr val="tx1">
+                  <a:lumMod val="85000"/>
+                  <a:lumOff val="15000"/>
+                </a:schemeClr>
+              </a:solidFill>
+            </a:endParaRPr>
+          </a:p>
+          <a:p>
+            <a:pPr marL="0" indent="0">
+              <a:buNone/>
+            </a:pPr>
+            <a:r>
+              <a:rPr lang="en-US" altLang="zh-CN" sz="1200">
+                <a:solidFill>
+                  <a:schemeClr val="tx1">
+                    <a:lumMod val="85000"/>
+                    <a:lumOff val="15000"/>
+                  </a:schemeClr>
+                </a:solidFill>
+                <a:sym typeface="+mn-ea"/>
+              </a:rPr>
+              <a:t>           	audioTrack.scaleTimeRange(audioTrack.timeRange, toDuration: CMTimeMake(value: audioTrack.timeRange.duration.value / scale, timescale: audioTrack.timeRange.duration.timescale))</a:t>
+            </a:r>
+            <a:endParaRPr lang="en-US" altLang="zh-CN" sz="1200">
+              <a:solidFill>
+                <a:schemeClr val="tx1">
+                  <a:lumMod val="85000"/>
+                  <a:lumOff val="15000"/>
+                </a:schemeClr>
+              </a:solidFill>
+            </a:endParaRPr>
+          </a:p>
+          <a:p>
+            <a:pPr marL="0" indent="0">
+              <a:buNone/>
+            </a:pPr>
+            <a:r>
+              <a:rPr lang="en-US" altLang="zh-CN" sz="1200">
+                <a:solidFill>
+                  <a:schemeClr val="tx1">
+                    <a:lumMod val="85000"/>
+                    <a:lumOff val="15000"/>
+                  </a:schemeClr>
+                </a:solidFill>
+                <a:sym typeface="+mn-ea"/>
+              </a:rPr>
+              <a:t>      	})</a:t>
+            </a:r>
+            <a:endParaRPr kumimoji="1" lang="zh-CN" altLang="en-US" sz="1200" dirty="0" smtClean="0"/>
+          </a:p>
+          <a:p>
+            <a:pPr marL="0" indent="0">
+              <a:buNone/>
+            </a:pPr>
+            <a:endParaRPr kumimoji="1" lang="en-US" altLang="zh-CN" sz="2840" dirty="0" smtClean="0"/>
+          </a:p>
+          <a:p>
+            <a:pPr marL="457200" lvl="1" indent="0">
+              <a:buNone/>
+            </a:pPr>
+            <a:endParaRPr lang="en-US" altLang="zh-CN" sz="2000" dirty="0"/>
+          </a:p>
+          <a:p>
+            <a:endParaRPr kumimoji="1" lang="en-US" altLang="zh-CN" sz="2000" dirty="0"/>
+          </a:p>
+        </p:txBody>
+      </p:sp>
+      <p:sp>
+        <p:nvSpPr>
+          <p:cNvPr id="4" name="文本框 3"/>
+          <p:cNvSpPr txBox="1"/>
+          <p:nvPr/>
+        </p:nvSpPr>
+        <p:spPr>
+          <a:xfrm>
+            <a:off x="1155065" y="2061210"/>
+            <a:ext cx="1325880" cy="368300"/>
+          </a:xfrm>
+          <a:prstGeom prst="rect">
+            <a:avLst/>
+          </a:prstGeom>
+          <a:noFill/>
+        </p:spPr>
+        <p:txBody>
+          <a:bodyPr wrap="none" rtlCol="0">
+            <a:spAutoFit/>
+          </a:bodyPr>
+          <a:p>
+            <a:r>
+              <a:rPr lang="zh-CN" altLang="en-US"/>
+              <a:t>基本步骤：</a:t>
+            </a:r>
+            <a:endParaRPr lang="zh-CN" altLang="en-US"/>
+          </a:p>
+        </p:txBody>
+      </p:sp>
+    </p:spTree>
+  </p:cSld>
+  <p:clrMapOvr>
+    <a:masterClrMapping/>
+  </p:clrMapOvr>
+</p:sld>
+</file>
+
+<file path=ppt/slides/slide15.xml><?xml version="1.0" encoding="utf-8"?>
+<p:sld xmlns:a="http://schemas.openxmlformats.org/drawingml/2006/main" xmlns:r="http://schemas.openxmlformats.org/officeDocument/2006/relationships" xmlns:p="http://schemas.openxmlformats.org/presentationml/2006/main">
+  <p:cSld>
+    <p:spTree>
+      <p:nvGrpSpPr>
+        <p:cNvPr id="1" name=""/>
+        <p:cNvGrpSpPr/>
+        <p:nvPr/>
+      </p:nvGrpSpPr>
+      <p:grpSpPr>
+        <a:xfrm>
+          <a:off x="0" y="0"/>
+          <a:ext cx="0" cy="0"/>
+          <a:chOff x="0" y="0"/>
+          <a:chExt cx="0" cy="0"/>
+        </a:xfrm>
+      </p:grpSpPr>
+      <p:sp>
+        <p:nvSpPr>
+          <p:cNvPr id="3" name="内容占位符 2"/>
+          <p:cNvSpPr>
+            <a:spLocks noGrp="1"/>
+          </p:cNvSpPr>
+          <p:nvPr>
+            <p:ph idx="4294967295"/>
+          </p:nvPr>
+        </p:nvSpPr>
+        <p:spPr>
+          <a:xfrm>
+            <a:off x="71120" y="859155"/>
+            <a:ext cx="9805035" cy="5753100"/>
+          </a:xfrm>
+        </p:spPr>
+        <p:txBody>
+          <a:bodyPr>
+            <a:normAutofit lnSpcReduction="10000"/>
+          </a:bodyPr>
+          <a:lstStyle/>
+          <a:p>
+            <a:r>
+              <a:rPr lang="en-US" altLang="zh-CN" sz="1600"/>
+              <a:t>3</a:t>
+            </a:r>
+            <a:r>
+              <a:rPr lang="zh-CN" altLang="en-US" sz="1600"/>
+              <a:t>.  </a:t>
+            </a:r>
+            <a:r>
+              <a:rPr kumimoji="1" lang="zh-CN" altLang="en-US" sz="1600" dirty="0" smtClean="0">
+                <a:sym typeface="+mn-ea"/>
+              </a:rPr>
+              <a:t>遍历视频合成器中的指令集，更改每个指令的时长范围。</a:t>
+            </a:r>
+            <a:endParaRPr kumimoji="1" lang="zh-CN" altLang="en-US" sz="1600" dirty="0" smtClean="0"/>
+          </a:p>
+          <a:p>
+            <a:pPr marL="0" indent="0">
+              <a:buNone/>
+            </a:pPr>
+            <a:r>
+              <a:rPr kumimoji="1" lang="en-US" altLang="zh-CN" sz="1600" dirty="0" smtClean="0">
+                <a:sym typeface="+mn-ea"/>
+              </a:rPr>
+              <a:t>	</a:t>
+            </a:r>
+            <a:r>
+              <a:rPr kumimoji="1" lang="en-US" altLang="zh-CN" sz="1200" dirty="0" smtClean="0">
+                <a:sym typeface="+mn-ea"/>
+              </a:rPr>
+              <a:t>var insertPoint: CMTime = .zero</a:t>
+            </a:r>
+            <a:endParaRPr kumimoji="1" lang="en-US" altLang="zh-CN" sz="1200" dirty="0" smtClean="0"/>
+          </a:p>
+          <a:p>
+            <a:pPr marL="0" indent="0">
+              <a:buNone/>
+            </a:pPr>
+            <a:r>
+              <a:rPr kumimoji="1" lang="en-US" altLang="zh-CN" sz="1200" dirty="0" smtClean="0">
+                <a:sym typeface="+mn-ea"/>
+              </a:rPr>
+              <a:t>        for instruction in instructions {</a:t>
+            </a:r>
+            <a:endParaRPr kumimoji="1" lang="en-US" altLang="zh-CN" sz="1200" dirty="0" smtClean="0"/>
+          </a:p>
+          <a:p>
+            <a:pPr marL="0" indent="0">
+              <a:buNone/>
+            </a:pPr>
+            <a:r>
+              <a:rPr kumimoji="1" lang="en-US" altLang="zh-CN" sz="1200" dirty="0" smtClean="0">
+                <a:sym typeface="+mn-ea"/>
+              </a:rPr>
+              <a:t>            let duration = instruction.timeRange.duration</a:t>
+            </a:r>
+            <a:endParaRPr kumimoji="1" lang="en-US" altLang="zh-CN" sz="1200" dirty="0" smtClean="0"/>
+          </a:p>
+          <a:p>
+            <a:pPr marL="0" indent="0">
+              <a:buNone/>
+            </a:pPr>
+            <a:r>
+              <a:rPr kumimoji="1" lang="en-US" altLang="zh-CN" sz="1200" dirty="0" smtClean="0">
+                <a:sym typeface="+mn-ea"/>
+              </a:rPr>
+              <a:t>            instruction.timeRange = CMTimeRangeMake(start: insertPoint, duration: CMTime(value: duration.value / scale, timescale: duration.timescale))</a:t>
+            </a:r>
+            <a:endParaRPr kumimoji="1" lang="en-US" altLang="zh-CN" sz="1200" dirty="0" smtClean="0"/>
+          </a:p>
+          <a:p>
+            <a:pPr marL="0" indent="0">
+              <a:buNone/>
+            </a:pPr>
+            <a:r>
+              <a:rPr kumimoji="1" lang="en-US" altLang="zh-CN" sz="1200" dirty="0" smtClean="0">
+                <a:sym typeface="+mn-ea"/>
+              </a:rPr>
+              <a:t>            insertPoint = CMTimeAdd(instruction.timeRange.start, instruction.timeRange.duration)</a:t>
+            </a:r>
+            <a:endParaRPr kumimoji="1" lang="en-US" altLang="zh-CN" sz="1200" dirty="0" smtClean="0"/>
+          </a:p>
+          <a:p>
+            <a:pPr marL="0" indent="0">
+              <a:buNone/>
+            </a:pPr>
+            <a:r>
+              <a:rPr kumimoji="1" lang="en-US" altLang="zh-CN" sz="1200" dirty="0" smtClean="0">
+                <a:sym typeface="+mn-ea"/>
+              </a:rPr>
+              <a:t>        }</a:t>
+            </a:r>
+            <a:endParaRPr kumimoji="1" lang="en-US" altLang="zh-CN" sz="1600" dirty="0" smtClean="0"/>
+          </a:p>
+          <a:p>
+            <a:r>
+              <a:rPr lang="zh-CN" altLang="en-US" sz="1600"/>
+              <a:t> </a:t>
+            </a:r>
+            <a:r>
+              <a:rPr lang="en-US" altLang="zh-CN" sz="1600"/>
+              <a:t>4. 确保最后一条指令能到视频的最后</a:t>
+            </a:r>
+            <a:endParaRPr lang="en-US" altLang="zh-CN" sz="1600"/>
+          </a:p>
+          <a:p>
+            <a:pPr marL="0" indent="0">
+              <a:buNone/>
+            </a:pPr>
+            <a:r>
+              <a:rPr lang="en-US" altLang="zh-CN" sz="1600"/>
+              <a:t>	</a:t>
+            </a:r>
+            <a:r>
+              <a:rPr lang="en-US" altLang="zh-CN" sz="1200">
+                <a:solidFill>
+                  <a:schemeClr val="tx1">
+                    <a:lumMod val="85000"/>
+                    <a:lumOff val="15000"/>
+                  </a:schemeClr>
+                </a:solidFill>
+              </a:rPr>
+              <a:t>if let lastInstruction = instructions.last {</a:t>
+            </a:r>
+            <a:endParaRPr lang="en-US" altLang="zh-CN" sz="1200">
+              <a:solidFill>
+                <a:schemeClr val="tx1">
+                  <a:lumMod val="85000"/>
+                  <a:lumOff val="15000"/>
+                </a:schemeClr>
+              </a:solidFill>
+            </a:endParaRPr>
+          </a:p>
+          <a:p>
+            <a:pPr marL="0" indent="0">
+              <a:buNone/>
+            </a:pPr>
+            <a:r>
+              <a:rPr lang="en-US" altLang="zh-CN" sz="1200">
+                <a:solidFill>
+                  <a:schemeClr val="tx1">
+                    <a:lumMod val="85000"/>
+                    <a:lumOff val="15000"/>
+                  </a:schemeClr>
+                </a:solidFill>
+              </a:rPr>
+              <a:t>            lastInstruction.timeRange = CMTimeRangeMake(start: lastInstruction.timeRange.start, duration:CMTimeSubtract(totalDuration!, lastInstruction.timeRange.start))</a:t>
+            </a:r>
+            <a:endParaRPr lang="en-US" altLang="zh-CN" sz="1200">
+              <a:solidFill>
+                <a:schemeClr val="tx1">
+                  <a:lumMod val="85000"/>
+                  <a:lumOff val="15000"/>
+                </a:schemeClr>
+              </a:solidFill>
+            </a:endParaRPr>
+          </a:p>
+          <a:p>
+            <a:pPr marL="0" indent="0">
+              <a:buNone/>
+            </a:pPr>
+            <a:r>
+              <a:rPr lang="en-US" altLang="zh-CN" sz="1200">
+                <a:solidFill>
+                  <a:schemeClr val="tx1">
+                    <a:lumMod val="85000"/>
+                    <a:lumOff val="15000"/>
+                  </a:schemeClr>
+                </a:solidFill>
+              </a:rPr>
+              <a:t>        }</a:t>
+            </a:r>
+            <a:endParaRPr lang="en-US" altLang="zh-CN" sz="1600">
+              <a:solidFill>
+                <a:schemeClr val="tx1">
+                  <a:lumMod val="85000"/>
+                  <a:lumOff val="15000"/>
+                </a:schemeClr>
+              </a:solidFill>
+            </a:endParaRPr>
+          </a:p>
+          <a:p>
+            <a:pPr marL="0" indent="0">
+              <a:buNone/>
+            </a:pPr>
+            <a:endParaRPr lang="zh-CN" altLang="en-US" sz="1600"/>
+          </a:p>
+          <a:p>
+            <a:endParaRPr lang="zh-CN" altLang="en-US" sz="1600"/>
+          </a:p>
+          <a:p>
+            <a:pPr marL="0" indent="0">
+              <a:buNone/>
+            </a:pPr>
+            <a:endParaRPr lang="zh-CN" altLang="en-US"/>
+          </a:p>
+          <a:p>
+            <a:pPr marL="0" indent="0">
+              <a:buNone/>
+            </a:pPr>
+            <a:endParaRPr lang="zh-CN" altLang="en-US"/>
+          </a:p>
+          <a:p>
+            <a:endParaRPr lang="zh-CN" altLang="en-US"/>
+          </a:p>
+        </p:txBody>
+      </p:sp>
+    </p:spTree>
+  </p:cSld>
+  <p:clrMapOvr>
+    <a:masterClrMapping/>
+  </p:clrMapOvr>
+</p:sld>
+</file>
+
+<file path=ppt/slides/slide16.xml><?xml version="1.0" encoding="utf-8"?>
+<p:sld xmlns:a="http://schemas.openxmlformats.org/drawingml/2006/main" xmlns:r="http://schemas.openxmlformats.org/officeDocument/2006/relationships" xmlns:p="http://schemas.openxmlformats.org/presentationml/2006/main">
+  <p:cSld>
+    <p:spTree>
+      <p:nvGrpSpPr>
+        <p:cNvPr id="1" name=""/>
+        <p:cNvGrpSpPr/>
+        <p:nvPr/>
+      </p:nvGrpSpPr>
+      <p:grpSpPr>
+        <a:xfrm>
+          <a:off x="0" y="0"/>
+          <a:ext cx="0" cy="0"/>
+          <a:chOff x="0" y="0"/>
+          <a:chExt cx="0" cy="0"/>
+        </a:xfrm>
+      </p:grpSpPr>
+      <p:sp>
+        <p:nvSpPr>
+          <p:cNvPr id="2" name="标题 1"/>
+          <p:cNvSpPr>
+            <a:spLocks noGrp="1"/>
+          </p:cNvSpPr>
+          <p:nvPr>
+            <p:ph type="title"/>
+          </p:nvPr>
+        </p:nvSpPr>
+        <p:spPr/>
+        <p:txBody>
+          <a:bodyPr/>
+          <a:lstStyle/>
+          <a:p>
             <a:r>
               <a:rPr kumimoji="1" lang="zh-CN" altLang="en-US" dirty="0" smtClean="0"/>
-              <a:t>   </a:t>
-            </a:r>
-            <a:endParaRPr kumimoji="1" lang="en-US" altLang="zh-CN" dirty="0" smtClean="0"/>
-          </a:p>
-          <a:p>
-            <a:r>
-              <a:rPr lang="en-US" altLang="zh-CN" b="1" dirty="0" err="1"/>
-              <a:t>func</a:t>
-            </a:r>
-            <a:r>
-              <a:rPr lang="en-US" altLang="zh-CN" dirty="0"/>
+              <a:t>六、拼接</a:t>
+            </a:r>
+            <a:endParaRPr kumimoji="1" lang="zh-CN" altLang="en-US" dirty="0" smtClean="0"/>
+          </a:p>
+        </p:txBody>
+      </p:sp>
+      <p:sp>
+        <p:nvSpPr>
+          <p:cNvPr id="3" name="内容占位符 2"/>
+          <p:cNvSpPr>
+            <a:spLocks noGrp="1"/>
+          </p:cNvSpPr>
+          <p:nvPr>
+            <p:ph idx="1"/>
+          </p:nvPr>
+        </p:nvSpPr>
+        <p:spPr>
+          <a:xfrm>
+            <a:off x="1098550" y="2825750"/>
+            <a:ext cx="10513060" cy="4590415"/>
+          </a:xfrm>
+        </p:spPr>
+        <p:txBody>
+          <a:bodyPr>
+            <a:normAutofit/>
+          </a:bodyPr>
+          <a:lstStyle/>
+          <a:p>
+            <a:r>
+              <a:rPr kumimoji="1" lang="en-US" altLang="zh-CN" sz="1600" dirty="0" smtClean="0"/>
+              <a:t>1.</a:t>
+            </a:r>
+            <a:r>
+              <a:rPr kumimoji="1" lang="zh-CN" altLang="en-US" sz="1600" dirty="0" smtClean="0"/>
               <a:t> </a:t>
             </a:r>
             <a:r>
-              <a:rPr lang="en-US" altLang="zh-CN" dirty="0" err="1"/>
-              <a:t>CMTimeMake</a:t>
-            </a:r>
-            <a:r>
-              <a:rPr lang="en-US" altLang="zh-CN" dirty="0"/>
-              <a:t>(value: Int64, timescale: Int32) -&gt; </a:t>
-            </a:r>
-            <a:r>
-              <a:rPr lang="en-US" altLang="zh-CN" dirty="0" err="1"/>
-              <a:t>CMTime</a:t>
-            </a:r>
-            <a:endParaRPr lang="en-US" altLang="zh-CN" dirty="0"/>
-          </a:p>
-          <a:p>
-            <a:r>
-              <a:rPr lang="en-US" altLang="zh-CN" b="1" dirty="0" err="1"/>
-              <a:t>func</a:t>
-            </a:r>
-            <a:r>
-              <a:rPr lang="en-US" altLang="zh-CN" dirty="0"/>
-              <a:t> </a:t>
-            </a:r>
-            <a:r>
-              <a:rPr lang="en-US" altLang="zh-CN" dirty="0" err="1"/>
-              <a:t>CMTimeGetSeconds</a:t>
-            </a:r>
-            <a:r>
-              <a:rPr lang="en-US" altLang="zh-CN" dirty="0"/>
-              <a:t>(</a:t>
-            </a:r>
-            <a:r>
-              <a:rPr lang="en-US" altLang="zh-CN" b="1" dirty="0"/>
-              <a:t>_</a:t>
-            </a:r>
-            <a:r>
-              <a:rPr lang="en-US" altLang="zh-CN" dirty="0"/>
-              <a:t> time: </a:t>
-            </a:r>
-            <a:r>
-              <a:rPr lang="en-US" altLang="zh-CN" dirty="0" err="1"/>
-              <a:t>CMTime</a:t>
-            </a:r>
-            <a:r>
-              <a:rPr lang="en-US" altLang="zh-CN" dirty="0"/>
-              <a:t>) -&gt; Float64</a:t>
-            </a:r>
-          </a:p>
-          <a:p>
-            <a:endParaRPr kumimoji="1" lang="zh-CN" altLang="en-US" dirty="0"/>
+              <a:rPr kumimoji="1" lang="zh-CN" altLang="en-US" sz="1600" dirty="0" smtClean="0">
+                <a:sym typeface="+mn-ea"/>
+              </a:rPr>
+              <a:t>添加新的视频轨道并设置时长范围</a:t>
+            </a:r>
+            <a:endParaRPr kumimoji="1" lang="zh-CN" altLang="en-US" sz="1600" dirty="0" smtClean="0"/>
+          </a:p>
+          <a:p>
+            <a:r>
+              <a:rPr lang="en-US" altLang="zh-CN" sz="1600">
+                <a:sym typeface="+mn-ea"/>
+              </a:rPr>
+              <a:t>2. </a:t>
+            </a:r>
+            <a:r>
+              <a:rPr lang="zh-CN" altLang="en-US" sz="1600">
+                <a:sym typeface="+mn-ea"/>
+              </a:rPr>
+              <a:t>给视频画面合成器添加新的指令（时长、渲染尺寸）</a:t>
+            </a:r>
+            <a:endParaRPr lang="zh-CN" altLang="en-US" sz="1600">
+              <a:sym typeface="+mn-ea"/>
+            </a:endParaRPr>
+          </a:p>
+          <a:p>
+            <a:r>
+              <a:rPr lang="en-US" altLang="zh-CN" sz="1600">
+                <a:sym typeface="+mn-ea"/>
+              </a:rPr>
+              <a:t>3. </a:t>
+            </a:r>
+            <a:r>
+              <a:rPr lang="zh-CN" altLang="en-US" sz="1600">
+                <a:sym typeface="+mn-ea"/>
+              </a:rPr>
+              <a:t>添加新的音频轨道并设置时长范围</a:t>
+            </a:r>
+            <a:endParaRPr lang="zh-CN" altLang="en-US" sz="1600"/>
+          </a:p>
+          <a:p>
+            <a:pPr marL="0" indent="0">
+              <a:buNone/>
+            </a:pPr>
+            <a:endParaRPr kumimoji="1" lang="zh-CN" altLang="en-US" sz="1200" dirty="0" smtClean="0"/>
+          </a:p>
+          <a:p>
+            <a:pPr marL="0" indent="0">
+              <a:buNone/>
+            </a:pPr>
+            <a:endParaRPr kumimoji="1" lang="en-US" altLang="zh-CN" sz="2840" dirty="0" smtClean="0"/>
+          </a:p>
+          <a:p>
+            <a:pPr marL="457200" lvl="1" indent="0">
+              <a:buNone/>
+            </a:pPr>
+            <a:endParaRPr lang="en-US" altLang="zh-CN" sz="2000" dirty="0"/>
+          </a:p>
+          <a:p>
+            <a:endParaRPr kumimoji="1" lang="en-US" altLang="zh-CN" sz="2000" dirty="0"/>
+          </a:p>
+        </p:txBody>
+      </p:sp>
+      <p:sp>
+        <p:nvSpPr>
+          <p:cNvPr id="4" name="文本框 3"/>
+          <p:cNvSpPr txBox="1"/>
+          <p:nvPr/>
+        </p:nvSpPr>
+        <p:spPr>
+          <a:xfrm>
+            <a:off x="1155065" y="2260600"/>
+            <a:ext cx="1325880" cy="368300"/>
+          </a:xfrm>
+          <a:prstGeom prst="rect">
+            <a:avLst/>
+          </a:prstGeom>
+          <a:noFill/>
+        </p:spPr>
+        <p:txBody>
+          <a:bodyPr wrap="none" rtlCol="0">
+            <a:spAutoFit/>
+          </a:bodyPr>
+          <a:p>
+            <a:r>
+              <a:rPr lang="zh-CN" altLang="en-US"/>
+              <a:t>基本步骤：</a:t>
+            </a:r>
+            <a:endParaRPr lang="zh-CN" altLang="en-US"/>
+          </a:p>
+        </p:txBody>
+      </p:sp>
+    </p:spTree>
+  </p:cSld>
+  <p:clrMapOvr>
+    <a:masterClrMapping/>
+  </p:clrMapOvr>
+</p:sld>
+</file>
+
+<file path=ppt/slides/slide17.xml><?xml version="1.0" encoding="utf-8"?>
+<p:sld xmlns:a="http://schemas.openxmlformats.org/drawingml/2006/main" xmlns:r="http://schemas.openxmlformats.org/officeDocument/2006/relationships" xmlns:p="http://schemas.openxmlformats.org/presentationml/2006/main">
+  <p:cSld>
+    <p:spTree>
+      <p:nvGrpSpPr>
+        <p:cNvPr id="1" name=""/>
+        <p:cNvGrpSpPr/>
+        <p:nvPr/>
+      </p:nvGrpSpPr>
+      <p:grpSpPr>
+        <a:xfrm>
+          <a:off x="0" y="0"/>
+          <a:ext cx="0" cy="0"/>
+          <a:chOff x="0" y="0"/>
+          <a:chExt cx="0" cy="0"/>
+        </a:xfrm>
+      </p:grpSpPr>
+      <p:sp>
+        <p:nvSpPr>
+          <p:cNvPr id="2" name="标题 1"/>
+          <p:cNvSpPr>
+            <a:spLocks noGrp="1"/>
+          </p:cNvSpPr>
+          <p:nvPr>
+            <p:ph type="title"/>
+          </p:nvPr>
+        </p:nvSpPr>
+        <p:spPr/>
+        <p:txBody>
+          <a:bodyPr/>
+          <a:lstStyle/>
+          <a:p>
+            <a:r>
+              <a:rPr kumimoji="1" lang="zh-CN" altLang="en-US" dirty="0" smtClean="0"/>
+              <a:t>七、视频输出</a:t>
+            </a:r>
+            <a:endParaRPr kumimoji="1" lang="zh-CN" altLang="en-US" dirty="0" smtClean="0"/>
+          </a:p>
+        </p:txBody>
+      </p:sp>
+      <p:sp>
+        <p:nvSpPr>
+          <p:cNvPr id="3" name="内容占位符 2"/>
+          <p:cNvSpPr>
+            <a:spLocks noGrp="1"/>
+          </p:cNvSpPr>
+          <p:nvPr>
+            <p:ph idx="1"/>
+          </p:nvPr>
+        </p:nvSpPr>
+        <p:spPr>
+          <a:xfrm>
+            <a:off x="1098550" y="2825750"/>
+            <a:ext cx="10513060" cy="3820795"/>
+          </a:xfrm>
+        </p:spPr>
+        <p:txBody>
+          <a:bodyPr>
+            <a:normAutofit/>
+          </a:bodyPr>
+          <a:lstStyle/>
+          <a:p>
+            <a:r>
+              <a:rPr kumimoji="1" lang="en-US" altLang="zh-CN" sz="1600" dirty="0" smtClean="0"/>
+              <a:t>1.</a:t>
+            </a:r>
+            <a:r>
+              <a:rPr kumimoji="1" lang="zh-CN" altLang="en-US" sz="1600" dirty="0" smtClean="0"/>
+              <a:t> 根据音视频组合对象生成导出对象AVAssetExportSession</a:t>
+            </a:r>
+            <a:endParaRPr kumimoji="1" lang="zh-CN" altLang="en-US" sz="1600" dirty="0" smtClean="0"/>
+          </a:p>
+          <a:p>
+            <a:pPr marL="0" indent="0">
+              <a:buNone/>
+            </a:pPr>
+            <a:r>
+              <a:rPr kumimoji="1" lang="en-US" altLang="zh-CN" sz="1600" dirty="0" smtClean="0"/>
+              <a:t>	</a:t>
+            </a:r>
+            <a:r>
+              <a:rPr kumimoji="1" lang="en-US" altLang="zh-CN" sz="1200" dirty="0" smtClean="0"/>
+              <a:t>let exportSession = AVAssetExportSession(asset: mutableComposition!, presetName: AVAssetExportPresetHighestQuality)</a:t>
+            </a:r>
+            <a:endParaRPr kumimoji="1" lang="en-US" altLang="zh-CN" sz="1600" dirty="0" smtClean="0"/>
+          </a:p>
+          <a:p>
+            <a:r>
+              <a:rPr lang="en-US" altLang="zh-CN" sz="1600">
+                <a:sym typeface="+mn-ea"/>
+              </a:rPr>
+              <a:t>2. </a:t>
+            </a:r>
+            <a:r>
+              <a:rPr lang="zh-CN" altLang="en-US" sz="1600">
+                <a:sym typeface="+mn-ea"/>
+              </a:rPr>
+              <a:t>设置视频画面合成器</a:t>
+            </a:r>
+            <a:endParaRPr lang="zh-CN" altLang="en-US" sz="1600">
+              <a:sym typeface="+mn-ea"/>
+            </a:endParaRPr>
+          </a:p>
+          <a:p>
+            <a:pPr marL="0" indent="0">
+              <a:buNone/>
+            </a:pPr>
+            <a:r>
+              <a:rPr lang="en-US" altLang="zh-CN" sz="1600">
+                <a:sym typeface="+mn-ea"/>
+              </a:rPr>
+              <a:t>	</a:t>
+            </a:r>
+            <a:r>
+              <a:rPr lang="en-US" altLang="zh-CN" sz="1200">
+                <a:sym typeface="+mn-ea"/>
+              </a:rPr>
+              <a:t>exportSession?.videoComposition = mutableVideoComposition</a:t>
+            </a:r>
+            <a:endParaRPr lang="en-US" altLang="zh-CN" sz="1600">
+              <a:sym typeface="+mn-ea"/>
+            </a:endParaRPr>
+          </a:p>
+          <a:p>
+            <a:r>
+              <a:rPr lang="en-US" altLang="zh-CN" sz="1600">
+                <a:sym typeface="+mn-ea"/>
+              </a:rPr>
+              <a:t>3. </a:t>
+            </a:r>
+            <a:r>
+              <a:rPr lang="zh-CN" altLang="en-US" sz="1600">
+                <a:sym typeface="+mn-ea"/>
+              </a:rPr>
+              <a:t>设置音频合成器（一般做混音时才用到</a:t>
+            </a:r>
+            <a:r>
+              <a:rPr lang="zh-CN" altLang="en-US" sz="1600">
+                <a:sym typeface="+mn-ea"/>
+              </a:rPr>
+              <a:t>）</a:t>
+            </a:r>
+            <a:endParaRPr lang="zh-CN" altLang="en-US" sz="1600">
+              <a:sym typeface="+mn-ea"/>
+            </a:endParaRPr>
+          </a:p>
+          <a:p>
+            <a:pPr marL="0" indent="0">
+              <a:buNone/>
+            </a:pPr>
+            <a:r>
+              <a:rPr lang="en-US" altLang="zh-CN" sz="1600">
+                <a:sym typeface="+mn-ea"/>
+              </a:rPr>
+              <a:t>	</a:t>
+            </a:r>
+            <a:r>
+              <a:rPr lang="en-US" altLang="zh-CN" sz="1200">
+                <a:sym typeface="+mn-ea"/>
+              </a:rPr>
+              <a:t>exportSession?.audioMix = mutableAudioMix</a:t>
+            </a:r>
+            <a:endParaRPr lang="en-US" altLang="zh-CN" sz="1200">
+              <a:sym typeface="+mn-ea"/>
+            </a:endParaRPr>
+          </a:p>
+          <a:p>
+            <a:r>
+              <a:rPr lang="en-US" altLang="zh-CN" sz="1600"/>
+              <a:t>4. </a:t>
+            </a:r>
+            <a:r>
+              <a:rPr lang="zh-CN" altLang="en-US" sz="1600"/>
+              <a:t>设置时长</a:t>
+            </a:r>
+            <a:endParaRPr lang="zh-CN" altLang="en-US" sz="1600"/>
+          </a:p>
+          <a:p>
+            <a:pPr marL="0" indent="0">
+              <a:buNone/>
+            </a:pPr>
+            <a:r>
+              <a:rPr lang="en-US" altLang="zh-CN" sz="1600"/>
+              <a:t>	</a:t>
+            </a:r>
+            <a:r>
+              <a:rPr lang="en-US" altLang="zh-CN" sz="1200"/>
+              <a:t>exportSession?.timeRange = CMTimeRangeMake(start: .zero, duration: totalDuration!)</a:t>
+            </a:r>
+            <a:endParaRPr lang="en-US" altLang="zh-CN" sz="1600"/>
+          </a:p>
+          <a:p>
+            <a:r>
+              <a:rPr lang="en-US" altLang="zh-CN" sz="1600"/>
+              <a:t>5. </a:t>
+            </a:r>
+            <a:r>
+              <a:rPr lang="zh-CN" altLang="en-US" sz="1600"/>
+              <a:t>设置输出路径</a:t>
+            </a:r>
+            <a:endParaRPr lang="zh-CN" altLang="en-US" sz="1600"/>
+          </a:p>
+          <a:p>
+            <a:pPr marL="0" indent="0">
+              <a:buNone/>
+            </a:pPr>
+            <a:r>
+              <a:rPr lang="en-US" altLang="zh-CN" sz="1600"/>
+              <a:t>	</a:t>
+            </a:r>
+            <a:r>
+              <a:rPr lang="en-US" altLang="zh-CN" sz="1200"/>
+              <a:t>exportSession?.outputURL = URL(fileURLWithPath: filePath)</a:t>
+            </a:r>
+            <a:endParaRPr lang="zh-CN" altLang="en-US" sz="1600"/>
+          </a:p>
+          <a:p>
+            <a:pPr marL="0" indent="0">
+              <a:buNone/>
+            </a:pPr>
+            <a:endParaRPr kumimoji="1" lang="zh-CN" altLang="en-US" sz="1200" dirty="0" smtClean="0"/>
+          </a:p>
+          <a:p>
+            <a:pPr marL="0" indent="0">
+              <a:buNone/>
+            </a:pPr>
+            <a:endParaRPr kumimoji="1" lang="en-US" altLang="zh-CN" sz="2840" dirty="0" smtClean="0"/>
+          </a:p>
+          <a:p>
+            <a:pPr marL="457200" lvl="1" indent="0">
+              <a:buNone/>
+            </a:pPr>
+            <a:endParaRPr lang="en-US" altLang="zh-CN" sz="2000" dirty="0"/>
+          </a:p>
+          <a:p>
+            <a:endParaRPr kumimoji="1" lang="en-US" altLang="zh-CN" sz="2000" dirty="0"/>
+          </a:p>
+        </p:txBody>
+      </p:sp>
+      <p:sp>
+        <p:nvSpPr>
+          <p:cNvPr id="4" name="文本框 3"/>
+          <p:cNvSpPr txBox="1"/>
+          <p:nvPr/>
+        </p:nvSpPr>
+        <p:spPr>
+          <a:xfrm>
+            <a:off x="1155065" y="2260600"/>
+            <a:ext cx="1325880" cy="368300"/>
+          </a:xfrm>
+          <a:prstGeom prst="rect">
+            <a:avLst/>
+          </a:prstGeom>
+          <a:noFill/>
+        </p:spPr>
+        <p:txBody>
+          <a:bodyPr wrap="none" rtlCol="0">
+            <a:spAutoFit/>
+          </a:bodyPr>
+          <a:p>
+            <a:r>
+              <a:rPr lang="zh-CN" altLang="en-US"/>
+              <a:t>基本步骤：</a:t>
+            </a:r>
+            <a:endParaRPr lang="zh-CN" altLang="en-US"/>
+          </a:p>
+        </p:txBody>
+      </p:sp>
+    </p:spTree>
+  </p:cSld>
+  <p:clrMapOvr>
+    <a:masterClrMapping/>
+  </p:clrMapOvr>
+</p:sld>
+</file>
+
+<file path=ppt/slides/slide18.xml><?xml version="1.0" encoding="utf-8"?>
+<p:sld xmlns:a="http://schemas.openxmlformats.org/drawingml/2006/main" xmlns:r="http://schemas.openxmlformats.org/officeDocument/2006/relationships" xmlns:p="http://schemas.openxmlformats.org/presentationml/2006/main">
+  <p:cSld>
+    <p:spTree>
+      <p:nvGrpSpPr>
+        <p:cNvPr id="1" name=""/>
+        <p:cNvGrpSpPr/>
+        <p:nvPr/>
+      </p:nvGrpSpPr>
+      <p:grpSpPr>
+        <a:xfrm>
+          <a:off x="0" y="0"/>
+          <a:ext cx="0" cy="0"/>
+          <a:chOff x="0" y="0"/>
+          <a:chExt cx="0" cy="0"/>
+        </a:xfrm>
+      </p:grpSpPr>
+      <p:sp>
+        <p:nvSpPr>
+          <p:cNvPr id="2" name="标题 1"/>
+          <p:cNvSpPr>
+            <a:spLocks noGrp="1"/>
+          </p:cNvSpPr>
+          <p:nvPr>
+            <p:ph type="title"/>
+          </p:nvPr>
+        </p:nvSpPr>
+        <p:spPr/>
+        <p:txBody>
+          <a:bodyPr/>
+          <a:lstStyle/>
+          <a:p>
+            <a:r>
+              <a:rPr kumimoji="1" lang="zh-CN" altLang="en-US" dirty="0" smtClean="0"/>
+              <a:t>七、视频输出</a:t>
+            </a:r>
+            <a:endParaRPr kumimoji="1" lang="zh-CN" altLang="en-US" dirty="0" smtClean="0"/>
+          </a:p>
+        </p:txBody>
+      </p:sp>
+      <p:sp>
+        <p:nvSpPr>
+          <p:cNvPr id="3" name="内容占位符 2"/>
+          <p:cNvSpPr>
+            <a:spLocks noGrp="1"/>
+          </p:cNvSpPr>
+          <p:nvPr>
+            <p:ph idx="1"/>
+          </p:nvPr>
+        </p:nvSpPr>
+        <p:spPr>
+          <a:xfrm>
+            <a:off x="1082675" y="2286000"/>
+            <a:ext cx="10513060" cy="4942205"/>
+          </a:xfrm>
+        </p:spPr>
+        <p:txBody>
+          <a:bodyPr>
+            <a:normAutofit/>
+          </a:bodyPr>
+          <a:lstStyle/>
+          <a:p>
+            <a:r>
+              <a:rPr kumimoji="1" lang="en-US" altLang="zh-CN" sz="1600" dirty="0" smtClean="0"/>
+              <a:t>6.</a:t>
+            </a:r>
+            <a:r>
+              <a:rPr kumimoji="1" lang="zh-CN" altLang="en-US" sz="1600" dirty="0" smtClean="0"/>
+              <a:t> 设置输出格式</a:t>
+            </a:r>
+            <a:endParaRPr kumimoji="1" lang="zh-CN" altLang="en-US" sz="1600" dirty="0" smtClean="0"/>
+          </a:p>
+          <a:p>
+            <a:pPr marL="0" indent="0">
+              <a:buNone/>
+            </a:pPr>
+            <a:r>
+              <a:rPr kumimoji="1" lang="en-US" altLang="zh-CN" sz="1600" dirty="0" smtClean="0"/>
+              <a:t>	</a:t>
+            </a:r>
+            <a:r>
+              <a:rPr kumimoji="1" lang="en-US" altLang="zh-CN" sz="1200" dirty="0" smtClean="0"/>
+              <a:t>exportSession?.outputFileType = .mp4</a:t>
+            </a:r>
+            <a:endParaRPr lang="en-US" altLang="zh-CN" sz="2000">
+              <a:sym typeface="+mn-ea"/>
+            </a:endParaRPr>
+          </a:p>
+          <a:p>
+            <a:r>
+              <a:rPr lang="en-US" altLang="zh-CN">
+                <a:sym typeface="+mn-ea"/>
+              </a:rPr>
+              <a:t>7. </a:t>
+            </a:r>
+            <a:r>
+              <a:rPr lang="zh-CN" altLang="en-US">
+                <a:sym typeface="+mn-ea"/>
+              </a:rPr>
+              <a:t>异步导出</a:t>
+            </a:r>
+            <a:endParaRPr lang="zh-CN" altLang="en-US" sz="1400">
+              <a:sym typeface="+mn-ea"/>
+            </a:endParaRPr>
+          </a:p>
+          <a:p>
+            <a:pPr marL="0" indent="0">
+              <a:buNone/>
+            </a:pPr>
+            <a:r>
+              <a:rPr lang="en-US" altLang="zh-CN" sz="2000">
+                <a:sym typeface="+mn-ea"/>
+              </a:rPr>
+              <a:t>	</a:t>
+            </a:r>
+            <a:r>
+              <a:rPr lang="en-US" altLang="zh-CN" sz="1200">
+                <a:sym typeface="+mn-ea"/>
+              </a:rPr>
+              <a:t>exportSession?.exportAsynchronously(completionHandler: {</a:t>
+            </a:r>
+            <a:endParaRPr lang="en-US" altLang="zh-CN" sz="1200">
+              <a:sym typeface="+mn-ea"/>
+            </a:endParaRPr>
+          </a:p>
+          <a:p>
+            <a:pPr marL="0" indent="0">
+              <a:buNone/>
+            </a:pPr>
+            <a:r>
+              <a:rPr lang="en-US" altLang="zh-CN" sz="1200">
+                <a:sym typeface="+mn-ea"/>
+              </a:rPr>
+              <a:t>             DispatchQueue.main.async {</a:t>
+            </a:r>
+            <a:endParaRPr lang="en-US" altLang="zh-CN" sz="1200">
+              <a:sym typeface="+mn-ea"/>
+            </a:endParaRPr>
+          </a:p>
+          <a:p>
+            <a:pPr marL="0" indent="0">
+              <a:buNone/>
+            </a:pPr>
+            <a:r>
+              <a:rPr lang="en-US" altLang="zh-CN" sz="1200">
+                <a:sym typeface="+mn-ea"/>
+              </a:rPr>
+              <a:t>                switch exportSession?.status {</a:t>
+            </a:r>
+            <a:endParaRPr lang="en-US" altLang="zh-CN" sz="1200">
+              <a:sym typeface="+mn-ea"/>
+            </a:endParaRPr>
+          </a:p>
+          <a:p>
+            <a:pPr marL="0" indent="0">
+              <a:buNone/>
+            </a:pPr>
+            <a:r>
+              <a:rPr lang="en-US" altLang="zh-CN" sz="1200">
+                <a:sym typeface="+mn-ea"/>
+              </a:rPr>
+              <a:t>                case .completed:</a:t>
+            </a:r>
+            <a:endParaRPr lang="en-US" altLang="zh-CN" sz="1200">
+              <a:sym typeface="+mn-ea"/>
+            </a:endParaRPr>
+          </a:p>
+          <a:p>
+            <a:pPr marL="0" indent="0">
+              <a:buNone/>
+            </a:pPr>
+            <a:r>
+              <a:rPr lang="en-US" altLang="zh-CN" sz="1200">
+                <a:sym typeface="+mn-ea"/>
+              </a:rPr>
+              <a:t>                   // do something ...</a:t>
+            </a:r>
+            <a:endParaRPr lang="en-US" altLang="zh-CN" sz="1200">
+              <a:sym typeface="+mn-ea"/>
+            </a:endParaRPr>
+          </a:p>
+          <a:p>
+            <a:pPr marL="0" indent="0">
+              <a:buNone/>
+            </a:pPr>
+            <a:r>
+              <a:rPr lang="en-US" altLang="zh-CN" sz="1200">
+                <a:sym typeface="+mn-ea"/>
+              </a:rPr>
+              <a:t>                default:</a:t>
+            </a:r>
+            <a:endParaRPr lang="en-US" altLang="zh-CN" sz="1200">
+              <a:sym typeface="+mn-ea"/>
+            </a:endParaRPr>
+          </a:p>
+          <a:p>
+            <a:pPr marL="0" indent="0">
+              <a:buNone/>
+            </a:pPr>
+            <a:r>
+              <a:rPr lang="en-US" altLang="zh-CN" sz="1200">
+                <a:sym typeface="+mn-ea"/>
+              </a:rPr>
+              <a:t>                    break</a:t>
+            </a:r>
+            <a:endParaRPr lang="en-US" altLang="zh-CN" sz="1200">
+              <a:sym typeface="+mn-ea"/>
+            </a:endParaRPr>
+          </a:p>
+          <a:p>
+            <a:pPr marL="0" indent="0">
+              <a:buNone/>
+            </a:pPr>
+            <a:r>
+              <a:rPr lang="en-US" altLang="zh-CN" sz="1200">
+                <a:sym typeface="+mn-ea"/>
+              </a:rPr>
+              <a:t>                }</a:t>
+            </a:r>
+            <a:endParaRPr lang="en-US" altLang="zh-CN" sz="1200">
+              <a:sym typeface="+mn-ea"/>
+            </a:endParaRPr>
+          </a:p>
+          <a:p>
+            <a:pPr marL="0" indent="0">
+              <a:buNone/>
+            </a:pPr>
+            <a:r>
+              <a:rPr lang="en-US" altLang="zh-CN" sz="1200">
+                <a:sym typeface="+mn-ea"/>
+              </a:rPr>
+              <a:t>            }</a:t>
+            </a:r>
+            <a:endParaRPr lang="en-US" altLang="zh-CN" sz="1200">
+              <a:sym typeface="+mn-ea"/>
+            </a:endParaRPr>
+          </a:p>
+          <a:p>
+            <a:pPr marL="0" indent="0">
+              <a:buNone/>
+            </a:pPr>
+            <a:r>
+              <a:rPr lang="en-US" altLang="zh-CN" sz="1200">
+                <a:sym typeface="+mn-ea"/>
+              </a:rPr>
+              <a:t>        })</a:t>
+            </a:r>
+            <a:endParaRPr lang="en-US" altLang="zh-CN" sz="700">
+              <a:sym typeface="+mn-ea"/>
+            </a:endParaRPr>
+          </a:p>
+          <a:p>
+            <a:pPr marL="0" indent="0">
+              <a:buNone/>
+            </a:pPr>
+            <a:endParaRPr lang="zh-CN" altLang="en-US" sz="1600"/>
+          </a:p>
+          <a:p>
+            <a:pPr marL="0" indent="0">
+              <a:buNone/>
+            </a:pPr>
+            <a:endParaRPr kumimoji="1" lang="zh-CN" altLang="en-US" sz="1200" dirty="0" smtClean="0"/>
+          </a:p>
+          <a:p>
+            <a:pPr marL="0" indent="0">
+              <a:buNone/>
+            </a:pPr>
+            <a:endParaRPr kumimoji="1" lang="en-US" altLang="zh-CN" sz="2840" dirty="0" smtClean="0"/>
+          </a:p>
+          <a:p>
+            <a:pPr marL="457200" lvl="1" indent="0">
+              <a:buNone/>
+            </a:pPr>
+            <a:endParaRPr lang="en-US" altLang="zh-CN" sz="2000" dirty="0"/>
+          </a:p>
+          <a:p>
+            <a:endParaRPr kumimoji="1" lang="en-US" altLang="zh-CN" sz="2000" dirty="0"/>
+          </a:p>
+        </p:txBody>
+      </p:sp>
+    </p:spTree>
+  </p:cSld>
+  <p:clrMapOvr>
+    <a:masterClrMapping/>
+  </p:clrMapOvr>
+</p:sld>
+</file>
+
+<file path=ppt/slides/slide19.xml><?xml version="1.0" encoding="utf-8"?>
+<p:sld xmlns:a="http://schemas.openxmlformats.org/drawingml/2006/main" xmlns:r="http://schemas.openxmlformats.org/officeDocument/2006/relationships" xmlns:p="http://schemas.openxmlformats.org/presentationml/2006/main">
+  <p:cSld>
+    <p:spTree>
+      <p:nvGrpSpPr>
+        <p:cNvPr id="1" name=""/>
+        <p:cNvGrpSpPr/>
+        <p:nvPr/>
+      </p:nvGrpSpPr>
+      <p:grpSpPr>
+        <a:xfrm>
+          <a:off x="0" y="0"/>
+          <a:ext cx="0" cy="0"/>
+          <a:chOff x="0" y="0"/>
+          <a:chExt cx="0" cy="0"/>
+        </a:xfrm>
+      </p:grpSpPr>
+      <p:sp>
+        <p:nvSpPr>
+          <p:cNvPr id="3" name="内容占位符 2"/>
+          <p:cNvSpPr>
+            <a:spLocks noGrp="1"/>
+          </p:cNvSpPr>
+          <p:nvPr>
+            <p:ph idx="1"/>
+          </p:nvPr>
+        </p:nvSpPr>
+        <p:spPr>
+          <a:xfrm>
+            <a:off x="1090930" y="2431415"/>
+            <a:ext cx="10513060" cy="4023360"/>
+          </a:xfrm>
+        </p:spPr>
+        <p:txBody>
+          <a:bodyPr>
+            <a:normAutofit/>
+          </a:bodyPr>
+          <a:lstStyle/>
+          <a:p>
+            <a:r>
+              <a:rPr kumimoji="1" lang="zh-CN" altLang="en-US" sz="1600" dirty="0" smtClean="0"/>
+              <a:t>参考资料：</a:t>
+            </a:r>
+            <a:endParaRPr kumimoji="1" lang="zh-CN" altLang="en-US" sz="1600" dirty="0" smtClean="0"/>
+          </a:p>
+          <a:p>
+            <a:pPr marL="0" indent="0">
+              <a:buNone/>
+            </a:pPr>
+            <a:r>
+              <a:rPr kumimoji="1" lang="en-US" altLang="zh-CN" sz="1600" dirty="0" smtClean="0"/>
+              <a:t>	</a:t>
+            </a:r>
+            <a:r>
+              <a:rPr kumimoji="1" lang="en-US" altLang="zh-CN" sz="1400" dirty="0" smtClean="0">
+                <a:sym typeface="+mn-ea"/>
+              </a:rPr>
+              <a:t>1.https://baike.baidu.com/item/%E7%9F%A9%E9%98%B5%E4%B9%98%E6%B3%95</a:t>
+            </a:r>
+            <a:endParaRPr kumimoji="1" lang="en-US" altLang="zh-CN" sz="1400" dirty="0" smtClean="0"/>
+          </a:p>
+          <a:p>
+            <a:pPr marL="0" indent="0">
+              <a:buNone/>
+            </a:pPr>
+            <a:r>
+              <a:rPr kumimoji="1" lang="en-US" altLang="zh-CN" sz="1400" dirty="0" smtClean="0">
+                <a:sym typeface="+mn-ea"/>
+              </a:rPr>
+              <a:t>	2.https://blog.csdn.net/likendsl/article/details/7595611</a:t>
+            </a:r>
+            <a:endParaRPr kumimoji="1" lang="en-US" altLang="zh-CN" sz="1400" dirty="0" smtClean="0"/>
+          </a:p>
+          <a:p>
+            <a:pPr marL="0" indent="0">
+              <a:buNone/>
+            </a:pPr>
+            <a:r>
+              <a:rPr kumimoji="1" lang="en-US" altLang="zh-CN" sz="1400" dirty="0" smtClean="0">
+                <a:sym typeface="+mn-ea"/>
+              </a:rPr>
+              <a:t>	3.http://www.cocoachina.com/articles/12021</a:t>
+            </a:r>
+            <a:endParaRPr kumimoji="1" lang="en-US" altLang="zh-CN" sz="1400" dirty="0" smtClean="0"/>
+          </a:p>
+          <a:p>
+            <a:pPr marL="0" indent="0">
+              <a:buNone/>
+            </a:pPr>
+            <a:r>
+              <a:rPr kumimoji="1" lang="en-US" altLang="zh-CN" sz="1400" dirty="0" smtClean="0">
+                <a:sym typeface="+mn-ea"/>
+              </a:rPr>
+              <a:t>	4.https://stackoverflow.com/questions/5427656/ios-uiimagepickercontroller-result-image-orientation-after-upload/10611036#10611036</a:t>
+            </a:r>
+            <a:endParaRPr kumimoji="1" lang="en-US" altLang="zh-CN" sz="1400" dirty="0" smtClean="0">
+              <a:sym typeface="+mn-ea"/>
+            </a:endParaRPr>
+          </a:p>
+          <a:p>
+            <a:pPr marL="0" indent="0">
+              <a:buNone/>
+            </a:pPr>
+            <a:r>
+              <a:rPr kumimoji="1" lang="en-US" altLang="zh-CN" sz="1400" dirty="0" smtClean="0">
+                <a:sym typeface="+mn-ea"/>
+              </a:rPr>
+              <a:t>	5.https://developer.apple.com/library/archive/samplecode/AVSimpleEditoriOS/Introduction/Intro.html#//apple_ref/doc/uid/DTS40012797-Intro-DontLinkElementID_2</a:t>
+            </a:r>
+            <a:endParaRPr kumimoji="1" lang="en-US" altLang="zh-CN" sz="1400" dirty="0" smtClean="0">
+              <a:sym typeface="+mn-ea"/>
+            </a:endParaRPr>
+          </a:p>
+          <a:p>
+            <a:pPr marL="0" indent="0">
+              <a:buNone/>
+            </a:pPr>
+            <a:endParaRPr kumimoji="1" lang="en-US" altLang="zh-CN" sz="1400" dirty="0" smtClean="0">
+              <a:sym typeface="+mn-ea"/>
+            </a:endParaRPr>
+          </a:p>
+          <a:p>
+            <a:r>
+              <a:rPr kumimoji="1" lang="en-US" altLang="zh-CN" sz="1600" dirty="0" smtClean="0"/>
+              <a:t>Demo</a:t>
+            </a:r>
+            <a:r>
+              <a:rPr kumimoji="1" lang="zh-CN" altLang="en-US" sz="1600" dirty="0" smtClean="0"/>
+              <a:t>地址：</a:t>
+            </a:r>
+            <a:endParaRPr kumimoji="1" lang="zh-CN" altLang="en-US" sz="1600" dirty="0" smtClean="0"/>
+          </a:p>
+          <a:p>
+            <a:pPr marL="0" indent="0">
+              <a:buNone/>
+            </a:pPr>
+            <a:r>
+              <a:rPr kumimoji="1" lang="en-US" altLang="zh-CN" sz="2840" dirty="0" smtClean="0"/>
+              <a:t>	</a:t>
+            </a:r>
+            <a:r>
+              <a:rPr kumimoji="1" lang="en-US" altLang="zh-CN" sz="1600" dirty="0" smtClean="0"/>
+              <a:t>https://github.com/benben2019/BBVideoBox</a:t>
+            </a:r>
+            <a:endParaRPr kumimoji="1" lang="en-US" altLang="zh-CN" sz="1600" dirty="0" smtClean="0"/>
+          </a:p>
+          <a:p>
+            <a:pPr marL="0" indent="0">
+              <a:buNone/>
+            </a:pPr>
+            <a:endParaRPr kumimoji="1" lang="en-US" altLang="zh-CN" sz="1400" dirty="0" smtClean="0"/>
+          </a:p>
+          <a:p>
+            <a:pPr marL="0" indent="0">
+              <a:buNone/>
+            </a:pPr>
+            <a:endParaRPr lang="en-US" altLang="zh-CN" sz="2000" dirty="0"/>
+          </a:p>
+          <a:p>
+            <a:endParaRPr kumimoji="1" lang="en-US" altLang="zh-CN" sz="2000" dirty="0"/>
           </a:p>
         </p:txBody>
       </p:sp>
@@ -13939,6 +16295,7 @@
               <a:rPr kumimoji="1" lang="zh-CN" altLang="en-US" dirty="0" err="1" smtClean="0"/>
               <a:t>的初步认识</a:t>
             </a:r>
+            <a:endParaRPr kumimoji="1" lang="zh-CN" altLang="en-US" dirty="0" err="1" smtClean="0"/>
           </a:p>
         </p:txBody>
       </p:sp>
@@ -13978,6 +16335,7 @@
               <a:rPr kumimoji="1" lang="en-US" altLang="zh-CN" sz="1600" dirty="0" smtClean="0"/>
               <a:t>The AVFoundation framework combines four major technology areas that together encompass a wide range of tasks for capturing, processing, synthesizing, controlling, importing and exporting audiovisual media on Apple platforms.</a:t>
             </a:r>
+            <a:endParaRPr kumimoji="1" lang="en-US" altLang="zh-CN" sz="1600" dirty="0" smtClean="0"/>
           </a:p>
           <a:p>
             <a:pPr marL="0" indent="0">
@@ -13993,6 +16351,67 @@
               <a:rPr kumimoji="1" lang="zh-CN" altLang="en-US" dirty="0"/>
               <a:t>AVFoundation框架结合了四个主要技术领域，这些领域共同涵盖了在Apple平台上捕获，处理，合成，控制，导入和导出视听媒体的广泛任务。</a:t>
             </a:r>
+            <a:endParaRPr kumimoji="1" lang="zh-CN" altLang="en-US" dirty="0"/>
+          </a:p>
+        </p:txBody>
+      </p:sp>
+    </p:spTree>
+  </p:cSld>
+  <p:clrMapOvr>
+    <a:masterClrMapping/>
+  </p:clrMapOvr>
+</p:sld>
+</file>
+
+<file path=ppt/slides/slide20.xml><?xml version="1.0" encoding="utf-8"?>
+<p:sld xmlns:a="http://schemas.openxmlformats.org/drawingml/2006/main" xmlns:r="http://schemas.openxmlformats.org/officeDocument/2006/relationships" xmlns:p="http://schemas.openxmlformats.org/presentationml/2006/main">
+  <p:cSld>
+    <p:spTree>
+      <p:nvGrpSpPr>
+        <p:cNvPr id="1" name=""/>
+        <p:cNvGrpSpPr/>
+        <p:nvPr/>
+      </p:nvGrpSpPr>
+      <p:grpSpPr>
+        <a:xfrm>
+          <a:off x="0" y="0"/>
+          <a:ext cx="0" cy="0"/>
+          <a:chOff x="0" y="0"/>
+          <a:chExt cx="0" cy="0"/>
+        </a:xfrm>
+      </p:grpSpPr>
+      <p:sp>
+        <p:nvSpPr>
+          <p:cNvPr id="4" name="文本框 3"/>
+          <p:cNvSpPr txBox="1"/>
+          <p:nvPr/>
+        </p:nvSpPr>
+        <p:spPr>
+          <a:xfrm>
+            <a:off x="4544060" y="3868420"/>
+            <a:ext cx="3103880" cy="706755"/>
+          </a:xfrm>
+          <a:prstGeom prst="rect">
+            <a:avLst/>
+          </a:prstGeom>
+          <a:noFill/>
+        </p:spPr>
+        <p:txBody>
+          <a:bodyPr wrap="none" rtlCol="0">
+            <a:spAutoFit/>
+          </a:bodyPr>
+          <a:p>
+            <a:r>
+              <a:rPr lang="zh-CN" altLang="en-US" sz="4000">
+                <a:latin typeface="圆体-简" panose="02010600040101010101" charset="-122"/>
+                <a:ea typeface="圆体-简" panose="02010600040101010101" charset="-122"/>
+              </a:rPr>
+              <a:t>谢 谢 观 赏！</a:t>
+            </a:r>
+            <a:endParaRPr lang="zh-CN" altLang="en-US" sz="4000">
+              <a:latin typeface="圆体-简" panose="02010600040101010101" charset="-122"/>
+              <a:ea typeface="圆体-简" panose="02010600040101010101" charset="-122"/>
+            </a:endParaRPr>
           </a:p>
         </p:txBody>
       </p:sp>
@@ -14040,6 +16459,7 @@
               <a:rPr lang="zh-CN" altLang="en-US"/>
               <a:t>本次分享的内容</a:t>
             </a:r>
+            <a:endParaRPr lang="zh-CN" altLang="en-US"/>
           </a:p>
         </p:txBody>
       </p:sp>
@@ -14067,48 +16487,58 @@
               <a:rPr lang="zh-CN" altLang="en-US" dirty="0"/>
               <a:t>时长裁剪</a:t>
             </a:r>
+            <a:endParaRPr lang="zh-CN" altLang="en-US" dirty="0"/>
           </a:p>
           <a:p>
             <a:r>
               <a:rPr lang="zh-CN" altLang="en-US" dirty="0"/>
               <a:t>旋转</a:t>
             </a:r>
+            <a:endParaRPr lang="zh-CN" altLang="en-US" dirty="0"/>
           </a:p>
           <a:p>
             <a:r>
               <a:rPr lang="zh-CN" altLang="en-US" dirty="0"/>
               <a:t>添加水印</a:t>
             </a:r>
+            <a:endParaRPr lang="zh-CN" altLang="en-US" dirty="0"/>
           </a:p>
           <a:p>
             <a:r>
               <a:rPr lang="zh-CN" altLang="en-US" dirty="0"/>
               <a:t>更换视频声音</a:t>
             </a:r>
+            <a:endParaRPr lang="zh-CN" altLang="en-US" dirty="0"/>
           </a:p>
           <a:p>
             <a:r>
               <a:rPr lang="zh-CN" altLang="en-US" dirty="0"/>
               <a:t>混音</a:t>
             </a:r>
-          </a:p>
-          <a:p>
-            <a:r>
-              <a:rPr lang="zh-CN" altLang="en-US" dirty="0"/>
-              <a:t>音视频拼接</a:t>
-            </a:r>
+            <a:endParaRPr lang="zh-CN" altLang="en-US" dirty="0"/>
           </a:p>
           <a:p>
             <a:r>
               <a:rPr lang="zh-CN" altLang="en-US" dirty="0"/>
               <a:t>变速</a:t>
             </a:r>
+            <a:endParaRPr lang="zh-CN" altLang="en-US" dirty="0"/>
+          </a:p>
+          <a:p>
+            <a:r>
+              <a:rPr lang="zh-CN" altLang="en-US" dirty="0">
+                <a:sym typeface="+mn-ea"/>
+              </a:rPr>
+              <a:t>拼接</a:t>
+            </a:r>
+            <a:endParaRPr lang="zh-CN" altLang="en-US" dirty="0"/>
           </a:p>
           <a:p>
             <a:r>
               <a:rPr lang="zh-CN" altLang="en-US" dirty="0"/>
               <a:t>组合操作</a:t>
             </a:r>
+            <a:endParaRPr lang="zh-CN" altLang="en-US" dirty="0"/>
           </a:p>
         </p:txBody>
       </p:sp>
@@ -14245,6 +16675,7 @@
               <a:rPr kumimoji="1" lang="zh-CN" altLang="en-US" dirty="0"/>
               <a:t>、AVMutableComposition  （音视频组合对象）</a:t>
             </a:r>
+            <a:endParaRPr kumimoji="1" lang="zh-CN" altLang="en-US" dirty="0"/>
           </a:p>
           <a:p>
             <a:r>
@@ -14255,6 +16686,7 @@
               <a:rPr kumimoji="1" lang="zh-CN" altLang="en-US" dirty="0"/>
               <a:t>、AVMutableCompositionTrack（音频轨道或视频轨道）</a:t>
             </a:r>
+            <a:endParaRPr kumimoji="1" lang="zh-CN" altLang="en-US" dirty="0"/>
           </a:p>
           <a:p>
             <a:r>
@@ -14265,14 +16697,20 @@
             </a:r>
             <a:r>
               <a:rPr kumimoji="1" lang="zh-CN" altLang="en-US" dirty="0"/>
-              <a:t>AVMutableVideoComposition （视频组合指令对象）</a:t>
-            </a:r>
+              <a:t>AVMutableVideoComposition （视频画面合成器</a:t>
+            </a:r>
+            <a:r>
+              <a:rPr kumimoji="1" lang="zh-CN" altLang="en-US" dirty="0"/>
+              <a:t>）</a:t>
+            </a:r>
+            <a:endParaRPr kumimoji="1" lang="zh-CN" altLang="en-US" dirty="0"/>
           </a:p>
           <a:p>
             <a:r>
               <a:rPr kumimoji="1" lang="zh-CN" altLang="en-US" dirty="0"/>
               <a:t>AVVideoCompositionInstruction、AVMutableVideoCompositionInstruction （视频指令）</a:t>
             </a:r>
+            <a:endParaRPr kumimoji="1" lang="zh-CN" altLang="en-US" dirty="0"/>
           </a:p>
           <a:p>
             <a:r>
@@ -14283,6 +16721,29 @@
               <a:rPr kumimoji="1" lang="zh-CN" altLang="en-US" dirty="0"/>
               <a:t>、AVMutableVideoCompositionLayerInstruction （视频指令）</a:t>
             </a:r>
+            <a:endParaRPr kumimoji="1" lang="zh-CN" altLang="en-US" dirty="0"/>
+          </a:p>
+          <a:p>
+            <a:r>
+              <a:rPr kumimoji="1" lang="zh-CN" altLang="en-US" dirty="0"/>
+              <a:t>AVMutableAudioMix （音频合成器</a:t>
+            </a:r>
+            <a:r>
+              <a:rPr kumimoji="1" lang="zh-CN" altLang="en-US" dirty="0"/>
+              <a:t>）</a:t>
+            </a:r>
+            <a:endParaRPr kumimoji="1" lang="zh-CN" altLang="en-US" dirty="0"/>
+          </a:p>
+          <a:p>
+            <a:r>
+              <a:rPr kumimoji="1" lang="zh-CN" altLang="en-US" dirty="0"/>
+              <a:t>AVMutableAudioMixInputParameters （音频指令</a:t>
+            </a:r>
+            <a:r>
+              <a:rPr kumimoji="1" lang="zh-CN" altLang="en-US" dirty="0"/>
+              <a:t>）</a:t>
+            </a:r>
+            <a:endParaRPr kumimoji="1" lang="zh-CN" altLang="en-US" dirty="0"/>
           </a:p>
         </p:txBody>
       </p:sp>
@@ -14295,7 +16756,7 @@
 </file>
 
 <file path=ppt/slides/slide5.xml><?xml version="1.0" encoding="utf-8"?>
-<p:sld xmlns:a="http://schemas.openxmlformats.org/drawingml/2006/main" xmlns:r="http://schemas.openxmlformats.org/officeDocument/2006/relationships" xmlns:p="http://schemas.openxmlformats.org/presentationml/2006/main">
+<p:sld xmlns:a="http://schemas.openxmlformats.org/drawingml/2006/main" xmlns:r="http://schemas.openxmlformats.org/officeDocument/2006/relationships" xmlns:p="http://schemas.openxmlformats.org/presentationml/2006/main" showMasterSp="0">
   <p:cSld>
     <p:spTree>
       <p:nvGrpSpPr>
@@ -14341,6 +16802,11 @@
               </a:rPr>
               <a:t>AVComposition</a:t>
             </a:r>
+            <a:endParaRPr lang="en-US" altLang="zh-CN" sz="2400">
+              <a:solidFill>
+                <a:schemeClr val="bg1"/>
+              </a:solidFill>
+            </a:endParaRPr>
           </a:p>
         </p:txBody>
       </p:sp>
@@ -14487,6 +16953,11 @@
                   </a:rPr>
                   <a:t>AVCompositionTrackSegment</a:t>
                 </a:r>
+                <a:endParaRPr lang="en-US" altLang="zh-CN" sz="1200">
+                  <a:solidFill>
+                    <a:schemeClr val="bg1"/>
+                  </a:solidFill>
+                </a:endParaRPr>
               </a:p>
             </p:txBody>
           </p:sp>
@@ -14522,6 +16993,11 @@
                   </a:rPr>
                   <a:t>AVCompositionTrackSegment</a:t>
                 </a:r>
+                <a:endParaRPr lang="en-US" altLang="zh-CN" sz="1200">
+                  <a:solidFill>
+                    <a:schemeClr val="bg1"/>
+                  </a:solidFill>
+                </a:endParaRPr>
               </a:p>
             </p:txBody>
           </p:sp>
@@ -14555,6 +17031,11 @@
                   </a:rPr>
                   <a:t>AVCompositionTrack</a:t>
                 </a:r>
+                <a:endParaRPr lang="en-US" altLang="zh-CN">
+                  <a:solidFill>
+                    <a:schemeClr val="bg1"/>
+                  </a:solidFill>
+                </a:endParaRPr>
               </a:p>
             </p:txBody>
           </p:sp>
@@ -14648,6 +17129,11 @@
                   </a:rPr>
                   <a:t>AVCompositionTrackSegment</a:t>
                 </a:r>
+                <a:endParaRPr lang="en-US" altLang="zh-CN" sz="1200">
+                  <a:solidFill>
+                    <a:schemeClr val="bg1"/>
+                  </a:solidFill>
+                </a:endParaRPr>
               </a:p>
             </p:txBody>
           </p:sp>
@@ -14681,6 +17167,11 @@
                   </a:rPr>
                   <a:t>AVCompositionTrack</a:t>
                 </a:r>
+                <a:endParaRPr lang="en-US" altLang="zh-CN">
+                  <a:solidFill>
+                    <a:schemeClr val="bg1"/>
+                  </a:solidFill>
+                </a:endParaRPr>
               </a:p>
             </p:txBody>
           </p:sp>
@@ -14769,6 +17260,11 @@
                   </a:rPr>
                   <a:t>AVCompositionTrack</a:t>
                 </a:r>
+                <a:endParaRPr lang="en-US" altLang="zh-CN">
+                  <a:solidFill>
+                    <a:schemeClr val="bg1"/>
+                  </a:solidFill>
+                </a:endParaRPr>
               </a:p>
             </p:txBody>
           </p:sp>
@@ -14804,6 +17300,11 @@
                   </a:rPr>
                   <a:t>AVCompositionTrackSegment</a:t>
                 </a:r>
+                <a:endParaRPr lang="en-US" altLang="zh-CN" sz="1200">
+                  <a:solidFill>
+                    <a:schemeClr val="bg1"/>
+                  </a:solidFill>
+                </a:endParaRPr>
               </a:p>
             </p:txBody>
           </p:sp>
@@ -14879,6 +17380,11 @@
                   </a:rPr>
                   <a:t>AVCompositionTrackSegment</a:t>
                 </a:r>
+                <a:endParaRPr lang="en-US" altLang="zh-CN" sz="1200">
+                  <a:solidFill>
+                    <a:schemeClr val="bg1"/>
+                  </a:solidFill>
+                </a:endParaRPr>
               </a:p>
             </p:txBody>
           </p:sp>
@@ -14967,6 +17473,11 @@
                   </a:rPr>
                   <a:t>AVCompositionTrack</a:t>
                 </a:r>
+                <a:endParaRPr lang="en-US" altLang="zh-CN">
+                  <a:solidFill>
+                    <a:schemeClr val="bg1"/>
+                  </a:solidFill>
+                </a:endParaRPr>
               </a:p>
             </p:txBody>
           </p:sp>
@@ -15002,6 +17513,11 @@
                   </a:rPr>
                   <a:t>AVCompositionTrackSegment</a:t>
                 </a:r>
+                <a:endParaRPr lang="en-US" altLang="zh-CN" sz="1200">
+                  <a:solidFill>
+                    <a:schemeClr val="bg1"/>
+                  </a:solidFill>
+                </a:endParaRPr>
               </a:p>
             </p:txBody>
           </p:sp>
@@ -15036,6 +17552,11 @@
                 </a:rPr>
                 <a:t>AVComposition</a:t>
               </a:r>
+              <a:endParaRPr lang="en-US" altLang="zh-CN" sz="2400">
+                <a:solidFill>
+                  <a:schemeClr val="bg1"/>
+                </a:solidFill>
+              </a:endParaRPr>
             </a:p>
           </p:txBody>
         </p:sp>
@@ -15057,6 +17578,9 @@
           <a:solidFill>
             <a:srgbClr val="00B0F0"/>
           </a:solidFill>
+          <a:ln>
+            <a:noFill/>
+          </a:ln>
         </p:spPr>
         <p:style>
           <a:lnRef idx="2">
@@ -15097,6 +17621,9 @@
           <a:prstGeom prst="roundRect">
             <a:avLst/>
           </a:prstGeom>
+          <a:ln>
+            <a:noFill/>
+          </a:ln>
         </p:spPr>
         <p:style>
           <a:lnRef idx="2">
@@ -15149,6 +17676,7 @@
               <a:rPr lang="zh-CN" altLang="en-US"/>
               <a:t>视频轨道</a:t>
             </a:r>
+            <a:endParaRPr lang="zh-CN" altLang="en-US"/>
           </a:p>
         </p:txBody>
       </p:sp>
@@ -15178,6 +17706,36 @@
               <a:rPr lang="zh-CN" altLang="en-US"/>
               <a:t>音频轨道</a:t>
             </a:r>
+            <a:endParaRPr lang="zh-CN" altLang="en-US"/>
+          </a:p>
+        </p:txBody>
+      </p:sp>
+      <p:sp>
+        <p:nvSpPr>
+          <p:cNvPr id="2" name="文本框 1"/>
+          <p:cNvSpPr txBox="1"/>
+          <p:nvPr/>
+        </p:nvSpPr>
+        <p:spPr>
+          <a:xfrm>
+            <a:off x="1277620" y="118110"/>
+            <a:ext cx="2240280" cy="368300"/>
+          </a:xfrm>
+          <a:prstGeom prst="rect">
+            <a:avLst/>
+          </a:prstGeom>
+          <a:noFill/>
+        </p:spPr>
+        <p:txBody>
+          <a:bodyPr wrap="none" rtlCol="0">
+            <a:spAutoFit/>
+          </a:bodyPr>
+          <a:p>
+            <a:r>
+              <a:rPr lang="zh-CN" altLang="en-US"/>
+              <a:t>一段视频的初步认识</a:t>
+            </a:r>
+            <a:endParaRPr lang="zh-CN" altLang="en-US"/>
           </a:p>
         </p:txBody>
       </p:sp>
@@ -15225,6 +17783,7 @@
               <a:rPr lang="zh-CN" altLang="en-US"/>
               <a:t>一、时长裁剪</a:t>
             </a:r>
+            <a:endParaRPr lang="zh-CN" altLang="en-US"/>
           </a:p>
         </p:txBody>
       </p:sp>
@@ -15261,6 +17820,7 @@
               <a:rPr lang="en-US" altLang="zh-CN"/>
               <a:t>init(value: CMTimeValue, timescale: CMTimeScale)</a:t>
             </a:r>
+            <a:endParaRPr lang="en-US" altLang="zh-CN"/>
           </a:p>
           <a:p>
             <a:r>
@@ -15274,12 +17834,14 @@
               <a:rPr lang="zh-CN" altLang="en-US"/>
               <a:t>CMTimeMake(value: Int64, timescale: Int32) -&gt; CMTime</a:t>
             </a:r>
+            <a:endParaRPr lang="zh-CN" altLang="en-US"/>
           </a:p>
           <a:p>
             <a:r>
               <a:rPr lang="zh-CN" altLang="en-US"/>
               <a:t>CMTimeMakeWithSeconds(_ seconds: Float64, preferredTimescale: Int32) -&gt; CMTime</a:t>
             </a:r>
+            <a:endParaRPr lang="zh-CN" altLang="en-US"/>
           </a:p>
           <a:p>
             <a:pPr marL="0" indent="0">
@@ -15303,6 +17865,7 @@
               <a:rPr lang="zh-CN" altLang="en-US"/>
               <a:t>：</a:t>
             </a:r>
+            <a:endParaRPr lang="zh-CN" altLang="en-US"/>
           </a:p>
           <a:p>
             <a:pPr marL="0" indent="0">
@@ -15312,6 +17875,7 @@
               <a:rPr lang="zh-CN" altLang="en-US" sz="1400"/>
               <a:t> CMTimeMake(value: 1, timescale: 1) </a:t>
             </a:r>
+            <a:endParaRPr lang="zh-CN" altLang="en-US" sz="1400"/>
           </a:p>
           <a:p>
             <a:pPr marL="0" indent="0">
@@ -15321,6 +17885,7 @@
               <a:rPr lang="zh-CN" altLang="en-US" sz="1400"/>
               <a:t> CMTimeMake(value: 600, timescale: 600)</a:t>
             </a:r>
+            <a:endParaRPr lang="zh-CN" altLang="en-US" sz="1400"/>
           </a:p>
           <a:p>
             <a:pPr marL="0" indent="0">
@@ -15370,6 +17935,7 @@
               <a:rPr lang="zh-CN" altLang="en-US"/>
               <a:t>相关类和方法：</a:t>
             </a:r>
+            <a:endParaRPr lang="zh-CN" altLang="en-US"/>
           </a:p>
         </p:txBody>
       </p:sp>
@@ -15424,6 +17990,7 @@
               <a:rPr lang="en-US" altLang="zh-CN" sz="1600"/>
               <a:t>CMTimeAdd(_ lhs: CMTime, _ rhs: CMTime) -&gt; CMTime</a:t>
             </a:r>
+            <a:endParaRPr lang="en-US" altLang="zh-CN" sz="1600"/>
           </a:p>
           <a:p>
             <a:pPr marL="0" indent="0">
@@ -15439,6 +18006,13 @@
               </a:rPr>
               <a:t>	let time1 = CMTimeMake(value: 1, timescale: 1)</a:t>
             </a:r>
+            <a:endParaRPr lang="en-US" altLang="zh-CN" sz="1200">
+              <a:solidFill>
+                <a:schemeClr val="bg1">
+                  <a:lumMod val="50000"/>
+                </a:schemeClr>
+              </a:solidFill>
+            </a:endParaRPr>
           </a:p>
           <a:p>
             <a:pPr marL="0" indent="0">
@@ -15454,6 +18028,13 @@
               </a:rPr>
               <a:t>         let time2 = CMTimeMake(value: 600, timescale: 600)</a:t>
             </a:r>
+            <a:endParaRPr lang="en-US" altLang="zh-CN" sz="1200">
+              <a:solidFill>
+                <a:schemeClr val="bg1">
+                  <a:lumMod val="50000"/>
+                </a:schemeClr>
+              </a:solidFill>
+            </a:endParaRPr>
           </a:p>
           <a:p>
             <a:pPr marL="0" indent="0">
@@ -15495,6 +18076,7 @@
               <a:rPr lang="en-US" altLang="zh-CN" sz="1600"/>
               <a:t>CMTimeSubtract(_ lhs: CMTime, _ rhs: CMTime) -&gt; CMTime</a:t>
             </a:r>
+            <a:endParaRPr lang="en-US" altLang="zh-CN" sz="1600"/>
           </a:p>
           <a:p>
             <a:pPr marL="0" indent="0">
@@ -15584,12 +18166,14 @@
               <a:rPr lang="en-US" altLang="zh-CN" sz="1600"/>
               <a:t>CMTimeMultiply(_ time: CMTime, multiplier: Int32) -&gt; CMTime</a:t>
             </a:r>
+            <a:endParaRPr lang="en-US" altLang="zh-CN" sz="1600"/>
           </a:p>
           <a:p>
             <a:r>
               <a:rPr lang="zh-CN" altLang="en-US" sz="1600"/>
               <a:t>CMTimeCompare(_ time1: CMTime, _ time2: CMTime) -&gt; Int32</a:t>
             </a:r>
+            <a:endParaRPr lang="zh-CN" altLang="en-US" sz="1600"/>
           </a:p>
           <a:p>
             <a:pPr marL="0" indent="0">
@@ -15682,18 +18266,21 @@
               <a:rPr lang="zh-CN" altLang="en-US" sz="1600"/>
               <a:t>CMTimeMinimum(_ time1: CMTime, _ time2: CMTime) -&gt; CMTime</a:t>
             </a:r>
+            <a:endParaRPr lang="zh-CN" altLang="en-US" sz="1600"/>
           </a:p>
           <a:p>
             <a:r>
               <a:rPr lang="zh-CN" altLang="en-US" sz="1600"/>
               <a:t>CMTimeMaximum(_ time1: CMTime, _ time2: CMTime) -&gt; CMTime</a:t>
             </a:r>
+            <a:endParaRPr lang="zh-CN" altLang="en-US" sz="1600"/>
           </a:p>
           <a:p>
             <a:r>
               <a:rPr lang="zh-CN" altLang="en-US" sz="1600"/>
               <a:t>CMTimeRangeMake(start: CMTime, duration: CMTime) -&gt; CMTimeRange</a:t>
             </a:r>
+            <a:endParaRPr lang="zh-CN" altLang="en-US" sz="1600"/>
           </a:p>
           <a:p>
             <a:pPr marL="0" indent="0">
@@ -15814,6 +18401,7 @@
               <a:rPr kumimoji="1" lang="zh-CN" altLang="en-US" dirty="0"/>
               <a:t>矩阵变换</a:t>
             </a:r>
+            <a:endParaRPr kumimoji="1" lang="zh-CN" altLang="en-US" dirty="0"/>
           </a:p>
           <a:p>
             <a:pPr marL="0" indent="0">
@@ -15823,6 +18411,7 @@
               <a:rPr kumimoji="1" lang="zh-CN" altLang="en-US" dirty="0"/>
               <a:t>原理：</a:t>
             </a:r>
+            <a:endParaRPr kumimoji="1" lang="zh-CN" altLang="en-US" dirty="0"/>
           </a:p>
           <a:p>
             <a:pPr marL="0" indent="0">
@@ -15882,6 +18471,7 @@
               <a:rPr kumimoji="1" lang="en-US" altLang="zh-CN" dirty="0"/>
               <a:t>|c  d   0| = [aX+cY+tx, bX+dY+ty, 1]</a:t>
             </a:r>
+            <a:endParaRPr kumimoji="1" lang="en-US" altLang="zh-CN" dirty="0"/>
           </a:p>
           <a:p>
             <a:pPr marL="0" indent="0">
@@ -15903,6 +18493,7 @@
               <a:rPr kumimoji="1" lang="en-US" altLang="zh-CN" dirty="0"/>
               <a:t>|tx  ty  1|</a:t>
             </a:r>
+            <a:endParaRPr kumimoji="1" lang="en-US" altLang="zh-CN" dirty="0"/>
           </a:p>
           <a:p>
             <a:pPr marL="0" indent="0">
@@ -15916,6 +18507,7 @@
               <a:rPr kumimoji="1" lang="en-US" altLang="zh-CN" sz="1600" dirty="0"/>
               <a:t>(aX+cY+tx, bX+dY+ty, 1)</a:t>
             </a:r>
+            <a:endParaRPr kumimoji="1" lang="en-US" altLang="zh-CN" sz="1600" dirty="0"/>
           </a:p>
           <a:p>
             <a:pPr marL="0" indent="0">
@@ -16063,6 +18655,11 @@
               </a:rPr>
               <a:t>共同作用旋转。</a:t>
             </a:r>
+            <a:endParaRPr kumimoji="1" lang="zh-CN" altLang="en-US" sz="1600" dirty="0">
+              <a:solidFill>
+                <a:schemeClr val="accent2"/>
+              </a:solidFill>
+            </a:endParaRPr>
           </a:p>
         </p:txBody>
       </p:sp>
@@ -17213,7 +19810,7 @@
         <p:spPr>
           <a:xfrm>
             <a:off x="500061" y="85717"/>
-            <a:ext cx="2651688" cy="369332"/>
+            <a:ext cx="4648200" cy="368300"/>
           </a:xfrm>
           <a:prstGeom prst="rect">
             <a:avLst/>
@@ -17228,13 +19825,17 @@
           <a:p>
             <a:r>
               <a:rPr kumimoji="1" lang="zh-CN" altLang="en-US" dirty="0" smtClean="0"/>
-              <a:t>将屏幕顺时针旋转 </a:t>
+              <a:t>前置知识点：如何将图片顺时针旋转 </a:t>
             </a:r>
             <a:r>
               <a:rPr kumimoji="1" lang="en-US" altLang="zh-CN" dirty="0" smtClean="0"/>
               <a:t>90°</a:t>
             </a:r>
-            <a:endParaRPr kumimoji="1" lang="zh-CN" altLang="en-US" dirty="0"/>
+            <a:r>
+              <a:rPr kumimoji="1" lang="zh-CN" altLang="en-US" dirty="0" smtClean="0"/>
+              <a:t>？</a:t>
+            </a:r>
+            <a:endParaRPr kumimoji="1" lang="zh-CN" altLang="en-US" dirty="0" smtClean="0"/>
           </a:p>
         </p:txBody>
       </p:sp>
@@ -17404,117 +20005,201 @@
           </p:sp>
         </p:grpSp>
       </p:grpSp>
-      <p:sp>
-        <p:nvSpPr>
-          <p:cNvPr id="60" name="文本框 59"/>
-          <p:cNvSpPr txBox="1"/>
+      <p:grpSp>
+        <p:nvGrpSpPr>
+          <p:cNvPr id="4" name="组合 3"/>
+          <p:cNvGrpSpPr/>
           <p:nvPr/>
-        </p:nvSpPr>
-        <p:spPr>
+        </p:nvGrpSpPr>
+        <p:grpSpPr>
           <a:xfrm>
-            <a:off x="900113" y="5457825"/>
-            <a:ext cx="6207148" cy="369332"/>
+            <a:off x="554355" y="5199380"/>
+            <a:ext cx="6054090" cy="1072515"/>
+            <a:chOff x="873" y="8008"/>
+            <a:chExt cx="9534" cy="1689"/>
           </a:xfrm>
-          <a:prstGeom prst="rect">
-            <a:avLst/>
-          </a:prstGeom>
-          <a:noFill/>
-        </p:spPr>
-        <p:txBody>
-          <a:bodyPr wrap="none" rtlCol="0">
-            <a:spAutoFit/>
-          </a:bodyPr>
-          <a:lstStyle/>
-          <a:p>
-            <a:r>
-              <a:rPr lang="en-US" altLang="zh-CN" dirty="0"/>
-              <a:t>t1 = </a:t>
-            </a:r>
-            <a:r>
-              <a:rPr lang="en-US" altLang="zh-CN" dirty="0" err="1"/>
-              <a:t>CGAffineTransform</a:t>
-            </a:r>
-            <a:r>
-              <a:rPr lang="en-US" altLang="zh-CN" dirty="0"/>
-              <a:t>(</a:t>
-            </a:r>
-            <a:r>
-              <a:rPr lang="en-US" altLang="zh-CN" dirty="0" err="1"/>
-              <a:t>translationX</a:t>
-            </a:r>
-            <a:r>
-              <a:rPr lang="en-US" altLang="zh-CN" dirty="0"/>
-              <a:t>: </a:t>
-            </a:r>
-            <a:r>
-              <a:rPr lang="en-US" altLang="zh-CN" dirty="0" err="1"/>
-              <a:t>originHeight</a:t>
-            </a:r>
-            <a:r>
-              <a:rPr lang="en-US" altLang="zh-CN" dirty="0"/>
-              <a:t>, y: 0</a:t>
-            </a:r>
-            <a:r>
-              <a:rPr lang="en-US" altLang="zh-CN" dirty="0" smtClean="0"/>
-              <a:t>)</a:t>
-            </a:r>
-            <a:endParaRPr lang="en-US" altLang="zh-CN" dirty="0"/>
-          </a:p>
-        </p:txBody>
-      </p:sp>
-      <p:sp>
-        <p:nvSpPr>
-          <p:cNvPr id="61" name="文本框 60"/>
-          <p:cNvSpPr txBox="1"/>
-          <p:nvPr/>
-        </p:nvSpPr>
-        <p:spPr>
-          <a:xfrm>
-            <a:off x="914394" y="5857868"/>
-            <a:ext cx="3716082" cy="369332"/>
-          </a:xfrm>
-          <a:prstGeom prst="rect">
-            <a:avLst/>
-          </a:prstGeom>
-          <a:noFill/>
-        </p:spPr>
-        <p:txBody>
-          <a:bodyPr wrap="none" rtlCol="0">
-            <a:spAutoFit/>
-          </a:bodyPr>
-          <a:lstStyle/>
-          <a:p>
-            <a:r>
-              <a:rPr lang="nb-NO" altLang="zh-CN" dirty="0"/>
-              <a:t>t2 = t1.rotated(by: </a:t>
-            </a:r>
-            <a:r>
-              <a:rPr lang="nb-NO" altLang="zh-CN" dirty="0" smtClean="0"/>
-              <a:t>90 </a:t>
-            </a:r>
-            <a:r>
-              <a:rPr lang="nb-NO" altLang="zh-CN" dirty="0"/>
-              <a:t>/ 180 * .pi</a:t>
-            </a:r>
-            <a:r>
-              <a:rPr lang="nb-NO" altLang="zh-CN" dirty="0" smtClean="0"/>
-              <a:t>)</a:t>
-            </a:r>
-            <a:endParaRPr lang="nb-NO" altLang="zh-CN" dirty="0"/>
-          </a:p>
-        </p:txBody>
-      </p:sp>
+        </p:grpSpPr>
+        <p:grpSp>
+          <p:nvGrpSpPr>
+            <p:cNvPr id="3" name="组合 2"/>
+            <p:cNvGrpSpPr/>
+            <p:nvPr/>
+          </p:nvGrpSpPr>
+          <p:grpSpPr>
+            <a:xfrm>
+              <a:off x="887" y="8487"/>
+              <a:ext cx="9520" cy="1210"/>
+              <a:chOff x="1418" y="8595"/>
+              <a:chExt cx="9520" cy="1210"/>
+            </a:xfrm>
+          </p:grpSpPr>
+          <p:sp>
+            <p:nvSpPr>
+              <p:cNvPr id="60" name="文本框 59"/>
+              <p:cNvSpPr txBox="1"/>
+              <p:nvPr/>
+            </p:nvSpPr>
+            <p:spPr>
+              <a:xfrm>
+                <a:off x="1418" y="8595"/>
+                <a:ext cx="9521" cy="580"/>
+              </a:xfrm>
+              <a:prstGeom prst="rect">
+                <a:avLst/>
+              </a:prstGeom>
+              <a:noFill/>
+            </p:spPr>
+            <p:txBody>
+              <a:bodyPr wrap="none" rtlCol="0">
+                <a:spAutoFit/>
+              </a:bodyPr>
+              <a:lstStyle/>
+              <a:p>
+                <a:r>
+                  <a:rPr lang="en-US" altLang="zh-CN" dirty="0"/>
+                  <a:t>t</a:t>
+                </a:r>
+                <a:r>
+                  <a:rPr lang="en-US" altLang="zh-CN" baseline="-25000" dirty="0"/>
+                  <a:t>1</a:t>
+                </a:r>
+                <a:r>
+                  <a:rPr lang="en-US" altLang="zh-CN" dirty="0"/>
+                  <a:t> = </a:t>
+                </a:r>
+                <a:r>
+                  <a:rPr lang="en-US" altLang="zh-CN" dirty="0" err="1"/>
+                  <a:t>CGAffineTransform</a:t>
+                </a:r>
+                <a:r>
+                  <a:rPr lang="en-US" altLang="zh-CN" dirty="0"/>
+                  <a:t>(</a:t>
+                </a:r>
+                <a:r>
+                  <a:rPr lang="en-US" altLang="zh-CN" dirty="0" err="1"/>
+                  <a:t>translationX</a:t>
+                </a:r>
+                <a:r>
+                  <a:rPr lang="en-US" altLang="zh-CN" dirty="0"/>
+                  <a:t>: </a:t>
+                </a:r>
+                <a:r>
+                  <a:rPr lang="en-US" altLang="zh-CN" dirty="0" err="1"/>
+                  <a:t>originHeight</a:t>
+                </a:r>
+                <a:r>
+                  <a:rPr lang="en-US" altLang="zh-CN" dirty="0"/>
+                  <a:t>, y: 0</a:t>
+                </a:r>
+                <a:r>
+                  <a:rPr lang="en-US" altLang="zh-CN" dirty="0" smtClean="0"/>
+                  <a:t>)</a:t>
+                </a:r>
+                <a:endParaRPr lang="en-US" altLang="zh-CN" dirty="0"/>
+              </a:p>
+            </p:txBody>
+          </p:sp>
+          <p:sp>
+            <p:nvSpPr>
+              <p:cNvPr id="61" name="文本框 60"/>
+              <p:cNvSpPr txBox="1"/>
+              <p:nvPr/>
+            </p:nvSpPr>
+            <p:spPr>
+              <a:xfrm>
+                <a:off x="1440" y="9225"/>
+                <a:ext cx="5634" cy="580"/>
+              </a:xfrm>
+              <a:prstGeom prst="rect">
+                <a:avLst/>
+              </a:prstGeom>
+              <a:noFill/>
+            </p:spPr>
+            <p:txBody>
+              <a:bodyPr wrap="none" rtlCol="0">
+                <a:spAutoFit/>
+              </a:bodyPr>
+              <a:lstStyle/>
+              <a:p>
+                <a:r>
+                  <a:rPr lang="nb-NO" altLang="zh-CN" dirty="0"/>
+                  <a:t>t</a:t>
+                </a:r>
+                <a:r>
+                  <a:rPr lang="nb-NO" altLang="zh-CN" baseline="-25000" dirty="0"/>
+                  <a:t>2</a:t>
+                </a:r>
+                <a:r>
+                  <a:rPr lang="nb-NO" altLang="zh-CN" dirty="0"/>
+                  <a:t> = t</a:t>
+                </a:r>
+                <a:r>
+                  <a:rPr lang="nb-NO" altLang="zh-CN" baseline="-25000" dirty="0"/>
+                  <a:t>1</a:t>
+                </a:r>
+                <a:r>
+                  <a:rPr lang="nb-NO" altLang="zh-CN" dirty="0"/>
+                  <a:t>.rotated(by: </a:t>
+                </a:r>
+                <a:r>
+                  <a:rPr lang="nb-NO" altLang="zh-CN" dirty="0" smtClean="0"/>
+                  <a:t>90 </a:t>
+                </a:r>
+                <a:r>
+                  <a:rPr lang="nb-NO" altLang="zh-CN" dirty="0"/>
+                  <a:t>/ 180 * .pi</a:t>
+                </a:r>
+                <a:r>
+                  <a:rPr lang="nb-NO" altLang="zh-CN" dirty="0" smtClean="0"/>
+                  <a:t>)</a:t>
+                </a:r>
+                <a:endParaRPr lang="nb-NO" altLang="zh-CN" dirty="0"/>
+              </a:p>
+            </p:txBody>
+          </p:sp>
+        </p:grpSp>
+        <p:sp>
+          <p:nvSpPr>
+            <p:cNvPr id="2" name="文本框 1"/>
+            <p:cNvSpPr txBox="1"/>
+            <p:nvPr/>
+          </p:nvSpPr>
+          <p:spPr>
+            <a:xfrm>
+              <a:off x="873" y="8008"/>
+              <a:ext cx="1888" cy="531"/>
+            </a:xfrm>
+            <a:prstGeom prst="rect">
+              <a:avLst/>
+            </a:prstGeom>
+            <a:noFill/>
+          </p:spPr>
+          <p:txBody>
+            <a:bodyPr wrap="none" rtlCol="0">
+              <a:spAutoFit/>
+            </a:bodyPr>
+            <a:p>
+              <a:r>
+                <a:rPr lang="zh-CN" altLang="en-US" sz="1600"/>
+                <a:t>代码实现：</a:t>
+              </a:r>
+              <a:endParaRPr lang="zh-CN" altLang="en-US" sz="1600"/>
+            </a:p>
+          </p:txBody>
+        </p:sp>
+      </p:grpSp>
     </p:spTree>
-    <p:extLst>
-      <p:ext uri="{BB962C8B-B14F-4D97-AF65-F5344CB8AC3E}">
-        <p14:creationId xmlns:p14="http://schemas.microsoft.com/office/powerpoint/2010/main" val="535947850"/>
-      </p:ext>
-    </p:extLst>
   </p:cSld>
   <p:clrMapOvr>
     <a:masterClrMapping/>
   </p:clrMapOvr>
 </p:sld>
+</file>
+
+<file path=ppt/tags/tag1.xml><?xml version="1.0" encoding="utf-8"?>
+<p:tagLst xmlns:p="http://schemas.openxmlformats.org/presentationml/2006/main">
+  <p:tag name="KSO_WM_SLIDE_MODEL_TYPE" val="cover"/>
+</p:tagLst>
 </file>
 
 <file path=ppt/theme/theme1.xml><?xml version="1.0" encoding="utf-8"?>
@@ -17773,8 +20458,6 @@
       </a:bgFillStyleLst>
     </a:fmtScheme>
   </a:themeElements>
-  <a:objectDefaults/>
-  <a:extraClrSchemeLst/>
   <a:extLst>
     <a:ext uri="{05A4C25C-085E-4340-85A3-A5531E510DB2}">
       <thm15:themeFamily xmlns:thm15="http://schemas.microsoft.com/office/thememl/2012/main" name="Office Theme" id="{62F939B6-93AF-4DB8-9C6B-D6C7DFDC589F}" vid="{4A3C46E8-61CC-4603-A589-7422A47A8E4A}"/>
@@ -18034,8 +20717,6 @@
       </a:bgFillStyleLst>
     </a:fmtScheme>
   </a:themeElements>
-  <a:objectDefaults/>
-  <a:extraClrSchemeLst/>
   <a:extLst>
     <a:ext uri="{05A4C25C-085E-4340-85A3-A5531E510DB2}">
       <thm15:themeFamily xmlns:thm15="http://schemas.microsoft.com/office/thememl/2012/main" name="Office Theme" id="{62F939B6-93AF-4DB8-9C6B-D6C7DFDC589F}" vid="{4A3C46E8-61CC-4603-A589-7422A47A8E4A}"/>
